--- a/AzureStorageQueue/Azure Storage Queue.pptx
+++ b/AzureStorageQueue/Azure Storage Queue.pptx
@@ -2,14 +2,16 @@
 <file path=ppt/presentation.xml><?xml version="1.0" encoding="utf-8"?>
 <p:presentation xmlns:a="http://schemas.openxmlformats.org/drawingml/2006/main" xmlns:r="http://schemas.openxmlformats.org/officeDocument/2006/relationships" xmlns:p="http://schemas.openxmlformats.org/presentationml/2006/main" saveSubsetFonts="1">
   <p:sldMasterIdLst>
-    <p:sldMasterId id="2147483648" r:id="rId1"/>
+    <p:sldMasterId id="2147483701" r:id="rId1"/>
   </p:sldMasterIdLst>
   <p:sldIdLst>
     <p:sldId id="256" r:id="rId2"/>
     <p:sldId id="257" r:id="rId3"/>
     <p:sldId id="258" r:id="rId4"/>
+    <p:sldId id="260" r:id="rId5"/>
+    <p:sldId id="259" r:id="rId6"/>
   </p:sldIdLst>
-  <p:sldSz cx="12192000" cy="6858000"/>
+  <p:sldSz cx="9144000" cy="6858000" type="screen4x3"/>
   <p:notesSz cx="6858000" cy="9144000"/>
   <p:defaultTextStyle>
     <a:defPPr>
@@ -106,11 +108,16 @@
       </a:defRPr>
     </a:lvl9pPr>
   </p:defaultTextStyle>
+  <p:extLst>
+    <p:ext uri="{EFAFB233-063F-42B5-8137-9DF3F51BA10A}">
+      <p15:sldGuideLst xmlns:p15="http://schemas.microsoft.com/office/powerpoint/2012/main"/>
+    </p:ext>
+  </p:extLst>
 </p:presentation>
 </file>
 
 <file path=ppt/slideLayouts/slideLayout1.xml><?xml version="1.0" encoding="utf-8"?>
-<p:sldLayout xmlns:a="http://schemas.openxmlformats.org/drawingml/2006/main" xmlns:r="http://schemas.openxmlformats.org/officeDocument/2006/relationships" xmlns:p="http://schemas.openxmlformats.org/presentationml/2006/main" type="title" preserve="1">
+<p:sldLayout xmlns:a="http://schemas.openxmlformats.org/drawingml/2006/main" xmlns:r="http://schemas.openxmlformats.org/officeDocument/2006/relationships" xmlns:p="http://schemas.openxmlformats.org/presentationml/2006/main" showMasterSp="0" type="title" preserve="1">
   <p:cSld name="Title Slide">
     <p:spTree>
       <p:nvGrpSpPr>
@@ -128,6 +135,82 @@
       </p:grpSpPr>
       <p:sp>
         <p:nvSpPr>
+          <p:cNvPr id="7" name="Rectangle 6"/>
+          <p:cNvSpPr/>
+          <p:nvPr/>
+        </p:nvSpPr>
+        <p:spPr>
+          <a:xfrm>
+            <a:off x="2382" y="6400800"/>
+            <a:ext cx="9141619" cy="457200"/>
+          </a:xfrm>
+          <a:prstGeom prst="rect">
+            <a:avLst/>
+          </a:prstGeom>
+          <a:solidFill>
+            <a:schemeClr val="accent2"/>
+          </a:solidFill>
+          <a:ln>
+            <a:noFill/>
+          </a:ln>
+        </p:spPr>
+        <p:style>
+          <a:lnRef idx="2">
+            <a:schemeClr val="accent1">
+              <a:shade val="50000"/>
+            </a:schemeClr>
+          </a:lnRef>
+          <a:fillRef idx="1">
+            <a:schemeClr val="accent1"/>
+          </a:fillRef>
+          <a:effectRef idx="0">
+            <a:schemeClr val="accent1"/>
+          </a:effectRef>
+          <a:fontRef idx="minor">
+            <a:schemeClr val="lt1"/>
+          </a:fontRef>
+        </p:style>
+      </p:sp>
+      <p:sp>
+        <p:nvSpPr>
+          <p:cNvPr id="8" name="Rectangle 7"/>
+          <p:cNvSpPr/>
+          <p:nvPr/>
+        </p:nvSpPr>
+        <p:spPr>
+          <a:xfrm>
+            <a:off x="12" y="6334316"/>
+            <a:ext cx="9141619" cy="64008"/>
+          </a:xfrm>
+          <a:prstGeom prst="rect">
+            <a:avLst/>
+          </a:prstGeom>
+          <a:solidFill>
+            <a:schemeClr val="accent1"/>
+          </a:solidFill>
+          <a:ln>
+            <a:noFill/>
+          </a:ln>
+        </p:spPr>
+        <p:style>
+          <a:lnRef idx="2">
+            <a:schemeClr val="accent1">
+              <a:shade val="50000"/>
+            </a:schemeClr>
+          </a:lnRef>
+          <a:fillRef idx="1">
+            <a:schemeClr val="accent1"/>
+          </a:fillRef>
+          <a:effectRef idx="0">
+            <a:schemeClr val="accent1"/>
+          </a:effectRef>
+          <a:fontRef idx="minor">
+            <a:schemeClr val="lt1"/>
+          </a:fontRef>
+        </p:style>
+      </p:sp>
+      <p:sp>
+        <p:nvSpPr>
           <p:cNvPr id="2" name="Title 1"/>
           <p:cNvSpPr>
             <a:spLocks noGrp="1"/>
@@ -138,15 +221,27 @@
         </p:nvSpPr>
         <p:spPr>
           <a:xfrm>
-            <a:off x="1524000" y="1122363"/>
-            <a:ext cx="9144000" cy="2387600"/>
+            <a:off x="822960" y="758952"/>
+            <a:ext cx="7543800" cy="3566160"/>
           </a:xfrm>
         </p:spPr>
         <p:txBody>
-          <a:bodyPr anchor="b"/>
+          <a:bodyPr anchor="b">
+            <a:normAutofit/>
+          </a:bodyPr>
           <a:lstStyle>
-            <a:lvl1pPr algn="ctr">
-              <a:defRPr sz="6000"/>
+            <a:lvl1pPr algn="l">
+              <a:lnSpc>
+                <a:spcPct val="85000"/>
+              </a:lnSpc>
+              <a:defRPr sz="8000" spc="-50" baseline="0">
+                <a:solidFill>
+                  <a:schemeClr val="tx1">
+                    <a:lumMod val="85000"/>
+                    <a:lumOff val="15000"/>
+                  </a:schemeClr>
+                </a:solidFill>
+              </a:defRPr>
             </a:lvl1pPr>
           </a:lstStyle>
           <a:p>
@@ -154,7 +249,7 @@
               <a:rPr lang="en-US" smtClean="0"/>
               <a:t>Click to edit Master title style</a:t>
             </a:r>
-            <a:endParaRPr lang="en-US"/>
+            <a:endParaRPr lang="en-US" dirty="0"/>
           </a:p>
         </p:txBody>
       </p:sp>
@@ -170,48 +265,55 @@
         </p:nvSpPr>
         <p:spPr>
           <a:xfrm>
-            <a:off x="1524000" y="3602038"/>
-            <a:ext cx="9144000" cy="1655762"/>
+            <a:off x="825038" y="4455621"/>
+            <a:ext cx="7543800" cy="1143000"/>
           </a:xfrm>
         </p:spPr>
         <p:txBody>
-          <a:bodyPr/>
+          <a:bodyPr lIns="91440" rIns="91440">
+            <a:normAutofit/>
+          </a:bodyPr>
           <a:lstStyle>
-            <a:lvl1pPr marL="0" indent="0" algn="ctr">
+            <a:lvl1pPr marL="0" indent="0" algn="l">
               <a:buNone/>
-              <a:defRPr sz="2400"/>
+              <a:defRPr sz="2400" cap="all" spc="200" baseline="0">
+                <a:solidFill>
+                  <a:schemeClr val="tx2"/>
+                </a:solidFill>
+                <a:latin typeface="+mj-lt"/>
+              </a:defRPr>
             </a:lvl1pPr>
             <a:lvl2pPr marL="457200" indent="0" algn="ctr">
               <a:buNone/>
-              <a:defRPr sz="2000"/>
+              <a:defRPr sz="2400"/>
             </a:lvl2pPr>
             <a:lvl3pPr marL="914400" indent="0" algn="ctr">
               <a:buNone/>
-              <a:defRPr sz="1800"/>
+              <a:defRPr sz="2400"/>
             </a:lvl3pPr>
             <a:lvl4pPr marL="1371600" indent="0" algn="ctr">
               <a:buNone/>
-              <a:defRPr sz="1600"/>
+              <a:defRPr sz="2000"/>
             </a:lvl4pPr>
             <a:lvl5pPr marL="1828800" indent="0" algn="ctr">
               <a:buNone/>
-              <a:defRPr sz="1600"/>
+              <a:defRPr sz="2000"/>
             </a:lvl5pPr>
             <a:lvl6pPr marL="2286000" indent="0" algn="ctr">
               <a:buNone/>
-              <a:defRPr sz="1600"/>
+              <a:defRPr sz="2000"/>
             </a:lvl6pPr>
             <a:lvl7pPr marL="2743200" indent="0" algn="ctr">
               <a:buNone/>
-              <a:defRPr sz="1600"/>
+              <a:defRPr sz="2000"/>
             </a:lvl7pPr>
             <a:lvl8pPr marL="3200400" indent="0" algn="ctr">
               <a:buNone/>
-              <a:defRPr sz="1600"/>
+              <a:defRPr sz="2000"/>
             </a:lvl8pPr>
             <a:lvl9pPr marL="3657600" indent="0" algn="ctr">
               <a:buNone/>
-              <a:defRPr sz="1600"/>
+              <a:defRPr sz="2000"/>
             </a:lvl9pPr>
           </a:lstStyle>
           <a:p>
@@ -219,7 +321,7 @@
               <a:rPr lang="en-US" smtClean="0"/>
               <a:t>Click to edit Master subtitle style</a:t>
             </a:r>
-            <a:endParaRPr lang="en-US"/>
+            <a:endParaRPr lang="en-US" dirty="0"/>
           </a:p>
         </p:txBody>
       </p:sp>
@@ -240,7 +342,7 @@
           <a:p>
             <a:fld id="{4203C980-AD12-4747-9EBC-39EF27E43EC5}" type="datetimeFigureOut">
               <a:rPr lang="en-US" smtClean="0"/>
-              <a:t>2/2/2015</a:t>
+              <a:t>2/4/2015</a:t>
             </a:fld>
             <a:endParaRPr lang="en-US"/>
           </a:p>
@@ -288,10 +390,48 @@
           </a:p>
         </p:txBody>
       </p:sp>
+      <p:cxnSp>
+        <p:nvCxnSpPr>
+          <p:cNvPr id="9" name="Straight Connector 8"/>
+          <p:cNvCxnSpPr/>
+          <p:nvPr/>
+        </p:nvCxnSpPr>
+        <p:spPr>
+          <a:xfrm>
+            <a:off x="905744" y="4343400"/>
+            <a:ext cx="7406640" cy="0"/>
+          </a:xfrm>
+          <a:prstGeom prst="line">
+            <a:avLst/>
+          </a:prstGeom>
+          <a:ln w="6350">
+            <a:solidFill>
+              <a:schemeClr val="tx1">
+                <a:lumMod val="50000"/>
+                <a:lumOff val="50000"/>
+              </a:schemeClr>
+            </a:solidFill>
+          </a:ln>
+        </p:spPr>
+        <p:style>
+          <a:lnRef idx="1">
+            <a:schemeClr val="accent1"/>
+          </a:lnRef>
+          <a:fillRef idx="0">
+            <a:schemeClr val="accent1"/>
+          </a:fillRef>
+          <a:effectRef idx="0">
+            <a:schemeClr val="accent1"/>
+          </a:effectRef>
+          <a:fontRef idx="minor">
+            <a:schemeClr val="tx1"/>
+          </a:fontRef>
+        </p:style>
+      </p:cxnSp>
     </p:spTree>
     <p:extLst>
       <p:ext uri="{BB962C8B-B14F-4D97-AF65-F5344CB8AC3E}">
-        <p14:creationId xmlns:p14="http://schemas.microsoft.com/office/powerpoint/2010/main" val="2590131219"/>
+        <p14:creationId xmlns:p14="http://schemas.microsoft.com/office/powerpoint/2010/main" val="3575505004"/>
       </p:ext>
     </p:extLst>
   </p:cSld>
@@ -337,7 +477,7 @@
               <a:rPr lang="en-US" smtClean="0"/>
               <a:t>Click to edit Master title style</a:t>
             </a:r>
-            <a:endParaRPr lang="en-US"/>
+            <a:endParaRPr lang="en-US" dirty="0"/>
           </a:p>
         </p:txBody>
       </p:sp>
@@ -353,7 +493,7 @@
         </p:nvSpPr>
         <p:spPr/>
         <p:txBody>
-          <a:bodyPr vert="eaVert"/>
+          <a:bodyPr vert="eaVert" lIns="45720" tIns="0" rIns="45720" bIns="0"/>
           <a:lstStyle/>
           <a:p>
             <a:pPr lvl="0"/>
@@ -389,7 +529,7 @@
               <a:rPr lang="en-US" smtClean="0"/>
               <a:t>Fifth level</a:t>
             </a:r>
-            <a:endParaRPr lang="en-US"/>
+            <a:endParaRPr lang="en-US" dirty="0"/>
           </a:p>
         </p:txBody>
       </p:sp>
@@ -410,7 +550,7 @@
           <a:p>
             <a:fld id="{4203C980-AD12-4747-9EBC-39EF27E43EC5}" type="datetimeFigureOut">
               <a:rPr lang="en-US" smtClean="0"/>
-              <a:t>2/2/2015</a:t>
+              <a:t>2/4/2015</a:t>
             </a:fld>
             <a:endParaRPr lang="en-US"/>
           </a:p>
@@ -461,7 +601,7 @@
     </p:spTree>
     <p:extLst>
       <p:ext uri="{BB962C8B-B14F-4D97-AF65-F5344CB8AC3E}">
-        <p14:creationId xmlns:p14="http://schemas.microsoft.com/office/powerpoint/2010/main" val="2644124827"/>
+        <p14:creationId xmlns:p14="http://schemas.microsoft.com/office/powerpoint/2010/main" val="352479248"/>
       </p:ext>
     </p:extLst>
   </p:cSld>
@@ -472,7 +612,7 @@
 </file>
 
 <file path=ppt/slideLayouts/slideLayout11.xml><?xml version="1.0" encoding="utf-8"?>
-<p:sldLayout xmlns:a="http://schemas.openxmlformats.org/drawingml/2006/main" xmlns:r="http://schemas.openxmlformats.org/officeDocument/2006/relationships" xmlns:p="http://schemas.openxmlformats.org/presentationml/2006/main" type="vertTitleAndTx" preserve="1">
+<p:sldLayout xmlns:a="http://schemas.openxmlformats.org/drawingml/2006/main" xmlns:r="http://schemas.openxmlformats.org/officeDocument/2006/relationships" xmlns:p="http://schemas.openxmlformats.org/presentationml/2006/main" showMasterSp="0" type="vertTitleAndTx" preserve="1">
   <p:cSld name="Vertical Title and Text">
     <p:spTree>
       <p:nvGrpSpPr>
@@ -490,6 +630,82 @@
       </p:grpSpPr>
       <p:sp>
         <p:nvSpPr>
+          <p:cNvPr id="7" name="Rectangle 6"/>
+          <p:cNvSpPr/>
+          <p:nvPr/>
+        </p:nvSpPr>
+        <p:spPr>
+          <a:xfrm>
+            <a:off x="2382" y="6400800"/>
+            <a:ext cx="9141619" cy="457200"/>
+          </a:xfrm>
+          <a:prstGeom prst="rect">
+            <a:avLst/>
+          </a:prstGeom>
+          <a:solidFill>
+            <a:schemeClr val="accent2"/>
+          </a:solidFill>
+          <a:ln>
+            <a:noFill/>
+          </a:ln>
+        </p:spPr>
+        <p:style>
+          <a:lnRef idx="2">
+            <a:schemeClr val="accent1">
+              <a:shade val="50000"/>
+            </a:schemeClr>
+          </a:lnRef>
+          <a:fillRef idx="1">
+            <a:schemeClr val="accent1"/>
+          </a:fillRef>
+          <a:effectRef idx="0">
+            <a:schemeClr val="accent1"/>
+          </a:effectRef>
+          <a:fontRef idx="minor">
+            <a:schemeClr val="lt1"/>
+          </a:fontRef>
+        </p:style>
+      </p:sp>
+      <p:sp>
+        <p:nvSpPr>
+          <p:cNvPr id="8" name="Rectangle 7"/>
+          <p:cNvSpPr/>
+          <p:nvPr/>
+        </p:nvSpPr>
+        <p:spPr>
+          <a:xfrm>
+            <a:off x="12" y="6334316"/>
+            <a:ext cx="9141619" cy="64008"/>
+          </a:xfrm>
+          <a:prstGeom prst="rect">
+            <a:avLst/>
+          </a:prstGeom>
+          <a:solidFill>
+            <a:schemeClr val="accent1"/>
+          </a:solidFill>
+          <a:ln>
+            <a:noFill/>
+          </a:ln>
+        </p:spPr>
+        <p:style>
+          <a:lnRef idx="2">
+            <a:schemeClr val="accent1">
+              <a:shade val="50000"/>
+            </a:schemeClr>
+          </a:lnRef>
+          <a:fillRef idx="1">
+            <a:schemeClr val="accent1"/>
+          </a:fillRef>
+          <a:effectRef idx="0">
+            <a:schemeClr val="accent1"/>
+          </a:effectRef>
+          <a:fontRef idx="minor">
+            <a:schemeClr val="lt1"/>
+          </a:fontRef>
+        </p:style>
+      </p:sp>
+      <p:sp>
+        <p:nvSpPr>
           <p:cNvPr id="2" name="Vertical Title 1"/>
           <p:cNvSpPr>
             <a:spLocks noGrp="1"/>
@@ -500,8 +716,8 @@
         </p:nvSpPr>
         <p:spPr>
           <a:xfrm>
-            <a:off x="8724900" y="365125"/>
-            <a:ext cx="2628900" cy="5811838"/>
+            <a:off x="6543675" y="412302"/>
+            <a:ext cx="1971675" cy="5759898"/>
           </a:xfrm>
         </p:spPr>
         <p:txBody>
@@ -512,7 +728,7 @@
               <a:rPr lang="en-US" smtClean="0"/>
               <a:t>Click to edit Master title style</a:t>
             </a:r>
-            <a:endParaRPr lang="en-US"/>
+            <a:endParaRPr lang="en-US" dirty="0"/>
           </a:p>
         </p:txBody>
       </p:sp>
@@ -528,12 +744,12 @@
         </p:nvSpPr>
         <p:spPr>
           <a:xfrm>
-            <a:off x="838200" y="365125"/>
-            <a:ext cx="7734300" cy="5811838"/>
+            <a:off x="628650" y="412302"/>
+            <a:ext cx="5800725" cy="5759898"/>
           </a:xfrm>
         </p:spPr>
         <p:txBody>
-          <a:bodyPr vert="eaVert"/>
+          <a:bodyPr vert="eaVert" lIns="45720" tIns="0" rIns="45720" bIns="0"/>
           <a:lstStyle/>
           <a:p>
             <a:pPr lvl="0"/>
@@ -569,7 +785,7 @@
               <a:rPr lang="en-US" smtClean="0"/>
               <a:t>Fifth level</a:t>
             </a:r>
-            <a:endParaRPr lang="en-US"/>
+            <a:endParaRPr lang="en-US" dirty="0"/>
           </a:p>
         </p:txBody>
       </p:sp>
@@ -590,7 +806,7 @@
           <a:p>
             <a:fld id="{4203C980-AD12-4747-9EBC-39EF27E43EC5}" type="datetimeFigureOut">
               <a:rPr lang="en-US" smtClean="0"/>
-              <a:t>2/2/2015</a:t>
+              <a:t>2/4/2015</a:t>
             </a:fld>
             <a:endParaRPr lang="en-US"/>
           </a:p>
@@ -641,7 +857,7 @@
     </p:spTree>
     <p:extLst>
       <p:ext uri="{BB962C8B-B14F-4D97-AF65-F5344CB8AC3E}">
-        <p14:creationId xmlns:p14="http://schemas.microsoft.com/office/powerpoint/2010/main" val="3349263127"/>
+        <p14:creationId xmlns:p14="http://schemas.microsoft.com/office/powerpoint/2010/main" val="3810415782"/>
       </p:ext>
     </p:extLst>
   </p:cSld>
@@ -687,7 +903,7 @@
               <a:rPr lang="en-US" smtClean="0"/>
               <a:t>Click to edit Master title style</a:t>
             </a:r>
-            <a:endParaRPr lang="en-US"/>
+            <a:endParaRPr lang="en-US" dirty="0"/>
           </a:p>
         </p:txBody>
       </p:sp>
@@ -739,7 +955,7 @@
               <a:rPr lang="en-US" smtClean="0"/>
               <a:t>Fifth level</a:t>
             </a:r>
-            <a:endParaRPr lang="en-US"/>
+            <a:endParaRPr lang="en-US" dirty="0"/>
           </a:p>
         </p:txBody>
       </p:sp>
@@ -760,7 +976,7 @@
           <a:p>
             <a:fld id="{4203C980-AD12-4747-9EBC-39EF27E43EC5}" type="datetimeFigureOut">
               <a:rPr lang="en-US" smtClean="0"/>
-              <a:t>2/2/2015</a:t>
+              <a:t>2/4/2015</a:t>
             </a:fld>
             <a:endParaRPr lang="en-US"/>
           </a:p>
@@ -811,7 +1027,7 @@
     </p:spTree>
     <p:extLst>
       <p:ext uri="{BB962C8B-B14F-4D97-AF65-F5344CB8AC3E}">
-        <p14:creationId xmlns:p14="http://schemas.microsoft.com/office/powerpoint/2010/main" val="1648747289"/>
+        <p14:creationId xmlns:p14="http://schemas.microsoft.com/office/powerpoint/2010/main" val="1132287082"/>
       </p:ext>
     </p:extLst>
   </p:cSld>
@@ -822,8 +1038,16 @@
 </file>
 
 <file path=ppt/slideLayouts/slideLayout3.xml><?xml version="1.0" encoding="utf-8"?>
-<p:sldLayout xmlns:a="http://schemas.openxmlformats.org/drawingml/2006/main" xmlns:r="http://schemas.openxmlformats.org/officeDocument/2006/relationships" xmlns:p="http://schemas.openxmlformats.org/presentationml/2006/main" type="secHead" preserve="1">
+<p:sldLayout xmlns:a="http://schemas.openxmlformats.org/drawingml/2006/main" xmlns:r="http://schemas.openxmlformats.org/officeDocument/2006/relationships" xmlns:p="http://schemas.openxmlformats.org/presentationml/2006/main" showMasterSp="0" type="secHead" preserve="1">
   <p:cSld name="Section Header">
+    <p:bg>
+      <p:bgPr>
+        <a:solidFill>
+          <a:schemeClr val="bg1"/>
+        </a:solidFill>
+        <a:effectLst/>
+      </p:bgPr>
+    </p:bg>
     <p:spTree>
       <p:nvGrpSpPr>
         <p:cNvPr id="1" name=""/>
@@ -840,6 +1064,82 @@
       </p:grpSpPr>
       <p:sp>
         <p:nvSpPr>
+          <p:cNvPr id="7" name="Rectangle 6"/>
+          <p:cNvSpPr/>
+          <p:nvPr/>
+        </p:nvSpPr>
+        <p:spPr>
+          <a:xfrm>
+            <a:off x="2382" y="6400800"/>
+            <a:ext cx="9141619" cy="457200"/>
+          </a:xfrm>
+          <a:prstGeom prst="rect">
+            <a:avLst/>
+          </a:prstGeom>
+          <a:solidFill>
+            <a:schemeClr val="accent2"/>
+          </a:solidFill>
+          <a:ln>
+            <a:noFill/>
+          </a:ln>
+        </p:spPr>
+        <p:style>
+          <a:lnRef idx="2">
+            <a:schemeClr val="accent1">
+              <a:shade val="50000"/>
+            </a:schemeClr>
+          </a:lnRef>
+          <a:fillRef idx="1">
+            <a:schemeClr val="accent1"/>
+          </a:fillRef>
+          <a:effectRef idx="0">
+            <a:schemeClr val="accent1"/>
+          </a:effectRef>
+          <a:fontRef idx="minor">
+            <a:schemeClr val="lt1"/>
+          </a:fontRef>
+        </p:style>
+      </p:sp>
+      <p:sp>
+        <p:nvSpPr>
+          <p:cNvPr id="8" name="Rectangle 7"/>
+          <p:cNvSpPr/>
+          <p:nvPr/>
+        </p:nvSpPr>
+        <p:spPr>
+          <a:xfrm>
+            <a:off x="12" y="6334316"/>
+            <a:ext cx="9141619" cy="64008"/>
+          </a:xfrm>
+          <a:prstGeom prst="rect">
+            <a:avLst/>
+          </a:prstGeom>
+          <a:solidFill>
+            <a:schemeClr val="accent1"/>
+          </a:solidFill>
+          <a:ln>
+            <a:noFill/>
+          </a:ln>
+        </p:spPr>
+        <p:style>
+          <a:lnRef idx="2">
+            <a:schemeClr val="accent1">
+              <a:shade val="50000"/>
+            </a:schemeClr>
+          </a:lnRef>
+          <a:fillRef idx="1">
+            <a:schemeClr val="accent1"/>
+          </a:fillRef>
+          <a:effectRef idx="0">
+            <a:schemeClr val="accent1"/>
+          </a:effectRef>
+          <a:fontRef idx="minor">
+            <a:schemeClr val="lt1"/>
+          </a:fontRef>
+        </p:style>
+      </p:sp>
+      <p:sp>
+        <p:nvSpPr>
           <p:cNvPr id="2" name="Title 1"/>
           <p:cNvSpPr>
             <a:spLocks noGrp="1"/>
@@ -850,15 +1150,27 @@
         </p:nvSpPr>
         <p:spPr>
           <a:xfrm>
-            <a:off x="831850" y="1709738"/>
-            <a:ext cx="10515600" cy="2852737"/>
+            <a:off x="822960" y="758952"/>
+            <a:ext cx="7543800" cy="3566160"/>
           </a:xfrm>
         </p:spPr>
         <p:txBody>
-          <a:bodyPr anchor="b"/>
+          <a:bodyPr anchor="b" anchorCtr="0">
+            <a:normAutofit/>
+          </a:bodyPr>
           <a:lstStyle>
             <a:lvl1pPr>
-              <a:defRPr sz="6000"/>
+              <a:lnSpc>
+                <a:spcPct val="85000"/>
+              </a:lnSpc>
+              <a:defRPr sz="8000" b="0">
+                <a:solidFill>
+                  <a:schemeClr val="tx1">
+                    <a:lumMod val="85000"/>
+                    <a:lumOff val="15000"/>
+                  </a:schemeClr>
+                </a:solidFill>
+              </a:defRPr>
             </a:lvl1pPr>
           </a:lstStyle>
           <a:p>
@@ -866,7 +1178,7 @@
               <a:rPr lang="en-US" smtClean="0"/>
               <a:t>Click to edit Master title style</a:t>
             </a:r>
-            <a:endParaRPr lang="en-US"/>
+            <a:endParaRPr lang="en-US" dirty="0"/>
           </a:p>
         </p:txBody>
       </p:sp>
@@ -882,26 +1194,27 @@
         </p:nvSpPr>
         <p:spPr>
           <a:xfrm>
-            <a:off x="831850" y="4589463"/>
-            <a:ext cx="10515600" cy="1500187"/>
+            <a:off x="822960" y="4453128"/>
+            <a:ext cx="7543800" cy="1143000"/>
           </a:xfrm>
         </p:spPr>
         <p:txBody>
-          <a:bodyPr/>
+          <a:bodyPr lIns="91440" rIns="91440" anchor="t" anchorCtr="0">
+            <a:normAutofit/>
+          </a:bodyPr>
           <a:lstStyle>
             <a:lvl1pPr marL="0" indent="0">
               <a:buNone/>
-              <a:defRPr sz="2400">
+              <a:defRPr sz="2400" cap="all" spc="200" baseline="0">
                 <a:solidFill>
-                  <a:schemeClr val="tx1">
-                    <a:tint val="75000"/>
-                  </a:schemeClr>
+                  <a:schemeClr val="tx2"/>
                 </a:solidFill>
+                <a:latin typeface="+mj-lt"/>
               </a:defRPr>
             </a:lvl1pPr>
             <a:lvl2pPr marL="457200" indent="0">
               <a:buNone/>
-              <a:defRPr sz="2000">
+              <a:defRPr sz="1800">
                 <a:solidFill>
                   <a:schemeClr val="tx1">
                     <a:tint val="75000"/>
@@ -911,7 +1224,7 @@
             </a:lvl2pPr>
             <a:lvl3pPr marL="914400" indent="0">
               <a:buNone/>
-              <a:defRPr sz="1800">
+              <a:defRPr sz="1600">
                 <a:solidFill>
                   <a:schemeClr val="tx1">
                     <a:tint val="75000"/>
@@ -921,7 +1234,7 @@
             </a:lvl3pPr>
             <a:lvl4pPr marL="1371600" indent="0">
               <a:buNone/>
-              <a:defRPr sz="1600">
+              <a:defRPr sz="1400">
                 <a:solidFill>
                   <a:schemeClr val="tx1">
                     <a:tint val="75000"/>
@@ -931,7 +1244,7 @@
             </a:lvl4pPr>
             <a:lvl5pPr marL="1828800" indent="0">
               <a:buNone/>
-              <a:defRPr sz="1600">
+              <a:defRPr sz="1400">
                 <a:solidFill>
                   <a:schemeClr val="tx1">
                     <a:tint val="75000"/>
@@ -941,7 +1254,7 @@
             </a:lvl5pPr>
             <a:lvl6pPr marL="2286000" indent="0">
               <a:buNone/>
-              <a:defRPr sz="1600">
+              <a:defRPr sz="1400">
                 <a:solidFill>
                   <a:schemeClr val="tx1">
                     <a:tint val="75000"/>
@@ -951,7 +1264,7 @@
             </a:lvl6pPr>
             <a:lvl7pPr marL="2743200" indent="0">
               <a:buNone/>
-              <a:defRPr sz="1600">
+              <a:defRPr sz="1400">
                 <a:solidFill>
                   <a:schemeClr val="tx1">
                     <a:tint val="75000"/>
@@ -961,7 +1274,7 @@
             </a:lvl7pPr>
             <a:lvl8pPr marL="3200400" indent="0">
               <a:buNone/>
-              <a:defRPr sz="1600">
+              <a:defRPr sz="1400">
                 <a:solidFill>
                   <a:schemeClr val="tx1">
                     <a:tint val="75000"/>
@@ -971,7 +1284,7 @@
             </a:lvl8pPr>
             <a:lvl9pPr marL="3657600" indent="0">
               <a:buNone/>
-              <a:defRPr sz="1600">
+              <a:defRPr sz="1400">
                 <a:solidFill>
                   <a:schemeClr val="tx1">
                     <a:tint val="75000"/>
@@ -1006,7 +1319,7 @@
           <a:p>
             <a:fld id="{4203C980-AD12-4747-9EBC-39EF27E43EC5}" type="datetimeFigureOut">
               <a:rPr lang="en-US" smtClean="0"/>
-              <a:t>2/2/2015</a:t>
+              <a:t>2/4/2015</a:t>
             </a:fld>
             <a:endParaRPr lang="en-US"/>
           </a:p>
@@ -1054,10 +1367,48 @@
           </a:p>
         </p:txBody>
       </p:sp>
+      <p:cxnSp>
+        <p:nvCxnSpPr>
+          <p:cNvPr id="9" name="Straight Connector 8"/>
+          <p:cNvCxnSpPr/>
+          <p:nvPr/>
+        </p:nvCxnSpPr>
+        <p:spPr>
+          <a:xfrm>
+            <a:off x="905744" y="4343400"/>
+            <a:ext cx="7406640" cy="0"/>
+          </a:xfrm>
+          <a:prstGeom prst="line">
+            <a:avLst/>
+          </a:prstGeom>
+          <a:ln w="6350">
+            <a:solidFill>
+              <a:schemeClr val="tx1">
+                <a:lumMod val="50000"/>
+                <a:lumOff val="50000"/>
+              </a:schemeClr>
+            </a:solidFill>
+          </a:ln>
+        </p:spPr>
+        <p:style>
+          <a:lnRef idx="1">
+            <a:schemeClr val="accent1"/>
+          </a:lnRef>
+          <a:fillRef idx="0">
+            <a:schemeClr val="accent1"/>
+          </a:fillRef>
+          <a:effectRef idx="0">
+            <a:schemeClr val="accent1"/>
+          </a:effectRef>
+          <a:fontRef idx="minor">
+            <a:schemeClr val="tx1"/>
+          </a:fontRef>
+        </p:style>
+      </p:cxnSp>
     </p:spTree>
     <p:extLst>
       <p:ext uri="{BB962C8B-B14F-4D97-AF65-F5344CB8AC3E}">
-        <p14:creationId xmlns:p14="http://schemas.microsoft.com/office/powerpoint/2010/main" val="4186652660"/>
+        <p14:creationId xmlns:p14="http://schemas.microsoft.com/office/powerpoint/2010/main" val="1726554914"/>
       </p:ext>
     </p:extLst>
   </p:cSld>
@@ -1086,7 +1437,7 @@
       </p:grpSpPr>
       <p:sp>
         <p:nvSpPr>
-          <p:cNvPr id="2" name="Title 1"/>
+          <p:cNvPr id="8" name="Title 7"/>
           <p:cNvSpPr>
             <a:spLocks noGrp="1"/>
           </p:cNvSpPr>
@@ -1094,7 +1445,12 @@
             <p:ph type="title"/>
           </p:nvPr>
         </p:nvSpPr>
-        <p:spPr/>
+        <p:spPr>
+          <a:xfrm>
+            <a:off x="822960" y="286604"/>
+            <a:ext cx="7543800" cy="1450757"/>
+          </a:xfrm>
+        </p:spPr>
         <p:txBody>
           <a:bodyPr/>
           <a:lstStyle/>
@@ -1103,7 +1459,7 @@
               <a:rPr lang="en-US" smtClean="0"/>
               <a:t>Click to edit Master title style</a:t>
             </a:r>
-            <a:endParaRPr lang="en-US"/>
+            <a:endParaRPr lang="en-US" dirty="0"/>
           </a:p>
         </p:txBody>
       </p:sp>
@@ -1119,8 +1475,8 @@
         </p:nvSpPr>
         <p:spPr>
           <a:xfrm>
-            <a:off x="838200" y="1825625"/>
-            <a:ext cx="5181600" cy="4351338"/>
+            <a:off x="822960" y="1845734"/>
+            <a:ext cx="3703320" cy="4023360"/>
           </a:xfrm>
         </p:spPr>
         <p:txBody>
@@ -1160,7 +1516,7 @@
               <a:rPr lang="en-US" smtClean="0"/>
               <a:t>Fifth level</a:t>
             </a:r>
-            <a:endParaRPr lang="en-US"/>
+            <a:endParaRPr lang="en-US" dirty="0"/>
           </a:p>
         </p:txBody>
       </p:sp>
@@ -1176,8 +1532,8 @@
         </p:nvSpPr>
         <p:spPr>
           <a:xfrm>
-            <a:off x="6172200" y="1825625"/>
-            <a:ext cx="5181600" cy="4351338"/>
+            <a:off x="4663440" y="1845735"/>
+            <a:ext cx="3703320" cy="4023360"/>
           </a:xfrm>
         </p:spPr>
         <p:txBody>
@@ -1217,7 +1573,7 @@
               <a:rPr lang="en-US" smtClean="0"/>
               <a:t>Fifth level</a:t>
             </a:r>
-            <a:endParaRPr lang="en-US"/>
+            <a:endParaRPr lang="en-US" dirty="0"/>
           </a:p>
         </p:txBody>
       </p:sp>
@@ -1238,7 +1594,7 @@
           <a:p>
             <a:fld id="{4203C980-AD12-4747-9EBC-39EF27E43EC5}" type="datetimeFigureOut">
               <a:rPr lang="en-US" smtClean="0"/>
-              <a:t>2/2/2015</a:t>
+              <a:t>2/4/2015</a:t>
             </a:fld>
             <a:endParaRPr lang="en-US"/>
           </a:p>
@@ -1289,7 +1645,7 @@
     </p:spTree>
     <p:extLst>
       <p:ext uri="{BB962C8B-B14F-4D97-AF65-F5344CB8AC3E}">
-        <p14:creationId xmlns:p14="http://schemas.microsoft.com/office/powerpoint/2010/main" val="957878431"/>
+        <p14:creationId xmlns:p14="http://schemas.microsoft.com/office/powerpoint/2010/main" val="3200063571"/>
       </p:ext>
     </p:extLst>
   </p:cSld>
@@ -1318,7 +1674,7 @@
       </p:grpSpPr>
       <p:sp>
         <p:nvSpPr>
-          <p:cNvPr id="2" name="Title 1"/>
+          <p:cNvPr id="10" name="Title 9"/>
           <p:cNvSpPr>
             <a:spLocks noGrp="1"/>
           </p:cNvSpPr>
@@ -1328,8 +1684,8 @@
         </p:nvSpPr>
         <p:spPr>
           <a:xfrm>
-            <a:off x="839788" y="365125"/>
-            <a:ext cx="10515600" cy="1325563"/>
+            <a:off x="822960" y="286604"/>
+            <a:ext cx="7543800" cy="1450757"/>
           </a:xfrm>
         </p:spPr>
         <p:txBody>
@@ -1340,7 +1696,7 @@
               <a:rPr lang="en-US" smtClean="0"/>
               <a:t>Click to edit Master title style</a:t>
             </a:r>
-            <a:endParaRPr lang="en-US"/>
+            <a:endParaRPr lang="en-US" dirty="0"/>
           </a:p>
         </p:txBody>
       </p:sp>
@@ -1356,16 +1712,22 @@
         </p:nvSpPr>
         <p:spPr>
           <a:xfrm>
-            <a:off x="839788" y="1681163"/>
-            <a:ext cx="5157787" cy="823912"/>
+            <a:off x="822960" y="1846052"/>
+            <a:ext cx="3703320" cy="736282"/>
           </a:xfrm>
         </p:spPr>
         <p:txBody>
-          <a:bodyPr anchor="b"/>
+          <a:bodyPr lIns="91440" rIns="91440" anchor="ctr">
+            <a:normAutofit/>
+          </a:bodyPr>
           <a:lstStyle>
             <a:lvl1pPr marL="0" indent="0">
               <a:buNone/>
-              <a:defRPr sz="2400" b="1"/>
+              <a:defRPr sz="2000" b="0" cap="all" baseline="0">
+                <a:solidFill>
+                  <a:schemeClr val="tx2"/>
+                </a:solidFill>
+              </a:defRPr>
             </a:lvl1pPr>
             <a:lvl2pPr marL="457200" indent="0">
               <a:buNone/>
@@ -1421,8 +1783,8 @@
         </p:nvSpPr>
         <p:spPr>
           <a:xfrm>
-            <a:off x="839788" y="2505075"/>
-            <a:ext cx="5157787" cy="3684588"/>
+            <a:off x="822960" y="2582334"/>
+            <a:ext cx="3703320" cy="3378200"/>
           </a:xfrm>
         </p:spPr>
         <p:txBody>
@@ -1462,7 +1824,7 @@
               <a:rPr lang="en-US" smtClean="0"/>
               <a:t>Fifth level</a:t>
             </a:r>
-            <a:endParaRPr lang="en-US"/>
+            <a:endParaRPr lang="en-US" dirty="0"/>
           </a:p>
         </p:txBody>
       </p:sp>
@@ -1478,16 +1840,22 @@
         </p:nvSpPr>
         <p:spPr>
           <a:xfrm>
-            <a:off x="6172200" y="1681163"/>
-            <a:ext cx="5183188" cy="823912"/>
+            <a:off x="4663440" y="1846052"/>
+            <a:ext cx="3703320" cy="736282"/>
           </a:xfrm>
         </p:spPr>
         <p:txBody>
-          <a:bodyPr anchor="b"/>
+          <a:bodyPr lIns="91440" rIns="91440" anchor="ctr">
+            <a:normAutofit/>
+          </a:bodyPr>
           <a:lstStyle>
             <a:lvl1pPr marL="0" indent="0">
               <a:buNone/>
-              <a:defRPr sz="2400" b="1"/>
+              <a:defRPr sz="2000" b="0" cap="all" baseline="0">
+                <a:solidFill>
+                  <a:schemeClr val="tx2"/>
+                </a:solidFill>
+              </a:defRPr>
             </a:lvl1pPr>
             <a:lvl2pPr marL="457200" indent="0">
               <a:buNone/>
@@ -1543,8 +1911,8 @@
         </p:nvSpPr>
         <p:spPr>
           <a:xfrm>
-            <a:off x="6172200" y="2505075"/>
-            <a:ext cx="5183188" cy="3684588"/>
+            <a:off x="4663440" y="2582334"/>
+            <a:ext cx="3703320" cy="3378200"/>
           </a:xfrm>
         </p:spPr>
         <p:txBody>
@@ -1584,7 +1952,7 @@
               <a:rPr lang="en-US" smtClean="0"/>
               <a:t>Fifth level</a:t>
             </a:r>
-            <a:endParaRPr lang="en-US"/>
+            <a:endParaRPr lang="en-US" dirty="0"/>
           </a:p>
         </p:txBody>
       </p:sp>
@@ -1605,7 +1973,7 @@
           <a:p>
             <a:fld id="{4203C980-AD12-4747-9EBC-39EF27E43EC5}" type="datetimeFigureOut">
               <a:rPr lang="en-US" smtClean="0"/>
-              <a:t>2/2/2015</a:t>
+              <a:t>2/4/2015</a:t>
             </a:fld>
             <a:endParaRPr lang="en-US"/>
           </a:p>
@@ -1656,7 +2024,7 @@
     </p:spTree>
     <p:extLst>
       <p:ext uri="{BB962C8B-B14F-4D97-AF65-F5344CB8AC3E}">
-        <p14:creationId xmlns:p14="http://schemas.microsoft.com/office/powerpoint/2010/main" val="2790087334"/>
+        <p14:creationId xmlns:p14="http://schemas.microsoft.com/office/powerpoint/2010/main" val="887811749"/>
       </p:ext>
     </p:extLst>
   </p:cSld>
@@ -1702,7 +2070,7 @@
               <a:rPr lang="en-US" smtClean="0"/>
               <a:t>Click to edit Master title style</a:t>
             </a:r>
-            <a:endParaRPr lang="en-US"/>
+            <a:endParaRPr lang="en-US" dirty="0"/>
           </a:p>
         </p:txBody>
       </p:sp>
@@ -1723,7 +2091,7 @@
           <a:p>
             <a:fld id="{4203C980-AD12-4747-9EBC-39EF27E43EC5}" type="datetimeFigureOut">
               <a:rPr lang="en-US" smtClean="0"/>
-              <a:t>2/2/2015</a:t>
+              <a:t>2/4/2015</a:t>
             </a:fld>
             <a:endParaRPr lang="en-US"/>
           </a:p>
@@ -1774,7 +2142,7 @@
     </p:spTree>
     <p:extLst>
       <p:ext uri="{BB962C8B-B14F-4D97-AF65-F5344CB8AC3E}">
-        <p14:creationId xmlns:p14="http://schemas.microsoft.com/office/powerpoint/2010/main" val="3556201309"/>
+        <p14:creationId xmlns:p14="http://schemas.microsoft.com/office/powerpoint/2010/main" val="3674581319"/>
       </p:ext>
     </p:extLst>
   </p:cSld>
@@ -1785,7 +2153,7 @@
 </file>
 
 <file path=ppt/slideLayouts/slideLayout7.xml><?xml version="1.0" encoding="utf-8"?>
-<p:sldLayout xmlns:a="http://schemas.openxmlformats.org/drawingml/2006/main" xmlns:r="http://schemas.openxmlformats.org/officeDocument/2006/relationships" xmlns:p="http://schemas.openxmlformats.org/presentationml/2006/main" type="blank" preserve="1">
+<p:sldLayout xmlns:a="http://schemas.openxmlformats.org/drawingml/2006/main" xmlns:r="http://schemas.openxmlformats.org/officeDocument/2006/relationships" xmlns:p="http://schemas.openxmlformats.org/presentationml/2006/main" showMasterSp="0" type="blank" preserve="1">
   <p:cSld name="Blank">
     <p:spTree>
       <p:nvGrpSpPr>
@@ -1803,7 +2171,83 @@
       </p:grpSpPr>
       <p:sp>
         <p:nvSpPr>
-          <p:cNvPr id="2" name="Date Placeholder 1"/>
+          <p:cNvPr id="5" name="Rectangle 4"/>
+          <p:cNvSpPr/>
+          <p:nvPr/>
+        </p:nvSpPr>
+        <p:spPr>
+          <a:xfrm>
+            <a:off x="2382" y="6400800"/>
+            <a:ext cx="9141619" cy="457200"/>
+          </a:xfrm>
+          <a:prstGeom prst="rect">
+            <a:avLst/>
+          </a:prstGeom>
+          <a:solidFill>
+            <a:schemeClr val="accent2"/>
+          </a:solidFill>
+          <a:ln>
+            <a:noFill/>
+          </a:ln>
+        </p:spPr>
+        <p:style>
+          <a:lnRef idx="2">
+            <a:schemeClr val="accent1">
+              <a:shade val="50000"/>
+            </a:schemeClr>
+          </a:lnRef>
+          <a:fillRef idx="1">
+            <a:schemeClr val="accent1"/>
+          </a:fillRef>
+          <a:effectRef idx="0">
+            <a:schemeClr val="accent1"/>
+          </a:effectRef>
+          <a:fontRef idx="minor">
+            <a:schemeClr val="lt1"/>
+          </a:fontRef>
+        </p:style>
+      </p:sp>
+      <p:sp>
+        <p:nvSpPr>
+          <p:cNvPr id="6" name="Rectangle 5"/>
+          <p:cNvSpPr/>
+          <p:nvPr/>
+        </p:nvSpPr>
+        <p:spPr>
+          <a:xfrm>
+            <a:off x="12" y="6334316"/>
+            <a:ext cx="9141619" cy="64008"/>
+          </a:xfrm>
+          <a:prstGeom prst="rect">
+            <a:avLst/>
+          </a:prstGeom>
+          <a:solidFill>
+            <a:schemeClr val="accent1"/>
+          </a:solidFill>
+          <a:ln>
+            <a:noFill/>
+          </a:ln>
+        </p:spPr>
+        <p:style>
+          <a:lnRef idx="2">
+            <a:schemeClr val="accent1">
+              <a:shade val="50000"/>
+            </a:schemeClr>
+          </a:lnRef>
+          <a:fillRef idx="1">
+            <a:schemeClr val="accent1"/>
+          </a:fillRef>
+          <a:effectRef idx="0">
+            <a:schemeClr val="accent1"/>
+          </a:effectRef>
+          <a:fontRef idx="minor">
+            <a:schemeClr val="lt1"/>
+          </a:fontRef>
+        </p:style>
+      </p:sp>
+      <p:sp>
+        <p:nvSpPr>
+          <p:cNvPr id="7" name="Date Placeholder 6"/>
           <p:cNvSpPr>
             <a:spLocks noGrp="1"/>
           </p:cNvSpPr>
@@ -1818,7 +2262,7 @@
           <a:p>
             <a:fld id="{4203C980-AD12-4747-9EBC-39EF27E43EC5}" type="datetimeFigureOut">
               <a:rPr lang="en-US" smtClean="0"/>
-              <a:t>2/2/2015</a:t>
+              <a:t>2/4/2015</a:t>
             </a:fld>
             <a:endParaRPr lang="en-US"/>
           </a:p>
@@ -1826,7 +2270,7 @@
       </p:sp>
       <p:sp>
         <p:nvSpPr>
-          <p:cNvPr id="3" name="Footer Placeholder 2"/>
+          <p:cNvPr id="8" name="Footer Placeholder 7"/>
           <p:cNvSpPr>
             <a:spLocks noGrp="1"/>
           </p:cNvSpPr>
@@ -1837,7 +2281,15 @@
         <p:spPr/>
         <p:txBody>
           <a:bodyPr/>
-          <a:lstStyle/>
+          <a:lstStyle>
+            <a:lvl1pPr>
+              <a:defRPr>
+                <a:solidFill>
+                  <a:srgbClr val="FFFFFF"/>
+                </a:solidFill>
+              </a:defRPr>
+            </a:lvl1pPr>
+          </a:lstStyle>
           <a:p>
             <a:endParaRPr lang="en-US"/>
           </a:p>
@@ -1845,7 +2297,7 @@
       </p:sp>
       <p:sp>
         <p:nvSpPr>
-          <p:cNvPr id="4" name="Slide Number Placeholder 3"/>
+          <p:cNvPr id="9" name="Slide Number Placeholder 8"/>
           <p:cNvSpPr>
             <a:spLocks noGrp="1"/>
           </p:cNvSpPr>
@@ -1869,7 +2321,7 @@
     </p:spTree>
     <p:extLst>
       <p:ext uri="{BB962C8B-B14F-4D97-AF65-F5344CB8AC3E}">
-        <p14:creationId xmlns:p14="http://schemas.microsoft.com/office/powerpoint/2010/main" val="1423813783"/>
+        <p14:creationId xmlns:p14="http://schemas.microsoft.com/office/powerpoint/2010/main" val="548927193"/>
       </p:ext>
     </p:extLst>
   </p:cSld>
@@ -1880,7 +2332,7 @@
 </file>
 
 <file path=ppt/slideLayouts/slideLayout8.xml><?xml version="1.0" encoding="utf-8"?>
-<p:sldLayout xmlns:a="http://schemas.openxmlformats.org/drawingml/2006/main" xmlns:r="http://schemas.openxmlformats.org/officeDocument/2006/relationships" xmlns:p="http://schemas.openxmlformats.org/presentationml/2006/main" type="objTx" preserve="1">
+<p:sldLayout xmlns:a="http://schemas.openxmlformats.org/drawingml/2006/main" xmlns:r="http://schemas.openxmlformats.org/officeDocument/2006/relationships" xmlns:p="http://schemas.openxmlformats.org/presentationml/2006/main" showMasterSp="0" type="objTx" preserve="1">
   <p:cSld name="Content with Caption">
     <p:spTree>
       <p:nvGrpSpPr>
@@ -1898,6 +2350,82 @@
       </p:grpSpPr>
       <p:sp>
         <p:nvSpPr>
+          <p:cNvPr id="8" name="Rectangle 7"/>
+          <p:cNvSpPr/>
+          <p:nvPr/>
+        </p:nvSpPr>
+        <p:spPr>
+          <a:xfrm>
+            <a:off x="13" y="0"/>
+            <a:ext cx="3038093" cy="6858000"/>
+          </a:xfrm>
+          <a:prstGeom prst="rect">
+            <a:avLst/>
+          </a:prstGeom>
+          <a:solidFill>
+            <a:schemeClr val="accent2"/>
+          </a:solidFill>
+          <a:ln>
+            <a:noFill/>
+          </a:ln>
+        </p:spPr>
+        <p:style>
+          <a:lnRef idx="2">
+            <a:schemeClr val="accent1">
+              <a:shade val="50000"/>
+            </a:schemeClr>
+          </a:lnRef>
+          <a:fillRef idx="1">
+            <a:schemeClr val="accent1"/>
+          </a:fillRef>
+          <a:effectRef idx="0">
+            <a:schemeClr val="accent1"/>
+          </a:effectRef>
+          <a:fontRef idx="minor">
+            <a:schemeClr val="lt1"/>
+          </a:fontRef>
+        </p:style>
+      </p:sp>
+      <p:sp>
+        <p:nvSpPr>
+          <p:cNvPr id="9" name="Rectangle 8"/>
+          <p:cNvSpPr/>
+          <p:nvPr/>
+        </p:nvSpPr>
+        <p:spPr>
+          <a:xfrm>
+            <a:off x="3030053" y="0"/>
+            <a:ext cx="48006" cy="6858000"/>
+          </a:xfrm>
+          <a:prstGeom prst="rect">
+            <a:avLst/>
+          </a:prstGeom>
+          <a:solidFill>
+            <a:schemeClr val="accent1"/>
+          </a:solidFill>
+          <a:ln>
+            <a:noFill/>
+          </a:ln>
+        </p:spPr>
+        <p:style>
+          <a:lnRef idx="2">
+            <a:schemeClr val="accent1">
+              <a:shade val="50000"/>
+            </a:schemeClr>
+          </a:lnRef>
+          <a:fillRef idx="1">
+            <a:schemeClr val="accent1"/>
+          </a:fillRef>
+          <a:effectRef idx="0">
+            <a:schemeClr val="accent1"/>
+          </a:effectRef>
+          <a:fontRef idx="minor">
+            <a:schemeClr val="lt1"/>
+          </a:fontRef>
+        </p:style>
+      </p:sp>
+      <p:sp>
+        <p:nvSpPr>
           <p:cNvPr id="2" name="Title 1"/>
           <p:cNvSpPr>
             <a:spLocks noGrp="1"/>
@@ -1908,15 +2436,21 @@
         </p:nvSpPr>
         <p:spPr>
           <a:xfrm>
-            <a:off x="839788" y="457200"/>
-            <a:ext cx="3932237" cy="1600200"/>
+            <a:off x="342900" y="594359"/>
+            <a:ext cx="2400300" cy="2286000"/>
           </a:xfrm>
         </p:spPr>
         <p:txBody>
-          <a:bodyPr anchor="b"/>
+          <a:bodyPr anchor="b">
+            <a:normAutofit/>
+          </a:bodyPr>
           <a:lstStyle>
             <a:lvl1pPr>
-              <a:defRPr sz="3200"/>
+              <a:defRPr sz="3600" b="0">
+                <a:solidFill>
+                  <a:srgbClr val="FFFFFF"/>
+                </a:solidFill>
+              </a:defRPr>
             </a:lvl1pPr>
           </a:lstStyle>
           <a:p>
@@ -1924,7 +2458,7 @@
               <a:rPr lang="en-US" smtClean="0"/>
               <a:t>Click to edit Master title style</a:t>
             </a:r>
-            <a:endParaRPr lang="en-US"/>
+            <a:endParaRPr lang="en-US" dirty="0"/>
           </a:p>
         </p:txBody>
       </p:sp>
@@ -1940,41 +2474,13 @@
         </p:nvSpPr>
         <p:spPr>
           <a:xfrm>
-            <a:off x="5183188" y="987425"/>
-            <a:ext cx="6172200" cy="4873625"/>
+            <a:off x="3600450" y="731520"/>
+            <a:ext cx="4869180" cy="5257800"/>
           </a:xfrm>
         </p:spPr>
         <p:txBody>
           <a:bodyPr/>
-          <a:lstStyle>
-            <a:lvl1pPr>
-              <a:defRPr sz="3200"/>
-            </a:lvl1pPr>
-            <a:lvl2pPr>
-              <a:defRPr sz="2800"/>
-            </a:lvl2pPr>
-            <a:lvl3pPr>
-              <a:defRPr sz="2400"/>
-            </a:lvl3pPr>
-            <a:lvl4pPr>
-              <a:defRPr sz="2000"/>
-            </a:lvl4pPr>
-            <a:lvl5pPr>
-              <a:defRPr sz="2000"/>
-            </a:lvl5pPr>
-            <a:lvl6pPr>
-              <a:defRPr sz="2000"/>
-            </a:lvl6pPr>
-            <a:lvl7pPr>
-              <a:defRPr sz="2000"/>
-            </a:lvl7pPr>
-            <a:lvl8pPr>
-              <a:defRPr sz="2000"/>
-            </a:lvl8pPr>
-            <a:lvl9pPr>
-              <a:defRPr sz="2000"/>
-            </a:lvl9pPr>
-          </a:lstStyle>
+          <a:lstStyle/>
           <a:p>
             <a:pPr lvl="0"/>
             <a:r>
@@ -2009,7 +2515,7 @@
               <a:rPr lang="en-US" smtClean="0"/>
               <a:t>Fifth level</a:t>
             </a:r>
-            <a:endParaRPr lang="en-US"/>
+            <a:endParaRPr lang="en-US" dirty="0"/>
           </a:p>
         </p:txBody>
       </p:sp>
@@ -2025,48 +2531,54 @@
         </p:nvSpPr>
         <p:spPr>
           <a:xfrm>
-            <a:off x="839788" y="2057400"/>
-            <a:ext cx="3932237" cy="3811588"/>
+            <a:off x="342900" y="2926080"/>
+            <a:ext cx="2400300" cy="3379124"/>
           </a:xfrm>
         </p:spPr>
         <p:txBody>
-          <a:bodyPr/>
+          <a:bodyPr lIns="91440" rIns="91440">
+            <a:normAutofit/>
+          </a:bodyPr>
           <a:lstStyle>
             <a:lvl1pPr marL="0" indent="0">
               <a:buNone/>
-              <a:defRPr sz="1600"/>
+              <a:defRPr sz="1500">
+                <a:solidFill>
+                  <a:srgbClr val="FFFFFF"/>
+                </a:solidFill>
+              </a:defRPr>
             </a:lvl1pPr>
             <a:lvl2pPr marL="457200" indent="0">
               <a:buNone/>
-              <a:defRPr sz="1400"/>
+              <a:defRPr sz="1200"/>
             </a:lvl2pPr>
             <a:lvl3pPr marL="914400" indent="0">
               <a:buNone/>
-              <a:defRPr sz="1200"/>
+              <a:defRPr sz="1000"/>
             </a:lvl3pPr>
             <a:lvl4pPr marL="1371600" indent="0">
               <a:buNone/>
-              <a:defRPr sz="1000"/>
+              <a:defRPr sz="900"/>
             </a:lvl4pPr>
             <a:lvl5pPr marL="1828800" indent="0">
               <a:buNone/>
-              <a:defRPr sz="1000"/>
+              <a:defRPr sz="900"/>
             </a:lvl5pPr>
             <a:lvl6pPr marL="2286000" indent="0">
               <a:buNone/>
-              <a:defRPr sz="1000"/>
+              <a:defRPr sz="900"/>
             </a:lvl6pPr>
             <a:lvl7pPr marL="2743200" indent="0">
               <a:buNone/>
-              <a:defRPr sz="1000"/>
+              <a:defRPr sz="900"/>
             </a:lvl7pPr>
             <a:lvl8pPr marL="3200400" indent="0">
               <a:buNone/>
-              <a:defRPr sz="1000"/>
+              <a:defRPr sz="900"/>
             </a:lvl8pPr>
             <a:lvl9pPr marL="3657600" indent="0">
               <a:buNone/>
-              <a:defRPr sz="1000"/>
+              <a:defRPr sz="900"/>
             </a:lvl9pPr>
           </a:lstStyle>
           <a:p>
@@ -2088,14 +2600,23 @@
             <p:ph type="dt" sz="half" idx="10"/>
           </p:nvPr>
         </p:nvSpPr>
-        <p:spPr/>
+        <p:spPr>
+          <a:xfrm>
+            <a:off x="349134" y="6459786"/>
+            <a:ext cx="1963883" cy="365125"/>
+          </a:xfrm>
+        </p:spPr>
         <p:txBody>
           <a:bodyPr/>
-          <a:lstStyle/>
+          <a:lstStyle>
+            <a:lvl1pPr algn="l">
+              <a:defRPr/>
+            </a:lvl1pPr>
+          </a:lstStyle>
           <a:p>
             <a:fld id="{4203C980-AD12-4747-9EBC-39EF27E43EC5}" type="datetimeFigureOut">
               <a:rPr lang="en-US" smtClean="0"/>
-              <a:t>2/2/2015</a:t>
+              <a:t>2/4/2015</a:t>
             </a:fld>
             <a:endParaRPr lang="en-US"/>
           </a:p>
@@ -2111,10 +2632,23 @@
             <p:ph type="ftr" sz="quarter" idx="11"/>
           </p:nvPr>
         </p:nvSpPr>
-        <p:spPr/>
+        <p:spPr>
+          <a:xfrm>
+            <a:off x="3600450" y="6459786"/>
+            <a:ext cx="3486150" cy="365125"/>
+          </a:xfrm>
+        </p:spPr>
         <p:txBody>
           <a:bodyPr/>
-          <a:lstStyle/>
+          <a:lstStyle>
+            <a:lvl1pPr algn="l">
+              <a:defRPr>
+                <a:solidFill>
+                  <a:schemeClr val="tx2"/>
+                </a:solidFill>
+              </a:defRPr>
+            </a:lvl1pPr>
+          </a:lstStyle>
           <a:p>
             <a:endParaRPr lang="en-US"/>
           </a:p>
@@ -2133,7 +2667,15 @@
         <p:spPr/>
         <p:txBody>
           <a:bodyPr/>
-          <a:lstStyle/>
+          <a:lstStyle>
+            <a:lvl1pPr>
+              <a:defRPr>
+                <a:solidFill>
+                  <a:schemeClr val="tx2"/>
+                </a:solidFill>
+              </a:defRPr>
+            </a:lvl1pPr>
+          </a:lstStyle>
           <a:p>
             <a:fld id="{0B670B3F-70EC-473A-ABE6-F6DD097E4B02}" type="slidenum">
               <a:rPr lang="en-US" smtClean="0"/>
@@ -2146,7 +2688,7 @@
     </p:spTree>
     <p:extLst>
       <p:ext uri="{BB962C8B-B14F-4D97-AF65-F5344CB8AC3E}">
-        <p14:creationId xmlns:p14="http://schemas.microsoft.com/office/powerpoint/2010/main" val="95667340"/>
+        <p14:creationId xmlns:p14="http://schemas.microsoft.com/office/powerpoint/2010/main" val="634528919"/>
       </p:ext>
     </p:extLst>
   </p:cSld>
@@ -2157,7 +2699,7 @@
 </file>
 
 <file path=ppt/slideLayouts/slideLayout9.xml><?xml version="1.0" encoding="utf-8"?>
-<p:sldLayout xmlns:a="http://schemas.openxmlformats.org/drawingml/2006/main" xmlns:r="http://schemas.openxmlformats.org/officeDocument/2006/relationships" xmlns:p="http://schemas.openxmlformats.org/presentationml/2006/main" type="picTx" preserve="1">
+<p:sldLayout xmlns:a="http://schemas.openxmlformats.org/drawingml/2006/main" xmlns:r="http://schemas.openxmlformats.org/officeDocument/2006/relationships" xmlns:p="http://schemas.openxmlformats.org/presentationml/2006/main" showMasterSp="0" type="picTx" preserve="1">
   <p:cSld name="Picture with Caption">
     <p:spTree>
       <p:nvGrpSpPr>
@@ -2175,6 +2717,82 @@
       </p:grpSpPr>
       <p:sp>
         <p:nvSpPr>
+          <p:cNvPr id="8" name="Rectangle 7"/>
+          <p:cNvSpPr/>
+          <p:nvPr/>
+        </p:nvSpPr>
+        <p:spPr>
+          <a:xfrm>
+            <a:off x="0" y="4953000"/>
+            <a:ext cx="9141619" cy="1905000"/>
+          </a:xfrm>
+          <a:prstGeom prst="rect">
+            <a:avLst/>
+          </a:prstGeom>
+          <a:solidFill>
+            <a:schemeClr val="accent2"/>
+          </a:solidFill>
+          <a:ln>
+            <a:noFill/>
+          </a:ln>
+        </p:spPr>
+        <p:style>
+          <a:lnRef idx="2">
+            <a:schemeClr val="accent1">
+              <a:shade val="50000"/>
+            </a:schemeClr>
+          </a:lnRef>
+          <a:fillRef idx="1">
+            <a:schemeClr val="accent1"/>
+          </a:fillRef>
+          <a:effectRef idx="0">
+            <a:schemeClr val="accent1"/>
+          </a:effectRef>
+          <a:fontRef idx="minor">
+            <a:schemeClr val="lt1"/>
+          </a:fontRef>
+        </p:style>
+      </p:sp>
+      <p:sp>
+        <p:nvSpPr>
+          <p:cNvPr id="9" name="Rectangle 8"/>
+          <p:cNvSpPr/>
+          <p:nvPr/>
+        </p:nvSpPr>
+        <p:spPr>
+          <a:xfrm>
+            <a:off x="12" y="4915076"/>
+            <a:ext cx="9141619" cy="64008"/>
+          </a:xfrm>
+          <a:prstGeom prst="rect">
+            <a:avLst/>
+          </a:prstGeom>
+          <a:solidFill>
+            <a:schemeClr val="accent1"/>
+          </a:solidFill>
+          <a:ln>
+            <a:noFill/>
+          </a:ln>
+        </p:spPr>
+        <p:style>
+          <a:lnRef idx="2">
+            <a:schemeClr val="accent1">
+              <a:shade val="50000"/>
+            </a:schemeClr>
+          </a:lnRef>
+          <a:fillRef idx="1">
+            <a:schemeClr val="accent1"/>
+          </a:fillRef>
+          <a:effectRef idx="0">
+            <a:schemeClr val="accent1"/>
+          </a:effectRef>
+          <a:fontRef idx="minor">
+            <a:schemeClr val="lt1"/>
+          </a:fontRef>
+        </p:style>
+      </p:sp>
+      <p:sp>
+        <p:nvSpPr>
           <p:cNvPr id="2" name="Title 1"/>
           <p:cNvSpPr>
             <a:spLocks noGrp="1"/>
@@ -2185,15 +2803,21 @@
         </p:nvSpPr>
         <p:spPr>
           <a:xfrm>
-            <a:off x="839788" y="457200"/>
-            <a:ext cx="3932237" cy="1600200"/>
+            <a:off x="822960" y="5074920"/>
+            <a:ext cx="7585234" cy="822960"/>
           </a:xfrm>
         </p:spPr>
         <p:txBody>
-          <a:bodyPr anchor="b"/>
+          <a:bodyPr tIns="0" bIns="0" anchor="b">
+            <a:noAutofit/>
+          </a:bodyPr>
           <a:lstStyle>
             <a:lvl1pPr>
-              <a:defRPr sz="3200"/>
+              <a:defRPr sz="3600" b="0">
+                <a:solidFill>
+                  <a:srgbClr val="FFFFFF"/>
+                </a:solidFill>
+              </a:defRPr>
             </a:lvl1pPr>
           </a:lstStyle>
           <a:p>
@@ -2201,7 +2825,7 @@
               <a:rPr lang="en-US" smtClean="0"/>
               <a:t>Click to edit Master title style</a:t>
             </a:r>
-            <a:endParaRPr lang="en-US"/>
+            <a:endParaRPr lang="en-US" dirty="0"/>
           </a:p>
         </p:txBody>
       </p:sp>
@@ -2209,7 +2833,7 @@
         <p:nvSpPr>
           <p:cNvPr id="3" name="Picture Placeholder 2"/>
           <p:cNvSpPr>
-            <a:spLocks noGrp="1"/>
+            <a:spLocks noGrp="1" noChangeAspect="1"/>
           </p:cNvSpPr>
           <p:nvPr>
             <p:ph type="pic" idx="1"/>
@@ -2217,12 +2841,17 @@
         </p:nvSpPr>
         <p:spPr>
           <a:xfrm>
-            <a:off x="5183188" y="987425"/>
-            <a:ext cx="6172200" cy="4873625"/>
+            <a:off x="12" y="0"/>
+            <a:ext cx="9143989" cy="4915076"/>
           </a:xfrm>
+          <a:solidFill>
+            <a:schemeClr val="bg2">
+              <a:lumMod val="90000"/>
+            </a:schemeClr>
+          </a:solidFill>
         </p:spPr>
         <p:txBody>
-          <a:bodyPr/>
+          <a:bodyPr lIns="457200" tIns="457200" anchor="t"/>
           <a:lstStyle>
             <a:lvl1pPr marL="0" indent="0">
               <a:buNone/>
@@ -2262,7 +2891,11 @@
             </a:lvl9pPr>
           </a:lstStyle>
           <a:p>
-            <a:endParaRPr lang="en-US"/>
+            <a:r>
+              <a:rPr lang="en-US" smtClean="0"/>
+              <a:t>Click icon to add picture</a:t>
+            </a:r>
+            <a:endParaRPr lang="en-US" dirty="0"/>
           </a:p>
         </p:txBody>
       </p:sp>
@@ -2278,48 +2911,60 @@
         </p:nvSpPr>
         <p:spPr>
           <a:xfrm>
-            <a:off x="839788" y="2057400"/>
-            <a:ext cx="3932237" cy="3811588"/>
+            <a:off x="822960" y="5907024"/>
+            <a:ext cx="7589520" cy="594360"/>
           </a:xfrm>
         </p:spPr>
         <p:txBody>
-          <a:bodyPr/>
+          <a:bodyPr lIns="91440" tIns="0" rIns="91440" bIns="0">
+            <a:normAutofit/>
+          </a:bodyPr>
           <a:lstStyle>
             <a:lvl1pPr marL="0" indent="0">
+              <a:spcBef>
+                <a:spcPts val="0"/>
+              </a:spcBef>
+              <a:spcAft>
+                <a:spcPts val="600"/>
+              </a:spcAft>
               <a:buNone/>
-              <a:defRPr sz="1600"/>
+              <a:defRPr sz="1500">
+                <a:solidFill>
+                  <a:srgbClr val="FFFFFF"/>
+                </a:solidFill>
+              </a:defRPr>
             </a:lvl1pPr>
             <a:lvl2pPr marL="457200" indent="0">
               <a:buNone/>
-              <a:defRPr sz="1400"/>
+              <a:defRPr sz="1200"/>
             </a:lvl2pPr>
             <a:lvl3pPr marL="914400" indent="0">
               <a:buNone/>
-              <a:defRPr sz="1200"/>
+              <a:defRPr sz="1000"/>
             </a:lvl3pPr>
             <a:lvl4pPr marL="1371600" indent="0">
               <a:buNone/>
-              <a:defRPr sz="1000"/>
+              <a:defRPr sz="900"/>
             </a:lvl4pPr>
             <a:lvl5pPr marL="1828800" indent="0">
               <a:buNone/>
-              <a:defRPr sz="1000"/>
+              <a:defRPr sz="900"/>
             </a:lvl5pPr>
             <a:lvl6pPr marL="2286000" indent="0">
               <a:buNone/>
-              <a:defRPr sz="1000"/>
+              <a:defRPr sz="900"/>
             </a:lvl6pPr>
             <a:lvl7pPr marL="2743200" indent="0">
               <a:buNone/>
-              <a:defRPr sz="1000"/>
+              <a:defRPr sz="900"/>
             </a:lvl7pPr>
             <a:lvl8pPr marL="3200400" indent="0">
               <a:buNone/>
-              <a:defRPr sz="1000"/>
+              <a:defRPr sz="900"/>
             </a:lvl8pPr>
             <a:lvl9pPr marL="3657600" indent="0">
               <a:buNone/>
-              <a:defRPr sz="1000"/>
+              <a:defRPr sz="900"/>
             </a:lvl9pPr>
           </a:lstStyle>
           <a:p>
@@ -2348,7 +2993,7 @@
           <a:p>
             <a:fld id="{4203C980-AD12-4747-9EBC-39EF27E43EC5}" type="datetimeFigureOut">
               <a:rPr lang="en-US" smtClean="0"/>
-              <a:t>2/2/2015</a:t>
+              <a:t>2/4/2015</a:t>
             </a:fld>
             <a:endParaRPr lang="en-US"/>
           </a:p>
@@ -2399,7 +3044,7 @@
     </p:spTree>
     <p:extLst>
       <p:ext uri="{BB962C8B-B14F-4D97-AF65-F5344CB8AC3E}">
-        <p14:creationId xmlns:p14="http://schemas.microsoft.com/office/powerpoint/2010/main" val="446265828"/>
+        <p14:creationId xmlns:p14="http://schemas.microsoft.com/office/powerpoint/2010/main" val="269251405"/>
       </p:ext>
     </p:extLst>
   </p:cSld>
@@ -2433,6 +3078,82 @@
       </p:grpSpPr>
       <p:sp>
         <p:nvSpPr>
+          <p:cNvPr id="7" name="Rectangle 6"/>
+          <p:cNvSpPr/>
+          <p:nvPr/>
+        </p:nvSpPr>
+        <p:spPr>
+          <a:xfrm>
+            <a:off x="0" y="6400800"/>
+            <a:ext cx="9144001" cy="457200"/>
+          </a:xfrm>
+          <a:prstGeom prst="rect">
+            <a:avLst/>
+          </a:prstGeom>
+          <a:solidFill>
+            <a:schemeClr val="accent2"/>
+          </a:solidFill>
+          <a:ln>
+            <a:noFill/>
+          </a:ln>
+        </p:spPr>
+        <p:style>
+          <a:lnRef idx="2">
+            <a:schemeClr val="accent1">
+              <a:shade val="50000"/>
+            </a:schemeClr>
+          </a:lnRef>
+          <a:fillRef idx="1">
+            <a:schemeClr val="accent1"/>
+          </a:fillRef>
+          <a:effectRef idx="0">
+            <a:schemeClr val="accent1"/>
+          </a:effectRef>
+          <a:fontRef idx="minor">
+            <a:schemeClr val="lt1"/>
+          </a:fontRef>
+        </p:style>
+      </p:sp>
+      <p:sp>
+        <p:nvSpPr>
+          <p:cNvPr id="9" name="Rectangle 8"/>
+          <p:cNvSpPr/>
+          <p:nvPr/>
+        </p:nvSpPr>
+        <p:spPr>
+          <a:xfrm>
+            <a:off x="0" y="6334315"/>
+            <a:ext cx="9144001" cy="65999"/>
+          </a:xfrm>
+          <a:prstGeom prst="rect">
+            <a:avLst/>
+          </a:prstGeom>
+          <a:solidFill>
+            <a:schemeClr val="accent1"/>
+          </a:solidFill>
+          <a:ln>
+            <a:noFill/>
+          </a:ln>
+        </p:spPr>
+        <p:style>
+          <a:lnRef idx="2">
+            <a:schemeClr val="accent1">
+              <a:shade val="50000"/>
+            </a:schemeClr>
+          </a:lnRef>
+          <a:fillRef idx="1">
+            <a:schemeClr val="accent1"/>
+          </a:fillRef>
+          <a:effectRef idx="0">
+            <a:schemeClr val="accent1"/>
+          </a:effectRef>
+          <a:fontRef idx="minor">
+            <a:schemeClr val="lt1"/>
+          </a:fontRef>
+        </p:style>
+      </p:sp>
+      <p:sp>
+        <p:nvSpPr>
           <p:cNvPr id="2" name="Title Placeholder 1"/>
           <p:cNvSpPr>
             <a:spLocks noGrp="1"/>
@@ -2443,15 +3164,15 @@
         </p:nvSpPr>
         <p:spPr>
           <a:xfrm>
-            <a:off x="838200" y="365125"/>
-            <a:ext cx="10515600" cy="1325563"/>
+            <a:off x="822960" y="286604"/>
+            <a:ext cx="7543800" cy="1450757"/>
           </a:xfrm>
           <a:prstGeom prst="rect">
             <a:avLst/>
           </a:prstGeom>
         </p:spPr>
         <p:txBody>
-          <a:bodyPr vert="horz" lIns="91440" tIns="45720" rIns="91440" bIns="45720" rtlCol="0" anchor="ctr">
+          <a:bodyPr vert="horz" lIns="91440" tIns="45720" rIns="91440" bIns="45720" rtlCol="0" anchor="b">
             <a:normAutofit/>
           </a:bodyPr>
           <a:lstStyle/>
@@ -2460,7 +3181,7 @@
               <a:rPr lang="en-US" smtClean="0"/>
               <a:t>Click to edit Master title style</a:t>
             </a:r>
-            <a:endParaRPr lang="en-US"/>
+            <a:endParaRPr lang="en-US" dirty="0"/>
           </a:p>
         </p:txBody>
       </p:sp>
@@ -2476,15 +3197,15 @@
         </p:nvSpPr>
         <p:spPr>
           <a:xfrm>
-            <a:off x="838200" y="1825625"/>
-            <a:ext cx="10515600" cy="4351338"/>
+            <a:off x="822959" y="1845734"/>
+            <a:ext cx="7543801" cy="4023360"/>
           </a:xfrm>
           <a:prstGeom prst="rect">
             <a:avLst/>
           </a:prstGeom>
         </p:spPr>
         <p:txBody>
-          <a:bodyPr vert="horz" lIns="91440" tIns="45720" rIns="91440" bIns="45720" rtlCol="0">
+          <a:bodyPr vert="horz" lIns="0" tIns="45720" rIns="0" bIns="45720" rtlCol="0">
             <a:normAutofit/>
           </a:bodyPr>
           <a:lstStyle/>
@@ -2522,7 +3243,7 @@
               <a:rPr lang="en-US" smtClean="0"/>
               <a:t>Fifth level</a:t>
             </a:r>
-            <a:endParaRPr lang="en-US"/>
+            <a:endParaRPr lang="en-US" dirty="0"/>
           </a:p>
         </p:txBody>
       </p:sp>
@@ -2538,8 +3259,8 @@
         </p:nvSpPr>
         <p:spPr>
           <a:xfrm>
-            <a:off x="838200" y="6356350"/>
-            <a:ext cx="2743200" cy="365125"/>
+            <a:off x="822961" y="6459786"/>
+            <a:ext cx="1854203" cy="365125"/>
           </a:xfrm>
           <a:prstGeom prst="rect">
             <a:avLst/>
@@ -2549,11 +3270,9 @@
           <a:bodyPr vert="horz" lIns="91440" tIns="45720" rIns="91440" bIns="45720" rtlCol="0" anchor="ctr"/>
           <a:lstStyle>
             <a:lvl1pPr algn="l">
-              <a:defRPr sz="1200">
+              <a:defRPr sz="900">
                 <a:solidFill>
-                  <a:schemeClr val="tx1">
-                    <a:tint val="75000"/>
-                  </a:schemeClr>
+                  <a:srgbClr val="FFFFFF"/>
                 </a:solidFill>
               </a:defRPr>
             </a:lvl1pPr>
@@ -2561,7 +3280,7 @@
           <a:p>
             <a:fld id="{4203C980-AD12-4747-9EBC-39EF27E43EC5}" type="datetimeFigureOut">
               <a:rPr lang="en-US" smtClean="0"/>
-              <a:t>2/2/2015</a:t>
+              <a:t>2/4/2015</a:t>
             </a:fld>
             <a:endParaRPr lang="en-US"/>
           </a:p>
@@ -2579,8 +3298,8 @@
         </p:nvSpPr>
         <p:spPr>
           <a:xfrm>
-            <a:off x="4038600" y="6356350"/>
-            <a:ext cx="4114800" cy="365125"/>
+            <a:off x="2764639" y="6459786"/>
+            <a:ext cx="3617103" cy="365125"/>
           </a:xfrm>
           <a:prstGeom prst="rect">
             <a:avLst/>
@@ -2590,11 +3309,9 @@
           <a:bodyPr vert="horz" lIns="91440" tIns="45720" rIns="91440" bIns="45720" rtlCol="0" anchor="ctr"/>
           <a:lstStyle>
             <a:lvl1pPr algn="ctr">
-              <a:defRPr sz="1200">
+              <a:defRPr sz="900" cap="all" baseline="0">
                 <a:solidFill>
-                  <a:schemeClr val="tx1">
-                    <a:tint val="75000"/>
-                  </a:schemeClr>
+                  <a:srgbClr val="FFFFFF"/>
                 </a:solidFill>
               </a:defRPr>
             </a:lvl1pPr>
@@ -2616,8 +3333,8 @@
         </p:nvSpPr>
         <p:spPr>
           <a:xfrm>
-            <a:off x="8610600" y="6356350"/>
-            <a:ext cx="2743200" cy="365125"/>
+            <a:off x="7425344" y="6459786"/>
+            <a:ext cx="984019" cy="365125"/>
           </a:xfrm>
           <a:prstGeom prst="rect">
             <a:avLst/>
@@ -2627,11 +3344,9 @@
           <a:bodyPr vert="horz" lIns="91440" tIns="45720" rIns="91440" bIns="45720" rtlCol="0" anchor="ctr"/>
           <a:lstStyle>
             <a:lvl1pPr algn="r">
-              <a:defRPr sz="1200">
+              <a:defRPr sz="1050">
                 <a:solidFill>
-                  <a:schemeClr val="tx1">
-                    <a:tint val="75000"/>
-                  </a:schemeClr>
+                  <a:srgbClr val="FFFFFF"/>
                 </a:solidFill>
               </a:defRPr>
             </a:lvl1pPr>
@@ -2645,40 +3360,81 @@
           </a:p>
         </p:txBody>
       </p:sp>
+      <p:cxnSp>
+        <p:nvCxnSpPr>
+          <p:cNvPr id="10" name="Straight Connector 9"/>
+          <p:cNvCxnSpPr/>
+          <p:nvPr/>
+        </p:nvCxnSpPr>
+        <p:spPr>
+          <a:xfrm>
+            <a:off x="895149" y="1737845"/>
+            <a:ext cx="7475220" cy="0"/>
+          </a:xfrm>
+          <a:prstGeom prst="line">
+            <a:avLst/>
+          </a:prstGeom>
+          <a:ln w="6350">
+            <a:solidFill>
+              <a:schemeClr val="tx1">
+                <a:lumMod val="50000"/>
+                <a:lumOff val="50000"/>
+              </a:schemeClr>
+            </a:solidFill>
+          </a:ln>
+        </p:spPr>
+        <p:style>
+          <a:lnRef idx="1">
+            <a:schemeClr val="accent1"/>
+          </a:lnRef>
+          <a:fillRef idx="0">
+            <a:schemeClr val="accent1"/>
+          </a:fillRef>
+          <a:effectRef idx="0">
+            <a:schemeClr val="accent1"/>
+          </a:effectRef>
+          <a:fontRef idx="minor">
+            <a:schemeClr val="tx1"/>
+          </a:fontRef>
+        </p:style>
+      </p:cxnSp>
     </p:spTree>
     <p:extLst>
       <p:ext uri="{BB962C8B-B14F-4D97-AF65-F5344CB8AC3E}">
-        <p14:creationId xmlns:p14="http://schemas.microsoft.com/office/powerpoint/2010/main" val="548056685"/>
+        <p14:creationId xmlns:p14="http://schemas.microsoft.com/office/powerpoint/2010/main" val="4043383104"/>
       </p:ext>
     </p:extLst>
   </p:cSld>
   <p:clrMap bg1="lt1" tx1="dk1" bg2="lt2" tx2="dk2" accent1="accent1" accent2="accent2" accent3="accent3" accent4="accent4" accent5="accent5" accent6="accent6" hlink="hlink" folHlink="folHlink"/>
   <p:sldLayoutIdLst>
-    <p:sldLayoutId id="2147483649" r:id="rId1"/>
-    <p:sldLayoutId id="2147483650" r:id="rId2"/>
-    <p:sldLayoutId id="2147483651" r:id="rId3"/>
-    <p:sldLayoutId id="2147483652" r:id="rId4"/>
-    <p:sldLayoutId id="2147483653" r:id="rId5"/>
-    <p:sldLayoutId id="2147483654" r:id="rId6"/>
-    <p:sldLayoutId id="2147483655" r:id="rId7"/>
-    <p:sldLayoutId id="2147483656" r:id="rId8"/>
-    <p:sldLayoutId id="2147483657" r:id="rId9"/>
-    <p:sldLayoutId id="2147483658" r:id="rId10"/>
-    <p:sldLayoutId id="2147483659" r:id="rId11"/>
+    <p:sldLayoutId id="2147483702" r:id="rId1"/>
+    <p:sldLayoutId id="2147483703" r:id="rId2"/>
+    <p:sldLayoutId id="2147483704" r:id="rId3"/>
+    <p:sldLayoutId id="2147483705" r:id="rId4"/>
+    <p:sldLayoutId id="2147483706" r:id="rId5"/>
+    <p:sldLayoutId id="2147483707" r:id="rId6"/>
+    <p:sldLayoutId id="2147483708" r:id="rId7"/>
+    <p:sldLayoutId id="2147483709" r:id="rId8"/>
+    <p:sldLayoutId id="2147483710" r:id="rId9"/>
+    <p:sldLayoutId id="2147483711" r:id="rId10"/>
+    <p:sldLayoutId id="2147483712" r:id="rId11"/>
   </p:sldLayoutIdLst>
   <p:txStyles>
     <p:titleStyle>
       <a:lvl1pPr algn="l" defTabSz="914400" rtl="0" eaLnBrk="1" latinLnBrk="0" hangingPunct="1">
         <a:lnSpc>
-          <a:spcPct val="90000"/>
+          <a:spcPct val="85000"/>
         </a:lnSpc>
         <a:spcBef>
           <a:spcPct val="0"/>
         </a:spcBef>
         <a:buNone/>
-        <a:defRPr sz="4400" kern="1200">
+        <a:defRPr sz="4800" kern="1200" spc="-50" baseline="0">
           <a:solidFill>
-            <a:schemeClr val="tx1"/>
+            <a:schemeClr val="tx1">
+              <a:lumMod val="75000"/>
+              <a:lumOff val="25000"/>
+            </a:schemeClr>
           </a:solidFill>
           <a:latin typeface="+mj-lt"/>
           <a:ea typeface="+mj-ea"/>
@@ -2687,162 +3443,244 @@
       </a:lvl1pPr>
     </p:titleStyle>
     <p:bodyStyle>
-      <a:lvl1pPr marL="228600" indent="-228600" algn="l" defTabSz="914400" rtl="0" eaLnBrk="1" latinLnBrk="0" hangingPunct="1">
+      <a:lvl1pPr marL="91440" indent="-91440" algn="l" defTabSz="914400" rtl="0" eaLnBrk="1" latinLnBrk="0" hangingPunct="1">
         <a:lnSpc>
           <a:spcPct val="90000"/>
         </a:lnSpc>
         <a:spcBef>
-          <a:spcPts val="1000"/>
+          <a:spcPts val="1200"/>
         </a:spcBef>
-        <a:buFont typeface="Arial" panose="020B0604020202020204" pitchFamily="34" charset="0"/>
-        <a:buChar char="•"/>
-        <a:defRPr sz="2800" kern="1200">
+        <a:spcAft>
+          <a:spcPts val="200"/>
+        </a:spcAft>
+        <a:buClr>
+          <a:schemeClr val="accent1"/>
+        </a:buClr>
+        <a:buSzPct val="100000"/>
+        <a:buFont typeface="Calibri" panose="020F0502020204030204" pitchFamily="34" charset="0"/>
+        <a:buChar char=" "/>
+        <a:defRPr sz="2000" kern="1200">
           <a:solidFill>
-            <a:schemeClr val="tx1"/>
+            <a:schemeClr val="tx1">
+              <a:lumMod val="75000"/>
+              <a:lumOff val="25000"/>
+            </a:schemeClr>
           </a:solidFill>
           <a:latin typeface="+mn-lt"/>
           <a:ea typeface="+mn-ea"/>
           <a:cs typeface="+mn-cs"/>
         </a:defRPr>
       </a:lvl1pPr>
-      <a:lvl2pPr marL="685800" indent="-228600" algn="l" defTabSz="914400" rtl="0" eaLnBrk="1" latinLnBrk="0" hangingPunct="1">
+      <a:lvl2pPr marL="384048" indent="-182880" algn="l" defTabSz="914400" rtl="0" eaLnBrk="1" latinLnBrk="0" hangingPunct="1">
         <a:lnSpc>
           <a:spcPct val="90000"/>
         </a:lnSpc>
         <a:spcBef>
-          <a:spcPts val="500"/>
+          <a:spcPts val="200"/>
         </a:spcBef>
-        <a:buFont typeface="Arial" panose="020B0604020202020204" pitchFamily="34" charset="0"/>
-        <a:buChar char="•"/>
-        <a:defRPr sz="2400" kern="1200">
+        <a:spcAft>
+          <a:spcPts val="400"/>
+        </a:spcAft>
+        <a:buClr>
+          <a:schemeClr val="accent1"/>
+        </a:buClr>
+        <a:buFont typeface="Calibri" pitchFamily="34" charset="0"/>
+        <a:buChar char="◦"/>
+        <a:defRPr sz="1800" kern="1200">
           <a:solidFill>
-            <a:schemeClr val="tx1"/>
+            <a:schemeClr val="tx1">
+              <a:lumMod val="75000"/>
+              <a:lumOff val="25000"/>
+            </a:schemeClr>
           </a:solidFill>
           <a:latin typeface="+mn-lt"/>
           <a:ea typeface="+mn-ea"/>
           <a:cs typeface="+mn-cs"/>
         </a:defRPr>
       </a:lvl2pPr>
-      <a:lvl3pPr marL="1143000" indent="-228600" algn="l" defTabSz="914400" rtl="0" eaLnBrk="1" latinLnBrk="0" hangingPunct="1">
+      <a:lvl3pPr marL="566928" indent="-182880" algn="l" defTabSz="914400" rtl="0" eaLnBrk="1" latinLnBrk="0" hangingPunct="1">
         <a:lnSpc>
           <a:spcPct val="90000"/>
         </a:lnSpc>
         <a:spcBef>
-          <a:spcPts val="500"/>
+          <a:spcPts val="200"/>
         </a:spcBef>
-        <a:buFont typeface="Arial" panose="020B0604020202020204" pitchFamily="34" charset="0"/>
-        <a:buChar char="•"/>
-        <a:defRPr sz="2000" kern="1200">
+        <a:spcAft>
+          <a:spcPts val="400"/>
+        </a:spcAft>
+        <a:buClr>
+          <a:schemeClr val="accent1"/>
+        </a:buClr>
+        <a:buFont typeface="Calibri" pitchFamily="34" charset="0"/>
+        <a:buChar char="◦"/>
+        <a:defRPr sz="1400" kern="1200">
           <a:solidFill>
-            <a:schemeClr val="tx1"/>
+            <a:schemeClr val="tx1">
+              <a:lumMod val="75000"/>
+              <a:lumOff val="25000"/>
+            </a:schemeClr>
           </a:solidFill>
           <a:latin typeface="+mn-lt"/>
           <a:ea typeface="+mn-ea"/>
           <a:cs typeface="+mn-cs"/>
         </a:defRPr>
       </a:lvl3pPr>
-      <a:lvl4pPr marL="1600200" indent="-228600" algn="l" defTabSz="914400" rtl="0" eaLnBrk="1" latinLnBrk="0" hangingPunct="1">
+      <a:lvl4pPr marL="749808" indent="-182880" algn="l" defTabSz="914400" rtl="0" eaLnBrk="1" latinLnBrk="0" hangingPunct="1">
         <a:lnSpc>
           <a:spcPct val="90000"/>
         </a:lnSpc>
         <a:spcBef>
-          <a:spcPts val="500"/>
+          <a:spcPts val="200"/>
         </a:spcBef>
-        <a:buFont typeface="Arial" panose="020B0604020202020204" pitchFamily="34" charset="0"/>
-        <a:buChar char="•"/>
-        <a:defRPr sz="1800" kern="1200">
+        <a:spcAft>
+          <a:spcPts val="400"/>
+        </a:spcAft>
+        <a:buClr>
+          <a:schemeClr val="accent1"/>
+        </a:buClr>
+        <a:buFont typeface="Calibri" pitchFamily="34" charset="0"/>
+        <a:buChar char="◦"/>
+        <a:defRPr sz="1400" kern="1200">
           <a:solidFill>
-            <a:schemeClr val="tx1"/>
+            <a:schemeClr val="tx1">
+              <a:lumMod val="75000"/>
+              <a:lumOff val="25000"/>
+            </a:schemeClr>
           </a:solidFill>
           <a:latin typeface="+mn-lt"/>
           <a:ea typeface="+mn-ea"/>
           <a:cs typeface="+mn-cs"/>
         </a:defRPr>
       </a:lvl4pPr>
-      <a:lvl5pPr marL="2057400" indent="-228600" algn="l" defTabSz="914400" rtl="0" eaLnBrk="1" latinLnBrk="0" hangingPunct="1">
+      <a:lvl5pPr marL="932688" indent="-182880" algn="l" defTabSz="914400" rtl="0" eaLnBrk="1" latinLnBrk="0" hangingPunct="1">
         <a:lnSpc>
           <a:spcPct val="90000"/>
         </a:lnSpc>
         <a:spcBef>
-          <a:spcPts val="500"/>
+          <a:spcPts val="200"/>
         </a:spcBef>
-        <a:buFont typeface="Arial" panose="020B0604020202020204" pitchFamily="34" charset="0"/>
-        <a:buChar char="•"/>
-        <a:defRPr sz="1800" kern="1200">
+        <a:spcAft>
+          <a:spcPts val="400"/>
+        </a:spcAft>
+        <a:buClr>
+          <a:schemeClr val="accent1"/>
+        </a:buClr>
+        <a:buFont typeface="Calibri" pitchFamily="34" charset="0"/>
+        <a:buChar char="◦"/>
+        <a:defRPr sz="1400" kern="1200">
           <a:solidFill>
-            <a:schemeClr val="tx1"/>
+            <a:schemeClr val="tx1">
+              <a:lumMod val="75000"/>
+              <a:lumOff val="25000"/>
+            </a:schemeClr>
           </a:solidFill>
           <a:latin typeface="+mn-lt"/>
           <a:ea typeface="+mn-ea"/>
           <a:cs typeface="+mn-cs"/>
         </a:defRPr>
       </a:lvl5pPr>
-      <a:lvl6pPr marL="2514600" indent="-228600" algn="l" defTabSz="914400" rtl="0" eaLnBrk="1" latinLnBrk="0" hangingPunct="1">
+      <a:lvl6pPr marL="1100000" indent="-228600" algn="l" defTabSz="914400" rtl="0" eaLnBrk="1" latinLnBrk="0" hangingPunct="1">
         <a:lnSpc>
           <a:spcPct val="90000"/>
         </a:lnSpc>
         <a:spcBef>
-          <a:spcPts val="500"/>
+          <a:spcPts val="200"/>
         </a:spcBef>
-        <a:buFont typeface="Arial" panose="020B0604020202020204" pitchFamily="34" charset="0"/>
-        <a:buChar char="•"/>
-        <a:defRPr sz="1800" kern="1200">
+        <a:spcAft>
+          <a:spcPts val="400"/>
+        </a:spcAft>
+        <a:buClr>
+          <a:schemeClr val="accent1"/>
+        </a:buClr>
+        <a:buFont typeface="Calibri" pitchFamily="34" charset="0"/>
+        <a:buChar char="◦"/>
+        <a:defRPr sz="1400" kern="1200">
           <a:solidFill>
-            <a:schemeClr val="tx1"/>
+            <a:schemeClr val="tx1">
+              <a:lumMod val="75000"/>
+              <a:lumOff val="25000"/>
+            </a:schemeClr>
           </a:solidFill>
           <a:latin typeface="+mn-lt"/>
           <a:ea typeface="+mn-ea"/>
           <a:cs typeface="+mn-cs"/>
         </a:defRPr>
       </a:lvl6pPr>
-      <a:lvl7pPr marL="2971800" indent="-228600" algn="l" defTabSz="914400" rtl="0" eaLnBrk="1" latinLnBrk="0" hangingPunct="1">
+      <a:lvl7pPr marL="1300000" indent="-228600" algn="l" defTabSz="914400" rtl="0" eaLnBrk="1" latinLnBrk="0" hangingPunct="1">
         <a:lnSpc>
           <a:spcPct val="90000"/>
         </a:lnSpc>
         <a:spcBef>
-          <a:spcPts val="500"/>
+          <a:spcPts val="200"/>
         </a:spcBef>
-        <a:buFont typeface="Arial" panose="020B0604020202020204" pitchFamily="34" charset="0"/>
-        <a:buChar char="•"/>
-        <a:defRPr sz="1800" kern="1200">
+        <a:spcAft>
+          <a:spcPts val="400"/>
+        </a:spcAft>
+        <a:buClr>
+          <a:schemeClr val="accent1"/>
+        </a:buClr>
+        <a:buFont typeface="Calibri" pitchFamily="34" charset="0"/>
+        <a:buChar char="◦"/>
+        <a:defRPr sz="1400" kern="1200">
           <a:solidFill>
-            <a:schemeClr val="tx1"/>
+            <a:schemeClr val="tx1">
+              <a:lumMod val="75000"/>
+              <a:lumOff val="25000"/>
+            </a:schemeClr>
           </a:solidFill>
           <a:latin typeface="+mn-lt"/>
           <a:ea typeface="+mn-ea"/>
           <a:cs typeface="+mn-cs"/>
         </a:defRPr>
       </a:lvl7pPr>
-      <a:lvl8pPr marL="3429000" indent="-228600" algn="l" defTabSz="914400" rtl="0" eaLnBrk="1" latinLnBrk="0" hangingPunct="1">
+      <a:lvl8pPr marL="1500000" indent="-228600" algn="l" defTabSz="914400" rtl="0" eaLnBrk="1" latinLnBrk="0" hangingPunct="1">
         <a:lnSpc>
           <a:spcPct val="90000"/>
         </a:lnSpc>
         <a:spcBef>
-          <a:spcPts val="500"/>
+          <a:spcPts val="200"/>
         </a:spcBef>
-        <a:buFont typeface="Arial" panose="020B0604020202020204" pitchFamily="34" charset="0"/>
-        <a:buChar char="•"/>
-        <a:defRPr sz="1800" kern="1200">
+        <a:spcAft>
+          <a:spcPts val="400"/>
+        </a:spcAft>
+        <a:buClr>
+          <a:schemeClr val="accent1"/>
+        </a:buClr>
+        <a:buFont typeface="Calibri" pitchFamily="34" charset="0"/>
+        <a:buChar char="◦"/>
+        <a:defRPr sz="1400" kern="1200">
           <a:solidFill>
-            <a:schemeClr val="tx1"/>
+            <a:schemeClr val="tx1">
+              <a:lumMod val="75000"/>
+              <a:lumOff val="25000"/>
+            </a:schemeClr>
           </a:solidFill>
           <a:latin typeface="+mn-lt"/>
           <a:ea typeface="+mn-ea"/>
           <a:cs typeface="+mn-cs"/>
         </a:defRPr>
       </a:lvl8pPr>
-      <a:lvl9pPr marL="3886200" indent="-228600" algn="l" defTabSz="914400" rtl="0" eaLnBrk="1" latinLnBrk="0" hangingPunct="1">
+      <a:lvl9pPr marL="1700000" indent="-228600" algn="l" defTabSz="914400" rtl="0" eaLnBrk="1" latinLnBrk="0" hangingPunct="1">
         <a:lnSpc>
           <a:spcPct val="90000"/>
         </a:lnSpc>
         <a:spcBef>
-          <a:spcPts val="500"/>
+          <a:spcPts val="200"/>
         </a:spcBef>
-        <a:buFont typeface="Arial" panose="020B0604020202020204" pitchFamily="34" charset="0"/>
-        <a:buChar char="•"/>
-        <a:defRPr sz="1800" kern="1200">
+        <a:spcAft>
+          <a:spcPts val="400"/>
+        </a:spcAft>
+        <a:buClr>
+          <a:schemeClr val="accent1"/>
+        </a:buClr>
+        <a:buFont typeface="Calibri" pitchFamily="34" charset="0"/>
+        <a:buChar char="◦"/>
+        <a:defRPr sz="1400" kern="1200">
           <a:solidFill>
-            <a:schemeClr val="tx1"/>
+            <a:schemeClr val="tx1">
+              <a:lumMod val="75000"/>
+              <a:lumOff val="25000"/>
+            </a:schemeClr>
           </a:solidFill>
           <a:latin typeface="+mn-lt"/>
           <a:ea typeface="+mn-ea"/>
@@ -3004,7 +3842,10 @@
           <a:bodyPr/>
           <a:lstStyle/>
           <a:p>
-            <a:endParaRPr lang="en-US"/>
+            <a:r>
+              <a:rPr lang="en-US" dirty="0" smtClean="0"/>
+              <a:t>Anastasia Belokurova</a:t>
+            </a:r>
           </a:p>
         </p:txBody>
       </p:sp>
@@ -3047,48 +3888,26 @@
       </p:grpSpPr>
       <p:sp>
         <p:nvSpPr>
-          <p:cNvPr id="4" name="Title 1"/>
-          <p:cNvSpPr txBox="1">
-            <a:spLocks/>
+          <p:cNvPr id="2" name="Title 1"/>
+          <p:cNvSpPr>
+            <a:spLocks noGrp="1"/>
           </p:cNvSpPr>
-          <p:nvPr/>
+          <p:nvPr>
+            <p:ph type="title"/>
+          </p:nvPr>
         </p:nvSpPr>
-        <p:spPr>
-          <a:xfrm>
-            <a:off x="559267" y="228600"/>
-            <a:ext cx="9799818" cy="794772"/>
-          </a:xfrm>
-          <a:prstGeom prst="rect">
-            <a:avLst/>
-          </a:prstGeom>
-        </p:spPr>
+        <p:spPr/>
         <p:txBody>
-          <a:bodyPr vert="horz" lIns="91440" tIns="45720" rIns="91440" bIns="45720" rtlCol="0" anchor="ctr">
-            <a:normAutofit fontScale="97500"/>
-          </a:bodyPr>
-          <a:lstStyle>
-            <a:lvl1pPr algn="l" defTabSz="914400" rtl="0" eaLnBrk="1" latinLnBrk="0" hangingPunct="1">
-              <a:lnSpc>
-                <a:spcPct val="90000"/>
-              </a:lnSpc>
-              <a:spcBef>
-                <a:spcPct val="0"/>
-              </a:spcBef>
-              <a:buNone/>
-              <a:defRPr sz="4400" kern="1200">
-                <a:solidFill>
-                  <a:schemeClr val="tx1"/>
-                </a:solidFill>
-                <a:latin typeface="+mj-lt"/>
-                <a:ea typeface="+mj-ea"/>
-                <a:cs typeface="+mj-cs"/>
-              </a:defRPr>
-            </a:lvl1pPr>
-          </a:lstStyle>
-          <a:p>
+          <a:bodyPr/>
+          <a:lstStyle/>
+          <a:p>
+            <a:r>
+              <a:rPr lang="en-US" dirty="0"/>
+              <a:t>Queue </a:t>
+            </a:r>
             <a:r>
               <a:rPr lang="en-US" dirty="0" smtClean="0"/>
-              <a:t>Queue Terminology</a:t>
+              <a:t>Terminology</a:t>
             </a:r>
             <a:endParaRPr lang="en-US" dirty="0"/>
           </a:p>
@@ -3096,11 +3915,15 @@
       </p:sp>
       <p:pic>
         <p:nvPicPr>
-          <p:cNvPr id="5" name="Picture 4"/>
-          <p:cNvPicPr/>
-          <p:nvPr/>
+          <p:cNvPr id="6" name="Content Placeholder 5"/>
+          <p:cNvPicPr>
+            <a:picLocks noGrp="1"/>
+          </p:cNvPicPr>
+          <p:nvPr>
+            <p:ph idx="1"/>
+          </p:nvPr>
         </p:nvPicPr>
-        <p:blipFill>
+        <p:blipFill rotWithShape="1">
           <a:blip r:embed="rId2">
             <a:extLst>
               <a:ext uri="{28A0092B-C50C-407E-A947-70E740481C1C}">
@@ -3108,14 +3931,13 @@
               </a:ext>
             </a:extLst>
           </a:blip>
-          <a:stretch>
-            <a:fillRect/>
-          </a:stretch>
+          <a:srcRect t="6331" b="8643"/>
+          <a:stretch/>
         </p:blipFill>
         <p:spPr>
           <a:xfrm>
-            <a:off x="1985320" y="787111"/>
-            <a:ext cx="8170566" cy="6070889"/>
+            <a:off x="1136821" y="1804085"/>
+            <a:ext cx="6903309" cy="4464910"/>
           </a:xfrm>
           <a:prstGeom prst="rect">
             <a:avLst/>
@@ -3161,47 +3983,26 @@
       </p:grpSpPr>
       <p:sp>
         <p:nvSpPr>
-          <p:cNvPr id="2" name="Title 1"/>
-          <p:cNvSpPr txBox="1">
-            <a:spLocks/>
+          <p:cNvPr id="37" name="Title 36"/>
+          <p:cNvSpPr>
+            <a:spLocks noGrp="1"/>
           </p:cNvSpPr>
-          <p:nvPr/>
+          <p:nvPr>
+            <p:ph type="title"/>
+          </p:nvPr>
         </p:nvSpPr>
         <p:spPr>
           <a:xfrm>
-            <a:off x="1293366" y="228600"/>
-            <a:ext cx="8382000" cy="666750"/>
+            <a:off x="822960" y="286604"/>
+            <a:ext cx="7543800" cy="1451899"/>
           </a:xfrm>
-          <a:prstGeom prst="rect">
-            <a:avLst/>
-          </a:prstGeom>
         </p:spPr>
         <p:txBody>
-          <a:bodyPr vert="horz" lIns="91440" tIns="45720" rIns="91440" bIns="45720" rtlCol="0" anchor="ctr">
-            <a:normAutofit fontScale="97500" lnSpcReduction="10000"/>
-          </a:bodyPr>
-          <a:lstStyle>
-            <a:lvl1pPr algn="l" defTabSz="914400" rtl="0" eaLnBrk="1" latinLnBrk="0" hangingPunct="1">
-              <a:lnSpc>
-                <a:spcPct val="90000"/>
-              </a:lnSpc>
-              <a:spcBef>
-                <a:spcPct val="0"/>
-              </a:spcBef>
-              <a:buNone/>
-              <a:defRPr sz="4400" kern="1200">
-                <a:solidFill>
-                  <a:schemeClr val="tx1"/>
-                </a:solidFill>
-                <a:latin typeface="+mj-lt"/>
-                <a:ea typeface="+mj-ea"/>
-                <a:cs typeface="+mj-cs"/>
-              </a:defRPr>
-            </a:lvl1pPr>
-          </a:lstStyle>
+          <a:bodyPr/>
+          <a:lstStyle/>
           <a:p>
             <a:r>
-              <a:rPr lang="en-US" dirty="0" smtClean="0"/>
+              <a:rPr lang="en-US" dirty="0"/>
               <a:t>Message lifecycle</a:t>
             </a:r>
             <a:endParaRPr lang="en-US" dirty="0"/>
@@ -3210,14 +4011,14 @@
       </p:sp>
       <p:sp>
         <p:nvSpPr>
-          <p:cNvPr id="3" name="Flowchart: Process 2"/>
+          <p:cNvPr id="40" name="Flowchart: Process 39"/>
           <p:cNvSpPr/>
           <p:nvPr/>
         </p:nvSpPr>
         <p:spPr bwMode="auto">
           <a:xfrm>
-            <a:off x="5051550" y="2034540"/>
-            <a:ext cx="1627632" cy="3794760"/>
+            <a:off x="3903995" y="3033957"/>
+            <a:ext cx="1220724" cy="2846070"/>
           </a:xfrm>
           <a:prstGeom prst="flowChartProcess">
             <a:avLst/>
@@ -3242,14 +4043,14 @@
           </a:fontRef>
         </p:style>
         <p:txBody>
-          <a:bodyPr vert="horz" wrap="square" lIns="91436" tIns="45718" rIns="91436" bIns="45718" numCol="1" rtlCol="0" anchor="b" anchorCtr="0" compatLnSpc="1">
+          <a:bodyPr vert="horz" wrap="square" lIns="68577" tIns="34289" rIns="68577" bIns="34289" numCol="1" rtlCol="0" anchor="b" anchorCtr="0" compatLnSpc="1">
             <a:prstTxWarp prst="textNoShape">
               <a:avLst/>
             </a:prstTxWarp>
           </a:bodyPr>
           <a:lstStyle/>
           <a:p>
-            <a:pPr algn="ctr" defTabSz="914099" fontAlgn="base">
+            <a:pPr algn="ctr" defTabSz="685574" fontAlgn="base">
               <a:spcBef>
                 <a:spcPct val="0"/>
               </a:spcBef>
@@ -3258,7 +4059,7 @@
               </a:spcAft>
             </a:pPr>
             <a:r>
-              <a:rPr lang="en-GB" sz="2400" dirty="0" smtClean="0">
+              <a:rPr lang="en-GB" dirty="0">
                 <a:solidFill>
                   <a:srgbClr val="FFFFFF"/>
                 </a:solidFill>
@@ -3278,14 +4079,14 @@
       </p:sp>
       <p:sp>
         <p:nvSpPr>
-          <p:cNvPr id="4" name="Flowchart: Process 3"/>
+          <p:cNvPr id="41" name="Flowchart: Process 40"/>
           <p:cNvSpPr/>
           <p:nvPr/>
         </p:nvSpPr>
         <p:spPr bwMode="auto">
           <a:xfrm>
-            <a:off x="5197854" y="2189988"/>
-            <a:ext cx="1335024" cy="557784"/>
+            <a:off x="4013723" y="3150543"/>
+            <a:ext cx="1001268" cy="418338"/>
           </a:xfrm>
           <a:prstGeom prst="flowChartProcess">
             <a:avLst/>
@@ -3310,14 +4111,14 @@
           </a:fontRef>
         </p:style>
         <p:txBody>
-          <a:bodyPr vert="horz" wrap="square" lIns="91436" tIns="45718" rIns="91436" bIns="45718" numCol="1" rtlCol="0" anchor="ctr" anchorCtr="0" compatLnSpc="1">
+          <a:bodyPr vert="horz" wrap="square" lIns="68577" tIns="34289" rIns="68577" bIns="34289" numCol="1" rtlCol="0" anchor="ctr" anchorCtr="0" compatLnSpc="1">
             <a:prstTxWarp prst="textNoShape">
               <a:avLst/>
             </a:prstTxWarp>
           </a:bodyPr>
           <a:lstStyle/>
           <a:p>
-            <a:pPr algn="ctr" defTabSz="914099" fontAlgn="base">
+            <a:pPr algn="ctr" defTabSz="685574" fontAlgn="base">
               <a:spcBef>
                 <a:spcPct val="0"/>
               </a:spcBef>
@@ -3326,7 +4127,7 @@
               </a:spcAft>
             </a:pPr>
             <a:r>
-              <a:rPr lang="en-GB" sz="2400" dirty="0" err="1" smtClean="0">
+              <a:rPr lang="en-GB" dirty="0" err="1">
                 <a:solidFill>
                   <a:srgbClr val="FFFFFF"/>
                 </a:solidFill>
@@ -3342,7 +4143,7 @@
               <a:t>Msg</a:t>
             </a:r>
             <a:r>
-              <a:rPr lang="en-GB" sz="2400" dirty="0" smtClean="0">
+              <a:rPr lang="en-GB" dirty="0">
                 <a:solidFill>
                   <a:srgbClr val="FFFFFF"/>
                 </a:solidFill>
@@ -3362,14 +4163,14 @@
       </p:sp>
       <p:sp>
         <p:nvSpPr>
-          <p:cNvPr id="5" name="Flowchart: Process 4"/>
+          <p:cNvPr id="42" name="Flowchart: Process 41"/>
           <p:cNvSpPr/>
           <p:nvPr/>
         </p:nvSpPr>
         <p:spPr bwMode="auto">
           <a:xfrm>
-            <a:off x="5185662" y="2836164"/>
-            <a:ext cx="1335024" cy="557784"/>
+            <a:off x="4004579" y="3635175"/>
+            <a:ext cx="1001268" cy="418338"/>
           </a:xfrm>
           <a:prstGeom prst="flowChartProcess">
             <a:avLst/>
@@ -3394,14 +4195,14 @@
           </a:fontRef>
         </p:style>
         <p:txBody>
-          <a:bodyPr vert="horz" wrap="square" lIns="91436" tIns="45718" rIns="91436" bIns="45718" numCol="1" rtlCol="0" anchor="ctr" anchorCtr="0" compatLnSpc="1">
+          <a:bodyPr vert="horz" wrap="square" lIns="68577" tIns="34289" rIns="68577" bIns="34289" numCol="1" rtlCol="0" anchor="ctr" anchorCtr="0" compatLnSpc="1">
             <a:prstTxWarp prst="textNoShape">
               <a:avLst/>
             </a:prstTxWarp>
           </a:bodyPr>
           <a:lstStyle/>
           <a:p>
-            <a:pPr algn="ctr" defTabSz="914099" fontAlgn="base">
+            <a:pPr algn="ctr" defTabSz="685574" fontAlgn="base">
               <a:spcBef>
                 <a:spcPct val="0"/>
               </a:spcBef>
@@ -3410,7 +4211,7 @@
               </a:spcAft>
             </a:pPr>
             <a:r>
-              <a:rPr lang="en-GB" sz="2400" dirty="0" err="1" smtClean="0">
+              <a:rPr lang="en-GB" dirty="0" err="1">
                 <a:solidFill>
                   <a:srgbClr val="FFFFFF"/>
                 </a:solidFill>
@@ -3426,7 +4227,7 @@
               <a:t>Msg</a:t>
             </a:r>
             <a:r>
-              <a:rPr lang="en-GB" sz="2400" dirty="0" smtClean="0">
+              <a:rPr lang="en-GB" dirty="0">
                 <a:solidFill>
                   <a:srgbClr val="FFFFFF"/>
                 </a:solidFill>
@@ -3446,14 +4247,14 @@
       </p:sp>
       <p:sp>
         <p:nvSpPr>
-          <p:cNvPr id="6" name="Flowchart: Process 5"/>
+          <p:cNvPr id="43" name="Flowchart: Process 42"/>
           <p:cNvSpPr/>
           <p:nvPr/>
         </p:nvSpPr>
         <p:spPr bwMode="auto">
           <a:xfrm>
-            <a:off x="5194806" y="3503676"/>
-            <a:ext cx="1335024" cy="557784"/>
+            <a:off x="4011437" y="4135809"/>
+            <a:ext cx="1001268" cy="418338"/>
           </a:xfrm>
           <a:prstGeom prst="flowChartProcess">
             <a:avLst/>
@@ -3478,14 +4279,14 @@
           </a:fontRef>
         </p:style>
         <p:txBody>
-          <a:bodyPr vert="horz" wrap="square" lIns="91436" tIns="45718" rIns="91436" bIns="45718" numCol="1" rtlCol="0" anchor="ctr" anchorCtr="0" compatLnSpc="1">
+          <a:bodyPr vert="horz" wrap="square" lIns="68577" tIns="34289" rIns="68577" bIns="34289" numCol="1" rtlCol="0" anchor="ctr" anchorCtr="0" compatLnSpc="1">
             <a:prstTxWarp prst="textNoShape">
               <a:avLst/>
             </a:prstTxWarp>
           </a:bodyPr>
           <a:lstStyle/>
           <a:p>
-            <a:pPr algn="ctr" defTabSz="914099" fontAlgn="base">
+            <a:pPr algn="ctr" defTabSz="685574" fontAlgn="base">
               <a:spcBef>
                 <a:spcPct val="0"/>
               </a:spcBef>
@@ -3494,7 +4295,7 @@
               </a:spcAft>
             </a:pPr>
             <a:r>
-              <a:rPr lang="en-GB" sz="2400" dirty="0" err="1" smtClean="0">
+              <a:rPr lang="en-GB" dirty="0" err="1">
                 <a:solidFill>
                   <a:srgbClr val="FFFFFF"/>
                 </a:solidFill>
@@ -3510,7 +4311,7 @@
               <a:t>Msg</a:t>
             </a:r>
             <a:r>
-              <a:rPr lang="en-GB" sz="2400" dirty="0" smtClean="0">
+              <a:rPr lang="en-GB" dirty="0">
                 <a:solidFill>
                   <a:srgbClr val="FFFFFF"/>
                 </a:solidFill>
@@ -3530,14 +4331,14 @@
       </p:sp>
       <p:sp>
         <p:nvSpPr>
-          <p:cNvPr id="7" name="Flowchart: Process 6"/>
+          <p:cNvPr id="44" name="Flowchart: Process 43"/>
           <p:cNvSpPr/>
           <p:nvPr/>
         </p:nvSpPr>
         <p:spPr bwMode="auto">
           <a:xfrm>
-            <a:off x="5182614" y="4149852"/>
-            <a:ext cx="1335024" cy="557784"/>
+            <a:off x="4002293" y="4620441"/>
+            <a:ext cx="1001268" cy="418338"/>
           </a:xfrm>
           <a:prstGeom prst="flowChartProcess">
             <a:avLst/>
@@ -3562,14 +4363,14 @@
           </a:fontRef>
         </p:style>
         <p:txBody>
-          <a:bodyPr vert="horz" wrap="square" lIns="91436" tIns="45718" rIns="91436" bIns="45718" numCol="1" rtlCol="0" anchor="ctr" anchorCtr="0" compatLnSpc="1">
+          <a:bodyPr vert="horz" wrap="square" lIns="68577" tIns="34289" rIns="68577" bIns="34289" numCol="1" rtlCol="0" anchor="ctr" anchorCtr="0" compatLnSpc="1">
             <a:prstTxWarp prst="textNoShape">
               <a:avLst/>
             </a:prstTxWarp>
           </a:bodyPr>
           <a:lstStyle/>
           <a:p>
-            <a:pPr algn="ctr" defTabSz="914099" fontAlgn="base">
+            <a:pPr algn="ctr" defTabSz="685574" fontAlgn="base">
               <a:spcBef>
                 <a:spcPct val="0"/>
               </a:spcBef>
@@ -3578,7 +4379,7 @@
               </a:spcAft>
             </a:pPr>
             <a:r>
-              <a:rPr lang="en-GB" sz="2400" dirty="0" err="1" smtClean="0">
+              <a:rPr lang="en-GB" dirty="0" err="1">
                 <a:solidFill>
                   <a:srgbClr val="FFFFFF"/>
                 </a:solidFill>
@@ -3594,7 +4395,7 @@
               <a:t>Msg</a:t>
             </a:r>
             <a:r>
-              <a:rPr lang="en-GB" sz="2400" dirty="0" smtClean="0">
+              <a:rPr lang="en-GB" dirty="0">
                 <a:solidFill>
                   <a:srgbClr val="FFFFFF"/>
                 </a:solidFill>
@@ -3614,21 +4415,21 @@
       </p:sp>
       <p:grpSp>
         <p:nvGrpSpPr>
-          <p:cNvPr id="8" name="Group 16"/>
+          <p:cNvPr id="45" name="Group 16"/>
           <p:cNvGrpSpPr/>
           <p:nvPr/>
         </p:nvGrpSpPr>
         <p:grpSpPr>
           <a:xfrm>
-            <a:off x="7968486" y="1940052"/>
-            <a:ext cx="2231136" cy="1609344"/>
+            <a:off x="6091697" y="2963091"/>
+            <a:ext cx="1673352" cy="1207008"/>
             <a:chOff x="6108192" y="1426464"/>
             <a:chExt cx="2231136" cy="1609344"/>
           </a:xfrm>
         </p:grpSpPr>
         <p:sp>
           <p:nvSpPr>
-            <p:cNvPr id="9" name="Rounded Rectangle 8"/>
+            <p:cNvPr id="46" name="Rounded Rectangle 45"/>
             <p:cNvSpPr/>
             <p:nvPr/>
           </p:nvSpPr>
@@ -3660,14 +4461,14 @@
             </a:fontRef>
           </p:style>
           <p:txBody>
-            <a:bodyPr vert="horz" wrap="square" lIns="91436" tIns="45718" rIns="91436" bIns="45718" numCol="1" rtlCol="0" anchor="t" anchorCtr="0" compatLnSpc="1">
+            <a:bodyPr vert="horz" wrap="square" lIns="68577" tIns="34289" rIns="68577" bIns="34289" numCol="1" rtlCol="0" anchor="t" anchorCtr="0" compatLnSpc="1">
               <a:prstTxWarp prst="textNoShape">
                 <a:avLst/>
               </a:prstTxWarp>
             </a:bodyPr>
             <a:lstStyle/>
             <a:p>
-              <a:pPr algn="ctr" defTabSz="914099" fontAlgn="base">
+              <a:pPr algn="ctr" defTabSz="685574" fontAlgn="base">
                 <a:spcBef>
                   <a:spcPct val="0"/>
                 </a:spcBef>
@@ -3676,7 +4477,7 @@
                 </a:spcAft>
               </a:pPr>
               <a:r>
-                <a:rPr lang="en-GB" sz="2400" dirty="0" smtClean="0">
+                <a:rPr lang="en-GB" dirty="0">
                   <a:solidFill>
                     <a:srgbClr val="FFFFFF"/>
                   </a:solidFill>
@@ -3696,7 +4497,7 @@
         </p:sp>
         <p:pic>
           <p:nvPicPr>
-            <p:cNvPr id="10" name="Picture 2" descr="D:\Art\PPT 2007 Style Library\EMF_SHAPES\3 cycle arrows.png"/>
+            <p:cNvPr id="47" name="Picture 2" descr="D:\Art\PPT 2007 Style Library\EMF_SHAPES\3 cycle arrows.png"/>
             <p:cNvPicPr>
               <a:picLocks noChangeAspect="1" noChangeArrowheads="1"/>
             </p:cNvPicPr>
@@ -3723,21 +4524,21 @@
       </p:grpSp>
       <p:grpSp>
         <p:nvGrpSpPr>
-          <p:cNvPr id="11" name="Group 17"/>
+          <p:cNvPr id="48" name="Group 17"/>
           <p:cNvGrpSpPr/>
           <p:nvPr/>
         </p:nvGrpSpPr>
         <p:grpSpPr>
           <a:xfrm>
-            <a:off x="7968486" y="4314444"/>
-            <a:ext cx="2231136" cy="1609344"/>
+            <a:off x="6091697" y="4743885"/>
+            <a:ext cx="1673352" cy="1207008"/>
             <a:chOff x="6653784" y="3499104"/>
             <a:chExt cx="2231136" cy="1609344"/>
           </a:xfrm>
         </p:grpSpPr>
         <p:sp>
           <p:nvSpPr>
-            <p:cNvPr id="12" name="Rounded Rectangle 11"/>
+            <p:cNvPr id="49" name="Rounded Rectangle 48"/>
             <p:cNvSpPr/>
             <p:nvPr/>
           </p:nvSpPr>
@@ -3769,14 +4570,14 @@
             </a:fontRef>
           </p:style>
           <p:txBody>
-            <a:bodyPr vert="horz" wrap="square" lIns="91436" tIns="45718" rIns="91436" bIns="45718" numCol="1" rtlCol="0" anchor="t" anchorCtr="0" compatLnSpc="1">
+            <a:bodyPr vert="horz" wrap="square" lIns="68577" tIns="34289" rIns="68577" bIns="34289" numCol="1" rtlCol="0" anchor="t" anchorCtr="0" compatLnSpc="1">
               <a:prstTxWarp prst="textNoShape">
                 <a:avLst/>
               </a:prstTxWarp>
             </a:bodyPr>
             <a:lstStyle/>
             <a:p>
-              <a:pPr algn="ctr" defTabSz="914099" fontAlgn="base">
+              <a:pPr algn="ctr" defTabSz="685574" fontAlgn="base">
                 <a:spcBef>
                   <a:spcPct val="0"/>
                 </a:spcBef>
@@ -3785,7 +4586,7 @@
                 </a:spcAft>
               </a:pPr>
               <a:r>
-                <a:rPr lang="en-GB" sz="2400" dirty="0" smtClean="0">
+                <a:rPr lang="en-GB" dirty="0">
                   <a:solidFill>
                     <a:srgbClr val="FFFFFF"/>
                   </a:solidFill>
@@ -3805,7 +4606,7 @@
         </p:sp>
         <p:pic>
           <p:nvPicPr>
-            <p:cNvPr id="13" name="Picture 2" descr="D:\Art\PPT 2007 Style Library\EMF_SHAPES\3 cycle arrows.png"/>
+            <p:cNvPr id="50" name="Picture 2" descr="D:\Art\PPT 2007 Style Library\EMF_SHAPES\3 cycle arrows.png"/>
             <p:cNvPicPr>
               <a:picLocks noChangeAspect="1" noChangeArrowheads="1"/>
             </p:cNvPicPr>
@@ -3832,14 +4633,14 @@
       </p:grpSp>
       <p:sp>
         <p:nvSpPr>
-          <p:cNvPr id="14" name="Rounded Rectangular Callout 13"/>
+          <p:cNvPr id="51" name="Rounded Rectangular Callout 50"/>
           <p:cNvSpPr/>
           <p:nvPr/>
         </p:nvSpPr>
         <p:spPr bwMode="auto">
           <a:xfrm>
-            <a:off x="2077136" y="1595535"/>
-            <a:ext cx="2239347" cy="802432"/>
+            <a:off x="1673185" y="2704703"/>
+            <a:ext cx="1679510" cy="601824"/>
           </a:xfrm>
           <a:prstGeom prst="wedgeRoundRectCallout">
             <a:avLst>
@@ -3868,14 +4669,14 @@
           </a:fontRef>
         </p:style>
         <p:txBody>
-          <a:bodyPr vert="horz" wrap="square" lIns="91436" tIns="45718" rIns="91436" bIns="45718" numCol="1" rtlCol="0" anchor="ctr" anchorCtr="0" compatLnSpc="1">
+          <a:bodyPr vert="horz" wrap="square" lIns="68577" tIns="34289" rIns="68577" bIns="34289" numCol="1" rtlCol="0" anchor="ctr" anchorCtr="0" compatLnSpc="1">
             <a:prstTxWarp prst="textNoShape">
               <a:avLst/>
             </a:prstTxWarp>
           </a:bodyPr>
           <a:lstStyle/>
           <a:p>
-            <a:pPr algn="ctr" defTabSz="914099" fontAlgn="base">
+            <a:pPr algn="ctr" defTabSz="685574" fontAlgn="base">
               <a:spcBef>
                 <a:spcPct val="0"/>
               </a:spcBef>
@@ -3884,7 +4685,7 @@
               </a:spcAft>
             </a:pPr>
             <a:r>
-              <a:rPr lang="en-GB" sz="2400" dirty="0" err="1" smtClean="0">
+              <a:rPr lang="en-GB" dirty="0" err="1">
                 <a:solidFill>
                   <a:srgbClr val="FFFFFF"/>
                 </a:solidFill>
@@ -3899,7 +4700,7 @@
               </a:rPr>
               <a:t>PutMessage</a:t>
             </a:r>
-            <a:endParaRPr lang="en-GB" sz="2400" dirty="0" smtClean="0">
+            <a:endParaRPr lang="en-GB" dirty="0">
               <a:solidFill>
                 <a:srgbClr val="FFFFFF"/>
               </a:solidFill>
@@ -3917,21 +4718,21 @@
       </p:sp>
       <p:grpSp>
         <p:nvGrpSpPr>
-          <p:cNvPr id="15" name="Group 40"/>
+          <p:cNvPr id="52" name="Group 40"/>
           <p:cNvGrpSpPr/>
           <p:nvPr/>
         </p:nvGrpSpPr>
         <p:grpSpPr>
           <a:xfrm>
-            <a:off x="1531110" y="2935224"/>
-            <a:ext cx="2761488" cy="1993392"/>
+            <a:off x="1263665" y="3709470"/>
+            <a:ext cx="2071116" cy="1495044"/>
             <a:chOff x="237744" y="2935224"/>
             <a:chExt cx="2761488" cy="1993392"/>
           </a:xfrm>
         </p:grpSpPr>
         <p:sp>
           <p:nvSpPr>
-            <p:cNvPr id="16" name="Rounded Rectangle 15"/>
+            <p:cNvPr id="53" name="Rounded Rectangle 52"/>
             <p:cNvSpPr/>
             <p:nvPr/>
           </p:nvSpPr>
@@ -3963,14 +4764,14 @@
             </a:fontRef>
           </p:style>
           <p:txBody>
-            <a:bodyPr vert="horz" wrap="square" lIns="91436" tIns="45718" rIns="91436" bIns="45718" numCol="1" rtlCol="0" anchor="t" anchorCtr="0" compatLnSpc="1">
+            <a:bodyPr vert="horz" wrap="square" lIns="68577" tIns="34289" rIns="68577" bIns="34289" numCol="1" rtlCol="0" anchor="t" anchorCtr="0" compatLnSpc="1">
               <a:prstTxWarp prst="textNoShape">
                 <a:avLst/>
               </a:prstTxWarp>
             </a:bodyPr>
             <a:lstStyle/>
             <a:p>
-              <a:pPr algn="ctr" defTabSz="914099" fontAlgn="base">
+              <a:pPr algn="ctr" defTabSz="685574" fontAlgn="base">
                 <a:spcBef>
                   <a:spcPct val="0"/>
                 </a:spcBef>
@@ -3979,7 +4780,7 @@
                 </a:spcAft>
               </a:pPr>
               <a:r>
-                <a:rPr lang="en-GB" sz="2400" dirty="0" smtClean="0">
+                <a:rPr lang="en-GB" dirty="0">
                   <a:solidFill>
                     <a:srgbClr val="FFFFFF"/>
                   </a:solidFill>
@@ -3999,7 +4800,7 @@
         </p:sp>
         <p:pic>
           <p:nvPicPr>
-            <p:cNvPr id="17" name="Picture 4" descr="D:\Art\HARDWARE_IMAGERY\Illustration - Misc Hardware\XML Icons\XML Web Service.png"/>
+            <p:cNvPr id="54" name="Picture 4" descr="D:\Art\HARDWARE_IMAGERY\Illustration - Misc Hardware\XML Icons\XML Web Service.png"/>
             <p:cNvPicPr>
               <a:picLocks noChangeAspect="1" noChangeArrowheads="1"/>
             </p:cNvPicPr>
@@ -4026,7 +4827,7 @@
       </p:grpSp>
       <p:pic>
         <p:nvPicPr>
-          <p:cNvPr id="18" name="Picture 3" descr="D:\Art\Shapes and Graphics\Arrows - arrow\White Collection 25 percent opaque - soft shadow\arrow 4.png"/>
+          <p:cNvPr id="55" name="Picture 3" descr="D:\Art\Shapes and Graphics\Arrows - arrow\White Collection 25 percent opaque - soft shadow\arrow 4.png"/>
           <p:cNvPicPr>
             <a:picLocks noChangeAspect="1" noChangeArrowheads="1"/>
           </p:cNvPicPr>
@@ -4041,8 +4842,8 @@
         </p:blipFill>
         <p:spPr bwMode="auto">
           <a:xfrm rot="5400000">
-            <a:off x="1967995" y="2770917"/>
-            <a:ext cx="566617" cy="1915875"/>
+            <a:off x="1591329" y="3586240"/>
+            <a:ext cx="424963" cy="1436906"/>
           </a:xfrm>
           <a:prstGeom prst="rect">
             <a:avLst/>
@@ -4061,7 +4862,7 @@
       </p:pic>
       <p:pic>
         <p:nvPicPr>
-          <p:cNvPr id="19" name="Picture 3" descr="D:\Art\Shapes and Graphics\Arrows - arrow\White Collection 25 percent opaque - soft shadow\arrow 4.png"/>
+          <p:cNvPr id="56" name="Picture 3" descr="D:\Art\Shapes and Graphics\Arrows - arrow\White Collection 25 percent opaque - soft shadow\arrow 4.png"/>
           <p:cNvPicPr>
             <a:picLocks noChangeAspect="1" noChangeArrowheads="1"/>
           </p:cNvPicPr>
@@ -4076,8 +4877,8 @@
         </p:blipFill>
         <p:spPr bwMode="auto">
           <a:xfrm rot="16200000" flipH="1">
-            <a:off x="1967995" y="3426237"/>
-            <a:ext cx="566617" cy="1915875"/>
+            <a:off x="1591329" y="4077730"/>
+            <a:ext cx="424963" cy="1436906"/>
           </a:xfrm>
           <a:prstGeom prst="rect">
             <a:avLst/>
@@ -4096,16 +4897,16 @@
       </p:pic>
       <p:cxnSp>
         <p:nvCxnSpPr>
-          <p:cNvPr id="20" name="Straight Arrow Connector 19"/>
+          <p:cNvPr id="57" name="Straight Arrow Connector 56"/>
           <p:cNvCxnSpPr>
-            <a:endCxn id="4" idx="1"/>
+            <a:endCxn id="41" idx="1"/>
           </p:cNvCxnSpPr>
           <p:nvPr/>
         </p:nvCxnSpPr>
         <p:spPr>
           <a:xfrm flipV="1">
-            <a:off x="3570035" y="2468880"/>
-            <a:ext cx="1627819" cy="1431317"/>
+            <a:off x="2792859" y="3359712"/>
+            <a:ext cx="1220864" cy="1073488"/>
           </a:xfrm>
           <a:prstGeom prst="straightConnector1">
             <a:avLst/>
@@ -4153,16 +4954,16 @@
       </p:cxnSp>
       <p:cxnSp>
         <p:nvCxnSpPr>
-          <p:cNvPr id="21" name="Straight Arrow Connector 20"/>
+          <p:cNvPr id="58" name="Straight Arrow Connector 57"/>
           <p:cNvCxnSpPr>
-            <a:endCxn id="5" idx="1"/>
+            <a:endCxn id="42" idx="1"/>
           </p:cNvCxnSpPr>
           <p:nvPr/>
         </p:nvCxnSpPr>
         <p:spPr>
           <a:xfrm flipV="1">
-            <a:off x="3588697" y="3115056"/>
-            <a:ext cx="1596965" cy="831794"/>
+            <a:off x="2806855" y="3844344"/>
+            <a:ext cx="1197724" cy="623846"/>
           </a:xfrm>
           <a:prstGeom prst="straightConnector1">
             <a:avLst/>
@@ -4210,16 +5011,16 @@
       </p:cxnSp>
       <p:cxnSp>
         <p:nvCxnSpPr>
-          <p:cNvPr id="22" name="Straight Arrow Connector 21"/>
+          <p:cNvPr id="59" name="Straight Arrow Connector 58"/>
           <p:cNvCxnSpPr>
-            <a:endCxn id="6" idx="1"/>
+            <a:endCxn id="43" idx="1"/>
           </p:cNvCxnSpPr>
           <p:nvPr/>
         </p:nvCxnSpPr>
         <p:spPr>
           <a:xfrm flipV="1">
-            <a:off x="3570035" y="3782568"/>
-            <a:ext cx="1624771" cy="117629"/>
+            <a:off x="2792859" y="4344978"/>
+            <a:ext cx="1218578" cy="88222"/>
           </a:xfrm>
           <a:prstGeom prst="straightConnector1">
             <a:avLst/>
@@ -4267,16 +5068,16 @@
       </p:cxnSp>
       <p:cxnSp>
         <p:nvCxnSpPr>
-          <p:cNvPr id="23" name="Straight Arrow Connector 22"/>
+          <p:cNvPr id="60" name="Straight Arrow Connector 59"/>
           <p:cNvCxnSpPr>
-            <a:endCxn id="7" idx="1"/>
+            <a:endCxn id="44" idx="1"/>
           </p:cNvCxnSpPr>
           <p:nvPr/>
         </p:nvCxnSpPr>
         <p:spPr>
           <a:xfrm>
-            <a:off x="3570035" y="3900197"/>
-            <a:ext cx="1612579" cy="528547"/>
+            <a:off x="2792859" y="4433200"/>
+            <a:ext cx="1209434" cy="396410"/>
           </a:xfrm>
           <a:prstGeom prst="straightConnector1">
             <a:avLst/>
@@ -4324,16 +5125,16 @@
       </p:cxnSp>
       <p:cxnSp>
         <p:nvCxnSpPr>
-          <p:cNvPr id="24" name="Straight Arrow Connector 23"/>
+          <p:cNvPr id="61" name="Straight Arrow Connector 60"/>
           <p:cNvCxnSpPr>
-            <a:endCxn id="4" idx="3"/>
+            <a:endCxn id="41" idx="3"/>
           </p:cNvCxnSpPr>
           <p:nvPr/>
         </p:nvCxnSpPr>
         <p:spPr>
           <a:xfrm rot="10800000">
-            <a:off x="6532878" y="2468880"/>
-            <a:ext cx="1982382" cy="236998"/>
+            <a:off x="5014990" y="3359712"/>
+            <a:ext cx="1486787" cy="177749"/>
           </a:xfrm>
           <a:prstGeom prst="straightConnector1">
             <a:avLst/>
@@ -4381,14 +5182,14 @@
       </p:cxnSp>
       <p:sp>
         <p:nvSpPr>
-          <p:cNvPr id="25" name="Rounded Rectangular Callout 24"/>
+          <p:cNvPr id="62" name="Rounded Rectangular Callout 61"/>
           <p:cNvSpPr/>
           <p:nvPr/>
         </p:nvSpPr>
         <p:spPr bwMode="auto">
           <a:xfrm>
-            <a:off x="6652246" y="656254"/>
-            <a:ext cx="3374573" cy="802432"/>
+            <a:off x="5104517" y="2000243"/>
+            <a:ext cx="2530930" cy="601824"/>
           </a:xfrm>
           <a:prstGeom prst="wedgeRoundRectCallout">
             <a:avLst>
@@ -4417,14 +5218,14 @@
           </a:fontRef>
         </p:style>
         <p:txBody>
-          <a:bodyPr vert="horz" wrap="square" lIns="91436" tIns="45718" rIns="91436" bIns="45718" numCol="1" rtlCol="0" anchor="ctr" anchorCtr="0" compatLnSpc="1">
+          <a:bodyPr vert="horz" wrap="square" lIns="68577" tIns="34289" rIns="68577" bIns="34289" numCol="1" rtlCol="0" anchor="ctr" anchorCtr="0" compatLnSpc="1">
             <a:prstTxWarp prst="textNoShape">
               <a:avLst/>
             </a:prstTxWarp>
           </a:bodyPr>
           <a:lstStyle/>
           <a:p>
-            <a:pPr algn="ctr" defTabSz="914099" fontAlgn="base">
+            <a:pPr algn="ctr" defTabSz="685574" fontAlgn="base">
               <a:spcBef>
                 <a:spcPct val="0"/>
               </a:spcBef>
@@ -4433,7 +5234,7 @@
               </a:spcAft>
             </a:pPr>
             <a:r>
-              <a:rPr lang="en-GB" sz="2400" dirty="0" err="1" smtClean="0">
+              <a:rPr lang="en-GB" dirty="0" err="1">
                 <a:solidFill>
                   <a:srgbClr val="FFFFFF"/>
                 </a:solidFill>
@@ -4449,7 +5250,7 @@
               <a:t>GetMessage</a:t>
             </a:r>
             <a:r>
-              <a:rPr lang="en-GB" sz="2400" dirty="0" smtClean="0">
+              <a:rPr lang="en-GB" dirty="0">
                 <a:solidFill>
                   <a:srgbClr val="FFFFFF"/>
                 </a:solidFill>
@@ -4469,14 +5270,14 @@
       </p:sp>
       <p:sp>
         <p:nvSpPr>
-          <p:cNvPr id="26" name="Rounded Rectangular Callout 25"/>
+          <p:cNvPr id="63" name="Rounded Rectangular Callout 62"/>
           <p:cNvSpPr/>
           <p:nvPr/>
         </p:nvSpPr>
         <p:spPr bwMode="auto">
           <a:xfrm>
-            <a:off x="7227635" y="650034"/>
-            <a:ext cx="2817845" cy="802432"/>
+            <a:off x="5536059" y="1995578"/>
+            <a:ext cx="2113384" cy="601824"/>
           </a:xfrm>
           <a:prstGeom prst="wedgeRoundRectCallout">
             <a:avLst>
@@ -4505,14 +5306,14 @@
           </a:fontRef>
         </p:style>
         <p:txBody>
-          <a:bodyPr vert="horz" wrap="square" lIns="91436" tIns="45718" rIns="91436" bIns="45718" numCol="1" rtlCol="0" anchor="ctr" anchorCtr="0" compatLnSpc="1">
+          <a:bodyPr vert="horz" wrap="square" lIns="68577" tIns="34289" rIns="68577" bIns="34289" numCol="1" rtlCol="0" anchor="ctr" anchorCtr="0" compatLnSpc="1">
             <a:prstTxWarp prst="textNoShape">
               <a:avLst/>
             </a:prstTxWarp>
           </a:bodyPr>
           <a:lstStyle/>
           <a:p>
-            <a:pPr algn="ctr" defTabSz="914099" fontAlgn="base">
+            <a:pPr algn="ctr" defTabSz="685574" fontAlgn="base">
               <a:spcBef>
                 <a:spcPct val="0"/>
               </a:spcBef>
@@ -4521,7 +5322,7 @@
               </a:spcAft>
             </a:pPr>
             <a:r>
-              <a:rPr lang="en-GB" sz="2400" dirty="0" err="1" smtClean="0">
+              <a:rPr lang="en-GB" dirty="0" err="1">
                 <a:solidFill>
                   <a:srgbClr val="FFFFFF"/>
                 </a:solidFill>
@@ -4536,7 +5337,7 @@
               </a:rPr>
               <a:t>RemoveMessage</a:t>
             </a:r>
-            <a:endParaRPr lang="en-GB" sz="2400" dirty="0" smtClean="0">
+            <a:endParaRPr lang="en-GB" dirty="0">
               <a:solidFill>
                 <a:srgbClr val="FFFFFF"/>
               </a:solidFill>
@@ -4554,14 +5355,14 @@
       </p:sp>
       <p:sp>
         <p:nvSpPr>
-          <p:cNvPr id="27" name="Flowchart: Process 26"/>
+          <p:cNvPr id="64" name="Flowchart: Process 63"/>
           <p:cNvSpPr/>
           <p:nvPr/>
         </p:nvSpPr>
         <p:spPr bwMode="auto">
           <a:xfrm>
-            <a:off x="8703365" y="2837345"/>
-            <a:ext cx="1335024" cy="557784"/>
+            <a:off x="6642856" y="3636061"/>
+            <a:ext cx="1001268" cy="418338"/>
           </a:xfrm>
           <a:prstGeom prst="flowChartProcess">
             <a:avLst/>
@@ -4586,14 +5387,14 @@
           </a:fontRef>
         </p:style>
         <p:txBody>
-          <a:bodyPr vert="horz" wrap="square" lIns="91436" tIns="45718" rIns="91436" bIns="45718" numCol="1" rtlCol="0" anchor="ctr" anchorCtr="0" compatLnSpc="1">
+          <a:bodyPr vert="horz" wrap="square" lIns="68577" tIns="34289" rIns="68577" bIns="34289" numCol="1" rtlCol="0" anchor="ctr" anchorCtr="0" compatLnSpc="1">
             <a:prstTxWarp prst="textNoShape">
               <a:avLst/>
             </a:prstTxWarp>
           </a:bodyPr>
           <a:lstStyle/>
           <a:p>
-            <a:pPr algn="ctr" defTabSz="914099" fontAlgn="base">
+            <a:pPr algn="ctr" defTabSz="685574" fontAlgn="base">
               <a:spcBef>
                 <a:spcPct val="0"/>
               </a:spcBef>
@@ -4602,7 +5403,7 @@
               </a:spcAft>
             </a:pPr>
             <a:r>
-              <a:rPr lang="en-GB" sz="2400" dirty="0" err="1" smtClean="0">
+              <a:rPr lang="en-GB" dirty="0" err="1">
                 <a:solidFill>
                   <a:srgbClr val="FFFFFF"/>
                 </a:solidFill>
@@ -4618,7 +5419,7 @@
               <a:t>Msg</a:t>
             </a:r>
             <a:r>
-              <a:rPr lang="en-GB" sz="2400" dirty="0" smtClean="0">
+              <a:rPr lang="en-GB" dirty="0">
                 <a:solidFill>
                   <a:srgbClr val="FFFFFF"/>
                 </a:solidFill>
@@ -4638,14 +5439,14 @@
       </p:sp>
       <p:sp>
         <p:nvSpPr>
-          <p:cNvPr id="28" name="Flowchart: Process 27"/>
+          <p:cNvPr id="65" name="Flowchart: Process 64"/>
           <p:cNvSpPr/>
           <p:nvPr/>
         </p:nvSpPr>
         <p:spPr bwMode="auto">
           <a:xfrm>
-            <a:off x="8706475" y="2840455"/>
-            <a:ext cx="1335024" cy="557784"/>
+            <a:off x="6645188" y="3638393"/>
+            <a:ext cx="1001268" cy="418338"/>
           </a:xfrm>
           <a:prstGeom prst="flowChartProcess">
             <a:avLst/>
@@ -4670,14 +5471,14 @@
           </a:fontRef>
         </p:style>
         <p:txBody>
-          <a:bodyPr vert="horz" wrap="square" lIns="91436" tIns="45718" rIns="91436" bIns="45718" numCol="1" rtlCol="0" anchor="ctr" anchorCtr="0" compatLnSpc="1">
+          <a:bodyPr vert="horz" wrap="square" lIns="68577" tIns="34289" rIns="68577" bIns="34289" numCol="1" rtlCol="0" anchor="ctr" anchorCtr="0" compatLnSpc="1">
             <a:prstTxWarp prst="textNoShape">
               <a:avLst/>
             </a:prstTxWarp>
           </a:bodyPr>
           <a:lstStyle/>
           <a:p>
-            <a:pPr algn="ctr" defTabSz="914099" fontAlgn="base">
+            <a:pPr algn="ctr" defTabSz="685574" fontAlgn="base">
               <a:spcBef>
                 <a:spcPct val="0"/>
               </a:spcBef>
@@ -4686,7 +5487,7 @@
               </a:spcAft>
             </a:pPr>
             <a:r>
-              <a:rPr lang="en-GB" sz="2400" dirty="0" err="1" smtClean="0">
+              <a:rPr lang="en-GB" dirty="0" err="1">
                 <a:solidFill>
                   <a:srgbClr val="FFFFFF"/>
                 </a:solidFill>
@@ -4702,7 +5503,7 @@
               <a:t>Msg</a:t>
             </a:r>
             <a:r>
-              <a:rPr lang="en-GB" sz="2400" dirty="0" smtClean="0">
+              <a:rPr lang="en-GB" dirty="0">
                 <a:solidFill>
                   <a:srgbClr val="FFFFFF"/>
                 </a:solidFill>
@@ -4722,14 +5523,14 @@
       </p:sp>
       <p:cxnSp>
         <p:nvCxnSpPr>
-          <p:cNvPr id="29" name="Straight Arrow Connector 28"/>
+          <p:cNvPr id="66" name="Straight Arrow Connector 65"/>
           <p:cNvCxnSpPr/>
           <p:nvPr/>
         </p:nvCxnSpPr>
         <p:spPr>
           <a:xfrm rot="10800000">
-            <a:off x="6601304" y="3181117"/>
-            <a:ext cx="1951279" cy="1801430"/>
+            <a:off x="5066311" y="3893890"/>
+            <a:ext cx="1463459" cy="1351073"/>
           </a:xfrm>
           <a:prstGeom prst="straightConnector1">
             <a:avLst/>
@@ -4777,21 +5578,21 @@
       </p:cxnSp>
       <p:grpSp>
         <p:nvGrpSpPr>
-          <p:cNvPr id="30" name="Group 52"/>
+          <p:cNvPr id="67" name="Group 52"/>
           <p:cNvGrpSpPr/>
           <p:nvPr/>
         </p:nvGrpSpPr>
         <p:grpSpPr>
           <a:xfrm>
-            <a:off x="7962265" y="4296934"/>
-            <a:ext cx="2231136" cy="1609344"/>
+            <a:off x="6087031" y="4730753"/>
+            <a:ext cx="1673352" cy="1207008"/>
             <a:chOff x="6653784" y="3499104"/>
             <a:chExt cx="2231136" cy="1609344"/>
           </a:xfrm>
         </p:grpSpPr>
         <p:sp>
           <p:nvSpPr>
-            <p:cNvPr id="31" name="Rounded Rectangle 30"/>
+            <p:cNvPr id="68" name="Rounded Rectangle 67"/>
             <p:cNvSpPr/>
             <p:nvPr/>
           </p:nvSpPr>
@@ -4823,14 +5624,14 @@
             </a:fontRef>
           </p:style>
           <p:txBody>
-            <a:bodyPr vert="horz" wrap="square" lIns="91436" tIns="45718" rIns="91436" bIns="45718" numCol="1" rtlCol="0" anchor="t" anchorCtr="0" compatLnSpc="1">
+            <a:bodyPr vert="horz" wrap="square" lIns="68577" tIns="34289" rIns="68577" bIns="34289" numCol="1" rtlCol="0" anchor="t" anchorCtr="0" compatLnSpc="1">
               <a:prstTxWarp prst="textNoShape">
                 <a:avLst/>
               </a:prstTxWarp>
             </a:bodyPr>
             <a:lstStyle/>
             <a:p>
-              <a:pPr algn="ctr" defTabSz="914099" fontAlgn="base">
+              <a:pPr algn="ctr" defTabSz="685574" fontAlgn="base">
                 <a:spcBef>
                   <a:spcPct val="0"/>
                 </a:spcBef>
@@ -4839,7 +5640,7 @@
                 </a:spcAft>
               </a:pPr>
               <a:r>
-                <a:rPr lang="en-GB" sz="2400" dirty="0" smtClean="0">
+                <a:rPr lang="en-GB" dirty="0">
                   <a:solidFill>
                     <a:schemeClr val="bg1">
                       <a:lumMod val="65000"/>
@@ -4862,7 +5663,7 @@
         </p:sp>
         <p:pic>
           <p:nvPicPr>
-            <p:cNvPr id="32" name="Picture 2" descr="D:\Art\PPT 2007 Style Library\EMF_SHAPES\3 cycle arrows.png"/>
+            <p:cNvPr id="69" name="Picture 2" descr="D:\Art\PPT 2007 Style Library\EMF_SHAPES\3 cycle arrows.png"/>
             <p:cNvPicPr>
               <a:picLocks noChangeAspect="1" noChangeArrowheads="1"/>
             </p:cNvPicPr>
@@ -4891,14 +5692,14 @@
       </p:grpSp>
       <p:sp>
         <p:nvSpPr>
-          <p:cNvPr id="33" name="Flowchart: Process 32"/>
+          <p:cNvPr id="70" name="Flowchart: Process 69"/>
           <p:cNvSpPr/>
           <p:nvPr/>
         </p:nvSpPr>
         <p:spPr bwMode="auto">
           <a:xfrm>
-            <a:off x="8687814" y="5219762"/>
-            <a:ext cx="1335024" cy="557784"/>
+            <a:off x="6631193" y="5422874"/>
+            <a:ext cx="1001268" cy="418338"/>
           </a:xfrm>
           <a:prstGeom prst="flowChartProcess">
             <a:avLst/>
@@ -4923,14 +5724,14 @@
           </a:fontRef>
         </p:style>
         <p:txBody>
-          <a:bodyPr vert="horz" wrap="square" lIns="91436" tIns="45718" rIns="91436" bIns="45718" numCol="1" rtlCol="0" anchor="ctr" anchorCtr="0" compatLnSpc="1">
+          <a:bodyPr vert="horz" wrap="square" lIns="68577" tIns="34289" rIns="68577" bIns="34289" numCol="1" rtlCol="0" anchor="ctr" anchorCtr="0" compatLnSpc="1">
             <a:prstTxWarp prst="textNoShape">
               <a:avLst/>
             </a:prstTxWarp>
           </a:bodyPr>
           <a:lstStyle/>
           <a:p>
-            <a:pPr algn="ctr" defTabSz="914099" fontAlgn="base">
+            <a:pPr algn="ctr" defTabSz="685574" fontAlgn="base">
               <a:spcBef>
                 <a:spcPct val="0"/>
               </a:spcBef>
@@ -4939,7 +5740,7 @@
               </a:spcAft>
             </a:pPr>
             <a:r>
-              <a:rPr lang="en-GB" sz="2400" dirty="0" err="1" smtClean="0">
+              <a:rPr lang="en-GB" dirty="0" err="1">
                 <a:solidFill>
                   <a:srgbClr val="FFFFFF"/>
                 </a:solidFill>
@@ -4955,7 +5756,7 @@
               <a:t>Msg</a:t>
             </a:r>
             <a:r>
-              <a:rPr lang="en-GB" sz="2400" dirty="0" smtClean="0">
+              <a:rPr lang="en-GB" dirty="0">
                 <a:solidFill>
                   <a:srgbClr val="FFFFFF"/>
                 </a:solidFill>
@@ -4975,7 +5776,7 @@
       </p:sp>
       <p:pic>
         <p:nvPicPr>
-          <p:cNvPr id="34" name="Picture 6" descr="D:\Users\neilkidd\AppData\Local\Microsoft\Windows\Temporary Internet Files\Content.IE5\EES2PB9B\MCj04326020000[1].png"/>
+          <p:cNvPr id="71" name="Picture 6" descr="D:\Users\neilkidd\AppData\Local\Microsoft\Windows\Temporary Internet Files\Content.IE5\EES2PB9B\MCj04326020000[1].png"/>
           <p:cNvPicPr>
             <a:picLocks noChangeAspect="1" noChangeArrowheads="1"/>
           </p:cNvPicPr>
@@ -4990,8 +5791,8 @@
         </p:blipFill>
         <p:spPr bwMode="auto">
           <a:xfrm>
-            <a:off x="6604915" y="2221140"/>
-            <a:ext cx="1828800" cy="1828800"/>
+            <a:off x="5069018" y="3173907"/>
+            <a:ext cx="1371600" cy="1371600"/>
           </a:xfrm>
           <a:prstGeom prst="rect">
             <a:avLst/>
@@ -5010,14 +5811,14 @@
       </p:pic>
       <p:cxnSp>
         <p:nvCxnSpPr>
-          <p:cNvPr id="35" name="Straight Arrow Connector 34"/>
+          <p:cNvPr id="72" name="Straight Arrow Connector 71"/>
           <p:cNvCxnSpPr/>
           <p:nvPr/>
         </p:nvCxnSpPr>
         <p:spPr>
           <a:xfrm rot="10800000" flipV="1">
-            <a:off x="6548431" y="2724538"/>
-            <a:ext cx="1929506" cy="375713"/>
+            <a:off x="5026655" y="3551456"/>
+            <a:ext cx="1447130" cy="281785"/>
           </a:xfrm>
           <a:prstGeom prst="straightConnector1">
             <a:avLst/>
@@ -5065,14 +5866,14 @@
       </p:cxnSp>
       <p:sp>
         <p:nvSpPr>
-          <p:cNvPr id="36" name="Multiply 35"/>
+          <p:cNvPr id="73" name="Multiply 72"/>
           <p:cNvSpPr/>
           <p:nvPr/>
         </p:nvSpPr>
         <p:spPr bwMode="auto">
           <a:xfrm>
-            <a:off x="6368286" y="2935224"/>
-            <a:ext cx="1731139" cy="1657927"/>
+            <a:off x="4891547" y="3709471"/>
+            <a:ext cx="1298354" cy="1243445"/>
           </a:xfrm>
           <a:prstGeom prst="mathMultiply">
             <a:avLst/>
@@ -5122,15 +5923,15 @@
           </a:fontRef>
         </p:style>
         <p:txBody>
-          <a:bodyPr vert="horz" wrap="square" lIns="91436" tIns="45718" rIns="91436" bIns="45718" numCol="1" rtlCol="0" anchor="ctr" anchorCtr="0" compatLnSpc="1">
+          <a:bodyPr vert="horz" wrap="square" lIns="68577" tIns="34289" rIns="68577" bIns="34289" numCol="1" rtlCol="0" anchor="ctr" anchorCtr="0" compatLnSpc="1">
             <a:prstTxWarp prst="textNoShape">
               <a:avLst/>
             </a:prstTxWarp>
           </a:bodyPr>
           <a:lstStyle/>
           <a:p>
-            <a:pPr algn="ctr" defTabSz="914099"/>
-            <a:endParaRPr lang="en-US" sz="2400" dirty="0" smtClean="0">
+            <a:pPr algn="ctr" defTabSz="685574"/>
+            <a:endParaRPr lang="en-US" dirty="0">
               <a:gradFill>
                 <a:gsLst>
                   <a:gs pos="0">
@@ -5190,7 +5991,7 @@
                                           </p:stCondLst>
                                         </p:cTn>
                                         <p:tgtEl>
-                                          <p:spTgt spid="15"/>
+                                          <p:spTgt spid="52"/>
                                         </p:tgtEl>
                                         <p:attrNameLst>
                                           <p:attrName>style.visibility</p:attrName>
@@ -5204,7 +6005,7 @@
                                       <p:cBhvr>
                                         <p:cTn id="7" dur="1000"/>
                                         <p:tgtEl>
-                                          <p:spTgt spid="15"/>
+                                          <p:spTgt spid="52"/>
                                         </p:tgtEl>
                                       </p:cBhvr>
                                     </p:animEffect>
@@ -5243,7 +6044,7 @@
                                           </p:stCondLst>
                                         </p:cTn>
                                         <p:tgtEl>
-                                          <p:spTgt spid="18"/>
+                                          <p:spTgt spid="55"/>
                                         </p:tgtEl>
                                         <p:attrNameLst>
                                           <p:attrName>style.visibility</p:attrName>
@@ -5257,7 +6058,7 @@
                                       <p:cBhvr>
                                         <p:cTn id="12" dur="500"/>
                                         <p:tgtEl>
-                                          <p:spTgt spid="18"/>
+                                          <p:spTgt spid="55"/>
                                         </p:tgtEl>
                                       </p:cBhvr>
                                     </p:animEffect>
@@ -5296,7 +6097,7 @@
                                           </p:stCondLst>
                                         </p:cTn>
                                         <p:tgtEl>
-                                          <p:spTgt spid="3"/>
+                                          <p:spTgt spid="40"/>
                                         </p:tgtEl>
                                         <p:attrNameLst>
                                           <p:attrName>style.visibility</p:attrName>
@@ -5310,7 +6111,7 @@
                                       <p:cBhvr>
                                         <p:cTn id="17" dur="500"/>
                                         <p:tgtEl>
-                                          <p:spTgt spid="3"/>
+                                          <p:spTgt spid="40"/>
                                         </p:tgtEl>
                                       </p:cBhvr>
                                     </p:animEffect>
@@ -5345,7 +6146,7 @@
                                       <p:cBhvr>
                                         <p:cTn id="21" dur="500"/>
                                         <p:tgtEl>
-                                          <p:spTgt spid="18"/>
+                                          <p:spTgt spid="55"/>
                                         </p:tgtEl>
                                       </p:cBhvr>
                                     </p:animEffect>
@@ -5357,7 +6158,7 @@
                                           </p:stCondLst>
                                         </p:cTn>
                                         <p:tgtEl>
-                                          <p:spTgt spid="18"/>
+                                          <p:spTgt spid="55"/>
                                         </p:tgtEl>
                                         <p:attrNameLst>
                                           <p:attrName>style.visibility</p:attrName>
@@ -5393,7 +6194,7 @@
                                           </p:stCondLst>
                                         </p:cTn>
                                         <p:tgtEl>
-                                          <p:spTgt spid="20"/>
+                                          <p:spTgt spid="57"/>
                                         </p:tgtEl>
                                         <p:attrNameLst>
                                           <p:attrName>style.visibility</p:attrName>
@@ -5407,7 +6208,7 @@
                                       <p:cBhvr>
                                         <p:cTn id="26" dur="500"/>
                                         <p:tgtEl>
-                                          <p:spTgt spid="20"/>
+                                          <p:spTgt spid="57"/>
                                         </p:tgtEl>
                                       </p:cBhvr>
                                     </p:animEffect>
@@ -5437,7 +6238,7 @@
                                           </p:stCondLst>
                                         </p:cTn>
                                         <p:tgtEl>
-                                          <p:spTgt spid="14"/>
+                                          <p:spTgt spid="51"/>
                                         </p:tgtEl>
                                         <p:attrNameLst>
                                           <p:attrName>style.visibility</p:attrName>
@@ -5451,7 +6252,7 @@
                                       <p:cBhvr>
                                         <p:cTn id="30" dur="1000"/>
                                         <p:tgtEl>
-                                          <p:spTgt spid="14"/>
+                                          <p:spTgt spid="51"/>
                                         </p:tgtEl>
                                       </p:cBhvr>
                                     </p:animEffect>
@@ -5481,7 +6282,7 @@
                                           </p:stCondLst>
                                         </p:cTn>
                                         <p:tgtEl>
-                                          <p:spTgt spid="4"/>
+                                          <p:spTgt spid="41"/>
                                         </p:tgtEl>
                                         <p:attrNameLst>
                                           <p:attrName>style.visibility</p:attrName>
@@ -5495,7 +6296,7 @@
                                       <p:cBhvr>
                                         <p:cTn id="34" dur="1000"/>
                                         <p:tgtEl>
-                                          <p:spTgt spid="4"/>
+                                          <p:spTgt spid="41"/>
                                         </p:tgtEl>
                                       </p:cBhvr>
                                     </p:animEffect>
@@ -5530,7 +6331,7 @@
                                       <p:cBhvr>
                                         <p:cTn id="38" dur="500"/>
                                         <p:tgtEl>
-                                          <p:spTgt spid="14"/>
+                                          <p:spTgt spid="51"/>
                                         </p:tgtEl>
                                       </p:cBhvr>
                                     </p:animEffect>
@@ -5542,7 +6343,7 @@
                                           </p:stCondLst>
                                         </p:cTn>
                                         <p:tgtEl>
-                                          <p:spTgt spid="14"/>
+                                          <p:spTgt spid="51"/>
                                         </p:tgtEl>
                                         <p:attrNameLst>
                                           <p:attrName>style.visibility</p:attrName>
@@ -5565,7 +6366,7 @@
                                       <p:cBhvr>
                                         <p:cTn id="41" dur="500"/>
                                         <p:tgtEl>
-                                          <p:spTgt spid="20"/>
+                                          <p:spTgt spid="57"/>
                                         </p:tgtEl>
                                       </p:cBhvr>
                                     </p:animEffect>
@@ -5577,7 +6378,7 @@
                                           </p:stCondLst>
                                         </p:cTn>
                                         <p:tgtEl>
-                                          <p:spTgt spid="20"/>
+                                          <p:spTgt spid="57"/>
                                         </p:tgtEl>
                                         <p:attrNameLst>
                                           <p:attrName>style.visibility</p:attrName>
@@ -5622,7 +6423,7 @@
                                           </p:stCondLst>
                                         </p:cTn>
                                         <p:tgtEl>
-                                          <p:spTgt spid="19"/>
+                                          <p:spTgt spid="56"/>
                                         </p:tgtEl>
                                         <p:attrNameLst>
                                           <p:attrName>style.visibility</p:attrName>
@@ -5636,7 +6437,7 @@
                                       <p:cBhvr>
                                         <p:cTn id="47" dur="500"/>
                                         <p:tgtEl>
-                                          <p:spTgt spid="19"/>
+                                          <p:spTgt spid="56"/>
                                         </p:tgtEl>
                                       </p:cBhvr>
                                     </p:animEffect>
@@ -5662,7 +6463,7 @@
                                       <p:cBhvr>
                                         <p:cTn id="50" dur="500"/>
                                         <p:tgtEl>
-                                          <p:spTgt spid="19"/>
+                                          <p:spTgt spid="56"/>
                                         </p:tgtEl>
                                       </p:cBhvr>
                                     </p:animEffect>
@@ -5674,7 +6475,7 @@
                                           </p:stCondLst>
                                         </p:cTn>
                                         <p:tgtEl>
-                                          <p:spTgt spid="19"/>
+                                          <p:spTgt spid="56"/>
                                         </p:tgtEl>
                                         <p:attrNameLst>
                                           <p:attrName>style.visibility</p:attrName>
@@ -5719,7 +6520,7 @@
                                           </p:stCondLst>
                                         </p:cTn>
                                         <p:tgtEl>
-                                          <p:spTgt spid="21"/>
+                                          <p:spTgt spid="58"/>
                                         </p:tgtEl>
                                         <p:attrNameLst>
                                           <p:attrName>style.visibility</p:attrName>
@@ -5733,7 +6534,7 @@
                                       <p:cBhvr>
                                         <p:cTn id="56" dur="500"/>
                                         <p:tgtEl>
-                                          <p:spTgt spid="21"/>
+                                          <p:spTgt spid="58"/>
                                         </p:tgtEl>
                                       </p:cBhvr>
                                     </p:animEffect>
@@ -5763,7 +6564,7 @@
                                           </p:stCondLst>
                                         </p:cTn>
                                         <p:tgtEl>
-                                          <p:spTgt spid="5"/>
+                                          <p:spTgt spid="42"/>
                                         </p:tgtEl>
                                         <p:attrNameLst>
                                           <p:attrName>style.visibility</p:attrName>
@@ -5777,7 +6578,7 @@
                                       <p:cBhvr>
                                         <p:cTn id="60" dur="500"/>
                                         <p:tgtEl>
-                                          <p:spTgt spid="5"/>
+                                          <p:spTgt spid="42"/>
                                         </p:tgtEl>
                                       </p:cBhvr>
                                     </p:animEffect>
@@ -5803,7 +6604,7 @@
                                       <p:cBhvr>
                                         <p:cTn id="63" dur="500"/>
                                         <p:tgtEl>
-                                          <p:spTgt spid="21"/>
+                                          <p:spTgt spid="58"/>
                                         </p:tgtEl>
                                       </p:cBhvr>
                                     </p:animEffect>
@@ -5815,7 +6616,7 @@
                                           </p:stCondLst>
                                         </p:cTn>
                                         <p:tgtEl>
-                                          <p:spTgt spid="21"/>
+                                          <p:spTgt spid="58"/>
                                         </p:tgtEl>
                                         <p:attrNameLst>
                                           <p:attrName>style.visibility</p:attrName>
@@ -5851,7 +6652,7 @@
                                           </p:stCondLst>
                                         </p:cTn>
                                         <p:tgtEl>
-                                          <p:spTgt spid="22"/>
+                                          <p:spTgt spid="59"/>
                                         </p:tgtEl>
                                         <p:attrNameLst>
                                           <p:attrName>style.visibility</p:attrName>
@@ -5865,7 +6666,7 @@
                                       <p:cBhvr>
                                         <p:cTn id="68" dur="500"/>
                                         <p:tgtEl>
-                                          <p:spTgt spid="22"/>
+                                          <p:spTgt spid="59"/>
                                         </p:tgtEl>
                                       </p:cBhvr>
                                     </p:animEffect>
@@ -5895,7 +6696,7 @@
                                           </p:stCondLst>
                                         </p:cTn>
                                         <p:tgtEl>
-                                          <p:spTgt spid="6"/>
+                                          <p:spTgt spid="43"/>
                                         </p:tgtEl>
                                         <p:attrNameLst>
                                           <p:attrName>style.visibility</p:attrName>
@@ -5909,7 +6710,7 @@
                                       <p:cBhvr>
                                         <p:cTn id="72" dur="500"/>
                                         <p:tgtEl>
-                                          <p:spTgt spid="6"/>
+                                          <p:spTgt spid="43"/>
                                         </p:tgtEl>
                                       </p:cBhvr>
                                     </p:animEffect>
@@ -5935,7 +6736,7 @@
                                       <p:cBhvr>
                                         <p:cTn id="75" dur="500"/>
                                         <p:tgtEl>
-                                          <p:spTgt spid="22"/>
+                                          <p:spTgt spid="59"/>
                                         </p:tgtEl>
                                       </p:cBhvr>
                                     </p:animEffect>
@@ -5947,7 +6748,7 @@
                                           </p:stCondLst>
                                         </p:cTn>
                                         <p:tgtEl>
-                                          <p:spTgt spid="22"/>
+                                          <p:spTgt spid="59"/>
                                         </p:tgtEl>
                                         <p:attrNameLst>
                                           <p:attrName>style.visibility</p:attrName>
@@ -5983,7 +6784,7 @@
                                           </p:stCondLst>
                                         </p:cTn>
                                         <p:tgtEl>
-                                          <p:spTgt spid="23"/>
+                                          <p:spTgt spid="60"/>
                                         </p:tgtEl>
                                         <p:attrNameLst>
                                           <p:attrName>style.visibility</p:attrName>
@@ -5997,7 +6798,7 @@
                                       <p:cBhvr>
                                         <p:cTn id="80" dur="500"/>
                                         <p:tgtEl>
-                                          <p:spTgt spid="23"/>
+                                          <p:spTgt spid="60"/>
                                         </p:tgtEl>
                                       </p:cBhvr>
                                     </p:animEffect>
@@ -6027,7 +6828,7 @@
                                           </p:stCondLst>
                                         </p:cTn>
                                         <p:tgtEl>
-                                          <p:spTgt spid="7"/>
+                                          <p:spTgt spid="44"/>
                                         </p:tgtEl>
                                         <p:attrNameLst>
                                           <p:attrName>style.visibility</p:attrName>
@@ -6041,7 +6842,7 @@
                                       <p:cBhvr>
                                         <p:cTn id="84" dur="500"/>
                                         <p:tgtEl>
-                                          <p:spTgt spid="7"/>
+                                          <p:spTgt spid="44"/>
                                         </p:tgtEl>
                                       </p:cBhvr>
                                     </p:animEffect>
@@ -6067,7 +6868,7 @@
                                       <p:cBhvr>
                                         <p:cTn id="87" dur="500"/>
                                         <p:tgtEl>
-                                          <p:spTgt spid="23"/>
+                                          <p:spTgt spid="60"/>
                                         </p:tgtEl>
                                       </p:cBhvr>
                                     </p:animEffect>
@@ -6079,7 +6880,7 @@
                                           </p:stCondLst>
                                         </p:cTn>
                                         <p:tgtEl>
-                                          <p:spTgt spid="23"/>
+                                          <p:spTgt spid="60"/>
                                         </p:tgtEl>
                                         <p:attrNameLst>
                                           <p:attrName>style.visibility</p:attrName>
@@ -6124,7 +6925,7 @@
                                           </p:stCondLst>
                                         </p:cTn>
                                         <p:tgtEl>
-                                          <p:spTgt spid="8"/>
+                                          <p:spTgt spid="45"/>
                                         </p:tgtEl>
                                         <p:attrNameLst>
                                           <p:attrName>style.visibility</p:attrName>
@@ -6138,7 +6939,7 @@
                                       <p:cBhvr>
                                         <p:cTn id="93" dur="1000"/>
                                         <p:tgtEl>
-                                          <p:spTgt spid="8"/>
+                                          <p:spTgt spid="45"/>
                                         </p:tgtEl>
                                       </p:cBhvr>
                                     </p:animEffect>
@@ -6171,7 +6972,7 @@
                                           </p:stCondLst>
                                         </p:cTn>
                                         <p:tgtEl>
-                                          <p:spTgt spid="11"/>
+                                          <p:spTgt spid="48"/>
                                         </p:tgtEl>
                                         <p:attrNameLst>
                                           <p:attrName>style.visibility</p:attrName>
@@ -6185,7 +6986,7 @@
                                       <p:cBhvr>
                                         <p:cTn id="97" dur="1000"/>
                                         <p:tgtEl>
-                                          <p:spTgt spid="11"/>
+                                          <p:spTgt spid="48"/>
                                         </p:tgtEl>
                                       </p:cBhvr>
                                     </p:animEffect>
@@ -6224,7 +7025,7 @@
                                           </p:stCondLst>
                                         </p:cTn>
                                         <p:tgtEl>
-                                          <p:spTgt spid="24"/>
+                                          <p:spTgt spid="61"/>
                                         </p:tgtEl>
                                         <p:attrNameLst>
                                           <p:attrName>style.visibility</p:attrName>
@@ -6238,7 +7039,7 @@
                                       <p:cBhvr>
                                         <p:cTn id="102" dur="500"/>
                                         <p:tgtEl>
-                                          <p:spTgt spid="24"/>
+                                          <p:spTgt spid="61"/>
                                         </p:tgtEl>
                                       </p:cBhvr>
                                     </p:animEffect>
@@ -6268,7 +7069,7 @@
                                           </p:stCondLst>
                                         </p:cTn>
                                         <p:tgtEl>
-                                          <p:spTgt spid="25"/>
+                                          <p:spTgt spid="62"/>
                                         </p:tgtEl>
                                         <p:attrNameLst>
                                           <p:attrName>style.visibility</p:attrName>
@@ -6282,7 +7083,7 @@
                                       <p:cBhvr>
                                         <p:cTn id="106" dur="1000"/>
                                         <p:tgtEl>
-                                          <p:spTgt spid="25"/>
+                                          <p:spTgt spid="62"/>
                                         </p:tgtEl>
                                       </p:cBhvr>
                                     </p:animEffect>
@@ -6317,7 +7118,7 @@
                                       <p:cBhvr>
                                         <p:cTn id="110" dur="500"/>
                                         <p:tgtEl>
-                                          <p:spTgt spid="25"/>
+                                          <p:spTgt spid="62"/>
                                         </p:tgtEl>
                                       </p:cBhvr>
                                     </p:animEffect>
@@ -6329,7 +7130,7 @@
                                           </p:stCondLst>
                                         </p:cTn>
                                         <p:tgtEl>
-                                          <p:spTgt spid="25"/>
+                                          <p:spTgt spid="62"/>
                                         </p:tgtEl>
                                         <p:attrNameLst>
                                           <p:attrName>style.visibility</p:attrName>
@@ -6361,7 +7162,7 @@
                                       <p:cBhvr rctx="PPT">
                                         <p:cTn id="114" dur="indefinite"/>
                                         <p:tgtEl>
-                                          <p:spTgt spid="4"/>
+                                          <p:spTgt spid="41"/>
                                         </p:tgtEl>
                                         <p:attrNameLst>
                                           <p:attrName>style.opacity</p:attrName>
@@ -6375,7 +7176,7 @@
                                       <p:cBhvr rctx="IE">
                                         <p:cTn id="115" dur="indefinite"/>
                                         <p:tgtEl>
-                                          <p:spTgt spid="4"/>
+                                          <p:spTgt spid="41"/>
                                         </p:tgtEl>
                                       </p:cBhvr>
                                     </p:animEffect>
@@ -6396,7 +7197,7 @@
                                           </p:stCondLst>
                                         </p:cTn>
                                         <p:tgtEl>
-                                          <p:spTgt spid="28"/>
+                                          <p:spTgt spid="65"/>
                                         </p:tgtEl>
                                         <p:attrNameLst>
                                           <p:attrName>style.visibility</p:attrName>
@@ -6410,7 +7211,7 @@
                                       <p:cBhvr>
                                         <p:cTn id="118" dur="1000"/>
                                         <p:tgtEl>
-                                          <p:spTgt spid="28"/>
+                                          <p:spTgt spid="65"/>
                                         </p:tgtEl>
                                       </p:cBhvr>
                                     </p:animEffect>
@@ -6427,7 +7228,7 @@
                                       <p:cBhvr>
                                         <p:cTn id="120" dur="500"/>
                                         <p:tgtEl>
-                                          <p:spTgt spid="24"/>
+                                          <p:spTgt spid="61"/>
                                         </p:tgtEl>
                                       </p:cBhvr>
                                     </p:animEffect>
@@ -6439,7 +7240,7 @@
                                           </p:stCondLst>
                                         </p:cTn>
                                         <p:tgtEl>
-                                          <p:spTgt spid="24"/>
+                                          <p:spTgt spid="61"/>
                                         </p:tgtEl>
                                         <p:attrNameLst>
                                           <p:attrName>style.visibility</p:attrName>
@@ -6484,7 +7285,7 @@
                                           </p:stCondLst>
                                         </p:cTn>
                                         <p:tgtEl>
-                                          <p:spTgt spid="24"/>
+                                          <p:spTgt spid="61"/>
                                         </p:tgtEl>
                                         <p:attrNameLst>
                                           <p:attrName>style.visibility</p:attrName>
@@ -6498,7 +7299,7 @@
                                       <p:cBhvr>
                                         <p:cTn id="126" dur="500"/>
                                         <p:tgtEl>
-                                          <p:spTgt spid="24"/>
+                                          <p:spTgt spid="61"/>
                                         </p:tgtEl>
                                       </p:cBhvr>
                                     </p:animEffect>
@@ -6528,7 +7329,7 @@
                                           </p:stCondLst>
                                         </p:cTn>
                                         <p:tgtEl>
-                                          <p:spTgt spid="26"/>
+                                          <p:spTgt spid="63"/>
                                         </p:tgtEl>
                                         <p:attrNameLst>
                                           <p:attrName>style.visibility</p:attrName>
@@ -6542,7 +7343,7 @@
                                       <p:cBhvr>
                                         <p:cTn id="130" dur="1000"/>
                                         <p:tgtEl>
-                                          <p:spTgt spid="26"/>
+                                          <p:spTgt spid="63"/>
                                         </p:tgtEl>
                                       </p:cBhvr>
                                     </p:animEffect>
@@ -6577,7 +7378,7 @@
                                       <p:cBhvr>
                                         <p:cTn id="134" dur="500"/>
                                         <p:tgtEl>
-                                          <p:spTgt spid="4"/>
+                                          <p:spTgt spid="41"/>
                                         </p:tgtEl>
                                       </p:cBhvr>
                                     </p:animEffect>
@@ -6589,7 +7390,7 @@
                                           </p:stCondLst>
                                         </p:cTn>
                                         <p:tgtEl>
-                                          <p:spTgt spid="4"/>
+                                          <p:spTgt spid="41"/>
                                         </p:tgtEl>
                                         <p:attrNameLst>
                                           <p:attrName>style.visibility</p:attrName>
@@ -6612,7 +7413,7 @@
                                       <p:cBhvr>
                                         <p:cTn id="137" dur="500"/>
                                         <p:tgtEl>
-                                          <p:spTgt spid="28"/>
+                                          <p:spTgt spid="65"/>
                                         </p:tgtEl>
                                       </p:cBhvr>
                                     </p:animEffect>
@@ -6624,7 +7425,7 @@
                                           </p:stCondLst>
                                         </p:cTn>
                                         <p:tgtEl>
-                                          <p:spTgt spid="28"/>
+                                          <p:spTgt spid="65"/>
                                         </p:tgtEl>
                                         <p:attrNameLst>
                                           <p:attrName>style.visibility</p:attrName>
@@ -6647,7 +7448,7 @@
                                       <p:cBhvr>
                                         <p:cTn id="140" dur="500"/>
                                         <p:tgtEl>
-                                          <p:spTgt spid="26"/>
+                                          <p:spTgt spid="63"/>
                                         </p:tgtEl>
                                       </p:cBhvr>
                                     </p:animEffect>
@@ -6659,7 +7460,7 @@
                                           </p:stCondLst>
                                         </p:cTn>
                                         <p:tgtEl>
-                                          <p:spTgt spid="26"/>
+                                          <p:spTgt spid="63"/>
                                         </p:tgtEl>
                                         <p:attrNameLst>
                                           <p:attrName>style.visibility</p:attrName>
@@ -6682,7 +7483,7 @@
                                       <p:cBhvr>
                                         <p:cTn id="143" dur="500"/>
                                         <p:tgtEl>
-                                          <p:spTgt spid="24"/>
+                                          <p:spTgt spid="61"/>
                                         </p:tgtEl>
                                       </p:cBhvr>
                                     </p:animEffect>
@@ -6694,7 +7495,7 @@
                                           </p:stCondLst>
                                         </p:cTn>
                                         <p:tgtEl>
-                                          <p:spTgt spid="24"/>
+                                          <p:spTgt spid="61"/>
                                         </p:tgtEl>
                                         <p:attrNameLst>
                                           <p:attrName>style.visibility</p:attrName>
@@ -6739,7 +7540,7 @@
                                           </p:stCondLst>
                                         </p:cTn>
                                         <p:tgtEl>
-                                          <p:spTgt spid="29"/>
+                                          <p:spTgt spid="66"/>
                                         </p:tgtEl>
                                         <p:attrNameLst>
                                           <p:attrName>style.visibility</p:attrName>
@@ -6753,7 +7554,7 @@
                                       <p:cBhvr>
                                         <p:cTn id="149" dur="500"/>
                                         <p:tgtEl>
-                                          <p:spTgt spid="29"/>
+                                          <p:spTgt spid="66"/>
                                         </p:tgtEl>
                                       </p:cBhvr>
                                     </p:animEffect>
@@ -6783,7 +7584,7 @@
                                           </p:stCondLst>
                                         </p:cTn>
                                         <p:tgtEl>
-                                          <p:spTgt spid="33"/>
+                                          <p:spTgt spid="70"/>
                                         </p:tgtEl>
                                         <p:attrNameLst>
                                           <p:attrName>style.visibility</p:attrName>
@@ -6797,7 +7598,7 @@
                                       <p:cBhvr>
                                         <p:cTn id="153" dur="500"/>
                                         <p:tgtEl>
-                                          <p:spTgt spid="33"/>
+                                          <p:spTgt spid="70"/>
                                         </p:tgtEl>
                                       </p:cBhvr>
                                     </p:animEffect>
@@ -6814,7 +7615,7 @@
                                       <p:cBhvr rctx="PPT">
                                         <p:cTn id="155" dur="indefinite"/>
                                         <p:tgtEl>
-                                          <p:spTgt spid="5"/>
+                                          <p:spTgt spid="42"/>
                                         </p:tgtEl>
                                         <p:attrNameLst>
                                           <p:attrName>style.opacity</p:attrName>
@@ -6828,7 +7629,7 @@
                                       <p:cBhvr rctx="IE">
                                         <p:cTn id="156" dur="indefinite"/>
                                         <p:tgtEl>
-                                          <p:spTgt spid="5"/>
+                                          <p:spTgt spid="42"/>
                                         </p:tgtEl>
                                       </p:cBhvr>
                                     </p:animEffect>
@@ -6845,7 +7646,7 @@
                                       <p:cBhvr>
                                         <p:cTn id="158" dur="500"/>
                                         <p:tgtEl>
-                                          <p:spTgt spid="29"/>
+                                          <p:spTgt spid="66"/>
                                         </p:tgtEl>
                                       </p:cBhvr>
                                     </p:animEffect>
@@ -6857,7 +7658,7 @@
                                           </p:stCondLst>
                                         </p:cTn>
                                         <p:tgtEl>
-                                          <p:spTgt spid="29"/>
+                                          <p:spTgt spid="66"/>
                                         </p:tgtEl>
                                         <p:attrNameLst>
                                           <p:attrName>style.visibility</p:attrName>
@@ -6905,7 +7706,7 @@
                                           </p:stCondLst>
                                         </p:cTn>
                                         <p:tgtEl>
-                                          <p:spTgt spid="30"/>
+                                          <p:spTgt spid="67"/>
                                         </p:tgtEl>
                                         <p:attrNameLst>
                                           <p:attrName>style.visibility</p:attrName>
@@ -6940,7 +7741,7 @@
                                       <p:cBhvr>
                                         <p:cTn id="166" dur="1000" fill="hold"/>
                                         <p:tgtEl>
-                                          <p:spTgt spid="30"/>
+                                          <p:spTgt spid="67"/>
                                         </p:tgtEl>
                                         <p:attrNameLst>
                                           <p:attrName>style.visibility</p:attrName>
@@ -6988,7 +7789,7 @@
                                           </p:stCondLst>
                                         </p:cTn>
                                         <p:tgtEl>
-                                          <p:spTgt spid="11"/>
+                                          <p:spTgt spid="48"/>
                                         </p:tgtEl>
                                         <p:attrNameLst>
                                           <p:attrName>style.visibility</p:attrName>
@@ -7023,7 +7824,7 @@
                                       <p:cBhvr rctx="PPT">
                                         <p:cTn id="172" dur="indefinite"/>
                                         <p:tgtEl>
-                                          <p:spTgt spid="30"/>
+                                          <p:spTgt spid="67"/>
                                         </p:tgtEl>
                                         <p:attrNameLst>
                                           <p:attrName>style.opacity</p:attrName>
@@ -7037,7 +7838,7 @@
                                       <p:cBhvr rctx="IE">
                                         <p:cTn id="173" dur="indefinite"/>
                                         <p:tgtEl>
-                                          <p:spTgt spid="30"/>
+                                          <p:spTgt spid="67"/>
                                         </p:tgtEl>
                                       </p:cBhvr>
                                     </p:animEffect>
@@ -7054,7 +7855,7 @@
                                       <p:cBhvr rctx="PPT">
                                         <p:cTn id="175" dur="indefinite"/>
                                         <p:tgtEl>
-                                          <p:spTgt spid="33"/>
+                                          <p:spTgt spid="70"/>
                                         </p:tgtEl>
                                         <p:attrNameLst>
                                           <p:attrName>style.opacity</p:attrName>
@@ -7068,7 +7869,7 @@
                                       <p:cBhvr rctx="IE">
                                         <p:cTn id="176" dur="indefinite"/>
                                         <p:tgtEl>
-                                          <p:spTgt spid="33"/>
+                                          <p:spTgt spid="70"/>
                                         </p:tgtEl>
                                       </p:cBhvr>
                                     </p:animEffect>
@@ -7107,7 +7908,7 @@
                                           </p:stCondLst>
                                         </p:cTn>
                                         <p:tgtEl>
-                                          <p:spTgt spid="34"/>
+                                          <p:spTgt spid="71"/>
                                         </p:tgtEl>
                                         <p:attrNameLst>
                                           <p:attrName>style.visibility</p:attrName>
@@ -7121,7 +7922,7 @@
                                       <p:cBhvr>
                                         <p:cTn id="181" dur="500"/>
                                         <p:tgtEl>
-                                          <p:spTgt spid="34"/>
+                                          <p:spTgt spid="71"/>
                                         </p:tgtEl>
                                       </p:cBhvr>
                                     </p:animEffect>
@@ -7156,7 +7957,7 @@
                                       <p:cBhvr rctx="PPT">
                                         <p:cTn id="185" dur="indefinite"/>
                                         <p:tgtEl>
-                                          <p:spTgt spid="5"/>
+                                          <p:spTgt spid="42"/>
                                         </p:tgtEl>
                                         <p:attrNameLst>
                                           <p:attrName>style.opacity</p:attrName>
@@ -7170,7 +7971,7 @@
                                       <p:cBhvr rctx="IE">
                                         <p:cTn id="186" dur="indefinite"/>
                                         <p:tgtEl>
-                                          <p:spTgt spid="5"/>
+                                          <p:spTgt spid="42"/>
                                         </p:tgtEl>
                                       </p:cBhvr>
                                     </p:animEffect>
@@ -7196,7 +7997,7 @@
                                       <p:cBhvr>
                                         <p:cTn id="189" dur="500"/>
                                         <p:tgtEl>
-                                          <p:spTgt spid="34"/>
+                                          <p:spTgt spid="71"/>
                                         </p:tgtEl>
                                       </p:cBhvr>
                                     </p:animEffect>
@@ -7208,7 +8009,7 @@
                                           </p:stCondLst>
                                         </p:cTn>
                                         <p:tgtEl>
-                                          <p:spTgt spid="34"/>
+                                          <p:spTgt spid="71"/>
                                         </p:tgtEl>
                                         <p:attrNameLst>
                                           <p:attrName>style.visibility</p:attrName>
@@ -7253,7 +8054,7 @@
                                           </p:stCondLst>
                                         </p:cTn>
                                         <p:tgtEl>
-                                          <p:spTgt spid="35"/>
+                                          <p:spTgt spid="72"/>
                                         </p:tgtEl>
                                         <p:attrNameLst>
                                           <p:attrName>style.visibility</p:attrName>
@@ -7267,7 +8068,7 @@
                                       <p:cBhvr>
                                         <p:cTn id="195" dur="500"/>
                                         <p:tgtEl>
-                                          <p:spTgt spid="35"/>
+                                          <p:spTgt spid="72"/>
                                         </p:tgtEl>
                                       </p:cBhvr>
                                     </p:animEffect>
@@ -7284,7 +8085,7 @@
                                       <p:cBhvr>
                                         <p:cTn id="197" dur="500"/>
                                         <p:tgtEl>
-                                          <p:spTgt spid="35"/>
+                                          <p:spTgt spid="72"/>
                                         </p:tgtEl>
                                       </p:cBhvr>
                                     </p:animEffect>
@@ -7296,7 +8097,7 @@
                                           </p:stCondLst>
                                         </p:cTn>
                                         <p:tgtEl>
-                                          <p:spTgt spid="35"/>
+                                          <p:spTgt spid="72"/>
                                         </p:tgtEl>
                                         <p:attrNameLst>
                                           <p:attrName>style.visibility</p:attrName>
@@ -7332,7 +8133,7 @@
                                           </p:stCondLst>
                                         </p:cTn>
                                         <p:tgtEl>
-                                          <p:spTgt spid="27"/>
+                                          <p:spTgt spid="64"/>
                                         </p:tgtEl>
                                         <p:attrNameLst>
                                           <p:attrName>style.visibility</p:attrName>
@@ -7346,7 +8147,7 @@
                                       <p:cBhvr>
                                         <p:cTn id="202" dur="500"/>
                                         <p:tgtEl>
-                                          <p:spTgt spid="27"/>
+                                          <p:spTgt spid="64"/>
                                         </p:tgtEl>
                                       </p:cBhvr>
                                     </p:animEffect>
@@ -7363,7 +8164,7 @@
                                       <p:cBhvr rctx="PPT">
                                         <p:cTn id="204" dur="indefinite"/>
                                         <p:tgtEl>
-                                          <p:spTgt spid="5"/>
+                                          <p:spTgt spid="42"/>
                                         </p:tgtEl>
                                         <p:attrNameLst>
                                           <p:attrName>style.opacity</p:attrName>
@@ -7377,7 +8178,7 @@
                                       <p:cBhvr rctx="IE">
                                         <p:cTn id="205" dur="indefinite"/>
                                         <p:tgtEl>
-                                          <p:spTgt spid="5"/>
+                                          <p:spTgt spid="42"/>
                                         </p:tgtEl>
                                       </p:cBhvr>
                                     </p:animEffect>
@@ -7415,7 +8216,7 @@
                                       <p:cBhvr>
                                         <p:cTn id="209" dur="500" tmFilter="0, 0; .2, .5; .8, .5; 1, 0"/>
                                         <p:tgtEl>
-                                          <p:spTgt spid="11"/>
+                                          <p:spTgt spid="48"/>
                                         </p:tgtEl>
                                       </p:cBhvr>
                                     </p:animEffect>
@@ -7423,7 +8224,7 @@
                                       <p:cBhvr>
                                         <p:cTn id="210" dur="250" autoRev="1" fill="hold"/>
                                         <p:tgtEl>
-                                          <p:spTgt spid="11"/>
+                                          <p:spTgt spid="48"/>
                                         </p:tgtEl>
                                       </p:cBhvr>
                                       <p:by x="105000" y="105000"/>
@@ -7448,7 +8249,7 @@
                                           </p:stCondLst>
                                         </p:cTn>
                                         <p:tgtEl>
-                                          <p:spTgt spid="11"/>
+                                          <p:spTgt spid="48"/>
                                         </p:tgtEl>
                                         <p:attrNameLst>
                                           <p:attrName>style.visibility</p:attrName>
@@ -7496,7 +8297,7 @@
                                           </p:stCondLst>
                                         </p:cTn>
                                         <p:tgtEl>
-                                          <p:spTgt spid="11"/>
+                                          <p:spTgt spid="48"/>
                                         </p:tgtEl>
                                         <p:attrNameLst>
                                           <p:attrName>style.visibility</p:attrName>
@@ -7523,7 +8324,7 @@
                                           </p:stCondLst>
                                         </p:cTn>
                                         <p:tgtEl>
-                                          <p:spTgt spid="33"/>
+                                          <p:spTgt spid="70"/>
                                         </p:tgtEl>
                                         <p:attrNameLst>
                                           <p:attrName>style.visibility</p:attrName>
@@ -7568,7 +8369,7 @@
                                           </p:stCondLst>
                                         </p:cTn>
                                         <p:tgtEl>
-                                          <p:spTgt spid="29"/>
+                                          <p:spTgt spid="66"/>
                                         </p:tgtEl>
                                         <p:attrNameLst>
                                           <p:attrName>style.visibility</p:attrName>
@@ -7604,7 +8405,7 @@
                                           </p:stCondLst>
                                         </p:cTn>
                                         <p:tgtEl>
-                                          <p:spTgt spid="36"/>
+                                          <p:spTgt spid="73"/>
                                         </p:tgtEl>
                                         <p:attrNameLst>
                                           <p:attrName>style.visibility</p:attrName>
@@ -7645,38 +8446,727 @@
       </p:par>
     </p:tnLst>
     <p:bldLst>
-      <p:bldP spid="3" grpId="0" animBg="1"/>
-      <p:bldP spid="4" grpId="0" animBg="1"/>
-      <p:bldP spid="4" grpId="1" animBg="1"/>
-      <p:bldP spid="4" grpId="2" animBg="1"/>
-      <p:bldP spid="5" grpId="0" animBg="1"/>
-      <p:bldP spid="5" grpId="1" animBg="1"/>
-      <p:bldP spid="5" grpId="2" animBg="1"/>
-      <p:bldP spid="5" grpId="3" animBg="1"/>
-      <p:bldP spid="6" grpId="0" animBg="1"/>
-      <p:bldP spid="7" grpId="0" animBg="1"/>
-      <p:bldP spid="14" grpId="0" animBg="1"/>
-      <p:bldP spid="14" grpId="1" animBg="1"/>
-      <p:bldP spid="25" grpId="0" animBg="1"/>
-      <p:bldP spid="25" grpId="1" animBg="1"/>
-      <p:bldP spid="26" grpId="0" animBg="1"/>
-      <p:bldP spid="26" grpId="1" animBg="1"/>
-      <p:bldP spid="27" grpId="0" animBg="1"/>
-      <p:bldP spid="28" grpId="0" animBg="1"/>
-      <p:bldP spid="28" grpId="1" animBg="1"/>
-      <p:bldP spid="33" grpId="0" animBg="1"/>
-      <p:bldP spid="33" grpId="1" animBg="1"/>
-      <p:bldP spid="33" grpId="2" animBg="1"/>
-      <p:bldP spid="36" grpId="0" animBg="1"/>
+      <p:bldP spid="40" grpId="0" animBg="1"/>
+      <p:bldP spid="41" grpId="0" animBg="1"/>
+      <p:bldP spid="41" grpId="1" animBg="1"/>
+      <p:bldP spid="41" grpId="2" animBg="1"/>
+      <p:bldP spid="42" grpId="0" animBg="1"/>
+      <p:bldP spid="42" grpId="1" animBg="1"/>
+      <p:bldP spid="42" grpId="2" animBg="1"/>
+      <p:bldP spid="42" grpId="3" animBg="1"/>
+      <p:bldP spid="43" grpId="0" animBg="1"/>
+      <p:bldP spid="44" grpId="0" animBg="1"/>
+      <p:bldP spid="51" grpId="0" animBg="1"/>
+      <p:bldP spid="51" grpId="1" animBg="1"/>
+      <p:bldP spid="62" grpId="0" animBg="1"/>
+      <p:bldP spid="62" grpId="1" animBg="1"/>
+      <p:bldP spid="63" grpId="0" animBg="1"/>
+      <p:bldP spid="63" grpId="1" animBg="1"/>
+      <p:bldP spid="64" grpId="0" animBg="1"/>
+      <p:bldP spid="65" grpId="0" animBg="1"/>
+      <p:bldP spid="65" grpId="1" animBg="1"/>
+      <p:bldP spid="70" grpId="0" animBg="1"/>
+      <p:bldP spid="70" grpId="1" animBg="1"/>
+      <p:bldP spid="70" grpId="2" animBg="1"/>
+      <p:bldP spid="73" grpId="0" animBg="1"/>
     </p:bldLst>
   </p:timing>
 </p:sld>
 </file>
 
+<file path=ppt/slides/slide4.xml><?xml version="1.0" encoding="utf-8"?>
+<p:sld xmlns:a="http://schemas.openxmlformats.org/drawingml/2006/main" xmlns:r="http://schemas.openxmlformats.org/officeDocument/2006/relationships" xmlns:p="http://schemas.openxmlformats.org/presentationml/2006/main">
+  <p:cSld>
+    <p:spTree>
+      <p:nvGrpSpPr>
+        <p:cNvPr id="1" name=""/>
+        <p:cNvGrpSpPr/>
+        <p:nvPr/>
+      </p:nvGrpSpPr>
+      <p:grpSpPr>
+        <a:xfrm>
+          <a:off x="0" y="0"/>
+          <a:ext cx="0" cy="0"/>
+          <a:chOff x="0" y="0"/>
+          <a:chExt cx="0" cy="0"/>
+        </a:xfrm>
+      </p:grpSpPr>
+      <p:sp>
+        <p:nvSpPr>
+          <p:cNvPr id="10" name="Title 9"/>
+          <p:cNvSpPr>
+            <a:spLocks noGrp="1"/>
+          </p:cNvSpPr>
+          <p:nvPr>
+            <p:ph type="title"/>
+          </p:nvPr>
+        </p:nvSpPr>
+        <p:spPr>
+          <a:xfrm>
+            <a:off x="822960" y="286605"/>
+            <a:ext cx="7543800" cy="710174"/>
+          </a:xfrm>
+        </p:spPr>
+        <p:txBody>
+          <a:bodyPr>
+            <a:normAutofit fontScale="90000"/>
+          </a:bodyPr>
+          <a:lstStyle/>
+          <a:p>
+            <a:r>
+              <a:rPr lang="en-US" dirty="0" smtClean="0"/>
+              <a:t>Pricing</a:t>
+            </a:r>
+            <a:endParaRPr lang="en-US" dirty="0"/>
+          </a:p>
+        </p:txBody>
+      </p:sp>
+      <p:graphicFrame>
+        <p:nvGraphicFramePr>
+          <p:cNvPr id="12" name="Content Placeholder 11"/>
+          <p:cNvGraphicFramePr>
+            <a:graphicFrameLocks noGrp="1"/>
+          </p:cNvGraphicFramePr>
+          <p:nvPr>
+            <p:ph idx="1"/>
+            <p:extLst>
+              <p:ext uri="{D42A27DB-BD31-4B8C-83A1-F6EECF244321}">
+                <p14:modId xmlns:p14="http://schemas.microsoft.com/office/powerpoint/2010/main" val="3871703951"/>
+              </p:ext>
+            </p:extLst>
+          </p:nvPr>
+        </p:nvGraphicFramePr>
+        <p:xfrm>
+          <a:off x="494271" y="1092555"/>
+          <a:ext cx="8361405" cy="4775198"/>
+        </p:xfrm>
+        <a:graphic>
+          <a:graphicData uri="http://schemas.openxmlformats.org/drawingml/2006/table">
+            <a:tbl>
+              <a:tblPr>
+                <a:tableStyleId>{9DCAF9ED-07DC-4A11-8D7F-57B35C25682E}</a:tableStyleId>
+              </a:tblPr>
+              <a:tblGrid>
+                <a:gridCol w="1945466"/>
+                <a:gridCol w="2033409"/>
+                <a:gridCol w="2158313"/>
+                <a:gridCol w="2224217"/>
+              </a:tblGrid>
+              <a:tr h="1123423">
+                <a:tc>
+                  <a:txBody>
+                    <a:bodyPr/>
+                    <a:lstStyle/>
+                    <a:p>
+                      <a:r>
+                        <a:rPr lang="en-US" sz="1600" dirty="0"/>
+                        <a:t>Storage Capacity</a:t>
+                      </a:r>
+                    </a:p>
+                  </a:txBody>
+                  <a:tcPr marL="89394" marR="89394" marT="44697" marB="44697" anchor="ctr">
+                    <a:lnR w="12700" cap="flat" cmpd="sng" algn="ctr">
+                      <a:solidFill>
+                        <a:schemeClr val="accent2"/>
+                      </a:solidFill>
+                      <a:prstDash val="solid"/>
+                      <a:round/>
+                      <a:headEnd type="none" w="med" len="med"/>
+                      <a:tailEnd type="none" w="med" len="med"/>
+                    </a:lnR>
+                  </a:tcPr>
+                </a:tc>
+                <a:tc>
+                  <a:txBody>
+                    <a:bodyPr/>
+                    <a:lstStyle/>
+                    <a:p>
+                      <a:r>
+                        <a:rPr lang="en-US" sz="1600" dirty="0" smtClean="0"/>
+                        <a:t>Locally Redundant Storage (</a:t>
+                      </a:r>
+                      <a:r>
+                        <a:rPr lang="en-US" sz="1600" b="1" dirty="0" smtClean="0"/>
+                        <a:t>LRS</a:t>
+                      </a:r>
+                      <a:r>
+                        <a:rPr lang="en-US" sz="1600" dirty="0" smtClean="0"/>
+                        <a:t>)</a:t>
+                      </a:r>
+                      <a:endParaRPr lang="en-US" sz="1600" dirty="0"/>
+                    </a:p>
+                  </a:txBody>
+                  <a:tcPr marL="89394" marR="89394" marT="44697" marB="44697" anchor="ctr">
+                    <a:lnL w="12700" cap="flat" cmpd="sng" algn="ctr">
+                      <a:solidFill>
+                        <a:schemeClr val="accent2"/>
+                      </a:solidFill>
+                      <a:prstDash val="solid"/>
+                      <a:round/>
+                      <a:headEnd type="none" w="med" len="med"/>
+                      <a:tailEnd type="none" w="med" len="med"/>
+                    </a:lnL>
+                  </a:tcPr>
+                </a:tc>
+                <a:tc>
+                  <a:txBody>
+                    <a:bodyPr/>
+                    <a:lstStyle/>
+                    <a:p>
+                      <a:r>
+                        <a:rPr lang="en-US" sz="1600" dirty="0" smtClean="0"/>
+                        <a:t>Geographically Redundant Storage (</a:t>
+                      </a:r>
+                      <a:r>
+                        <a:rPr lang="en-US" sz="1600" b="1" dirty="0" smtClean="0"/>
+                        <a:t>GRS</a:t>
+                      </a:r>
+                      <a:r>
+                        <a:rPr lang="en-US" sz="1600" dirty="0" smtClean="0"/>
+                        <a:t>)</a:t>
+                      </a:r>
+                      <a:endParaRPr lang="en-US" sz="1600" dirty="0"/>
+                    </a:p>
+                  </a:txBody>
+                  <a:tcPr marL="89394" marR="89394" marT="44697" marB="44697" anchor="ctr"/>
+                </a:tc>
+                <a:tc>
+                  <a:txBody>
+                    <a:bodyPr/>
+                    <a:lstStyle/>
+                    <a:p>
+                      <a:r>
+                        <a:rPr lang="en-US" sz="1600" dirty="0" smtClean="0"/>
+                        <a:t>Read-Access Geographically Redundant Storage (</a:t>
+                      </a:r>
+                      <a:r>
+                        <a:rPr lang="en-US" sz="1600" b="1" dirty="0" smtClean="0"/>
+                        <a:t>RA-GRS</a:t>
+                      </a:r>
+                      <a:r>
+                        <a:rPr lang="en-US" sz="1600" dirty="0" smtClean="0"/>
+                        <a:t>)</a:t>
+                      </a:r>
+                      <a:endParaRPr lang="en-US" sz="1600" dirty="0"/>
+                    </a:p>
+                  </a:txBody>
+                  <a:tcPr marL="89394" marR="89394" marT="44697" marB="44697" anchor="ctr"/>
+                </a:tc>
+              </a:tr>
+              <a:tr h="580583">
+                <a:tc>
+                  <a:txBody>
+                    <a:bodyPr/>
+                    <a:lstStyle/>
+                    <a:p>
+                      <a:r>
+                        <a:rPr lang="en-US" sz="1600" dirty="0"/>
+                        <a:t>First </a:t>
+                      </a:r>
+                      <a:r>
+                        <a:rPr lang="en-US" sz="1600" b="1" dirty="0"/>
+                        <a:t>1 TB </a:t>
+                      </a:r>
+                      <a:r>
+                        <a:rPr lang="en-US" sz="1600" dirty="0"/>
+                        <a:t>/ Month </a:t>
+                      </a:r>
+                    </a:p>
+                  </a:txBody>
+                  <a:tcPr marL="89394" marR="89394" marT="44697" marB="44697" anchor="ctr">
+                    <a:lnR w="12700" cap="flat" cmpd="sng" algn="ctr">
+                      <a:solidFill>
+                        <a:schemeClr val="accent2"/>
+                      </a:solidFill>
+                      <a:prstDash val="solid"/>
+                      <a:round/>
+                      <a:headEnd type="none" w="med" len="med"/>
+                      <a:tailEnd type="none" w="med" len="med"/>
+                    </a:lnR>
+                  </a:tcPr>
+                </a:tc>
+                <a:tc>
+                  <a:txBody>
+                    <a:bodyPr/>
+                    <a:lstStyle/>
+                    <a:p>
+                      <a:r>
+                        <a:rPr lang="en-US" dirty="0"/>
+                        <a:t>$0.07 per GB </a:t>
+                      </a:r>
+                    </a:p>
+                  </a:txBody>
+                  <a:tcPr anchor="ctr">
+                    <a:lnL w="12700" cap="flat" cmpd="sng" algn="ctr">
+                      <a:solidFill>
+                        <a:schemeClr val="accent2"/>
+                      </a:solidFill>
+                      <a:prstDash val="solid"/>
+                      <a:round/>
+                      <a:headEnd type="none" w="med" len="med"/>
+                      <a:tailEnd type="none" w="med" len="med"/>
+                    </a:lnL>
+                  </a:tcPr>
+                </a:tc>
+                <a:tc>
+                  <a:txBody>
+                    <a:bodyPr/>
+                    <a:lstStyle/>
+                    <a:p>
+                      <a:r>
+                        <a:rPr lang="en-US"/>
+                        <a:t>$0.095 per GB </a:t>
+                      </a:r>
+                    </a:p>
+                  </a:txBody>
+                  <a:tcPr anchor="ctr"/>
+                </a:tc>
+                <a:tc>
+                  <a:txBody>
+                    <a:bodyPr/>
+                    <a:lstStyle/>
+                    <a:p>
+                      <a:r>
+                        <a:rPr lang="en-US"/>
+                        <a:t>$0.12 per GB </a:t>
+                      </a:r>
+                    </a:p>
+                  </a:txBody>
+                  <a:tcPr anchor="ctr"/>
+                </a:tc>
+              </a:tr>
+              <a:tr h="580583">
+                <a:tc>
+                  <a:txBody>
+                    <a:bodyPr/>
+                    <a:lstStyle/>
+                    <a:p>
+                      <a:r>
+                        <a:rPr lang="en-US" sz="1600" dirty="0"/>
+                        <a:t>Next </a:t>
+                      </a:r>
+                      <a:r>
+                        <a:rPr lang="en-US" sz="1600" b="1" dirty="0"/>
+                        <a:t>49 TB </a:t>
+                      </a:r>
+                      <a:r>
+                        <a:rPr lang="en-US" sz="1600" dirty="0" smtClean="0"/>
+                        <a:t>/ </a:t>
+                      </a:r>
+                      <a:r>
+                        <a:rPr lang="en-US" sz="1600" dirty="0"/>
+                        <a:t>Month </a:t>
+                      </a:r>
+                    </a:p>
+                  </a:txBody>
+                  <a:tcPr marL="89394" marR="89394" marT="44697" marB="44697" anchor="ctr">
+                    <a:lnR w="12700" cap="flat" cmpd="sng" algn="ctr">
+                      <a:solidFill>
+                        <a:schemeClr val="accent2"/>
+                      </a:solidFill>
+                      <a:prstDash val="solid"/>
+                      <a:round/>
+                      <a:headEnd type="none" w="med" len="med"/>
+                      <a:tailEnd type="none" w="med" len="med"/>
+                    </a:lnR>
+                  </a:tcPr>
+                </a:tc>
+                <a:tc>
+                  <a:txBody>
+                    <a:bodyPr/>
+                    <a:lstStyle/>
+                    <a:p>
+                      <a:r>
+                        <a:rPr lang="en-US" dirty="0"/>
+                        <a:t>$0.065 per GB </a:t>
+                      </a:r>
+                    </a:p>
+                  </a:txBody>
+                  <a:tcPr anchor="ctr">
+                    <a:lnL w="12700" cap="flat" cmpd="sng" algn="ctr">
+                      <a:solidFill>
+                        <a:schemeClr val="accent2"/>
+                      </a:solidFill>
+                      <a:prstDash val="solid"/>
+                      <a:round/>
+                      <a:headEnd type="none" w="med" len="med"/>
+                      <a:tailEnd type="none" w="med" len="med"/>
+                    </a:lnL>
+                  </a:tcPr>
+                </a:tc>
+                <a:tc>
+                  <a:txBody>
+                    <a:bodyPr/>
+                    <a:lstStyle/>
+                    <a:p>
+                      <a:r>
+                        <a:rPr lang="en-US"/>
+                        <a:t>$0.08 per GB </a:t>
+                      </a:r>
+                    </a:p>
+                  </a:txBody>
+                  <a:tcPr anchor="ctr"/>
+                </a:tc>
+                <a:tc>
+                  <a:txBody>
+                    <a:bodyPr/>
+                    <a:lstStyle/>
+                    <a:p>
+                      <a:r>
+                        <a:rPr lang="en-US"/>
+                        <a:t>$0.10 per GB </a:t>
+                      </a:r>
+                    </a:p>
+                  </a:txBody>
+                  <a:tcPr anchor="ctr"/>
+                </a:tc>
+              </a:tr>
+              <a:tr h="830203">
+                <a:tc>
+                  <a:txBody>
+                    <a:bodyPr/>
+                    <a:lstStyle/>
+                    <a:p>
+                      <a:r>
+                        <a:rPr lang="en-US" sz="1600" dirty="0"/>
+                        <a:t>Next </a:t>
+                      </a:r>
+                      <a:r>
+                        <a:rPr lang="en-US" sz="1600" b="1" dirty="0"/>
+                        <a:t>450 TB </a:t>
+                      </a:r>
+                      <a:r>
+                        <a:rPr lang="en-US" sz="1600" dirty="0" smtClean="0"/>
+                        <a:t>/ </a:t>
+                      </a:r>
+                      <a:r>
+                        <a:rPr lang="en-US" sz="1600" dirty="0"/>
+                        <a:t>Month </a:t>
+                      </a:r>
+                    </a:p>
+                  </a:txBody>
+                  <a:tcPr marL="89394" marR="89394" marT="44697" marB="44697" anchor="ctr">
+                    <a:lnR w="12700" cap="flat" cmpd="sng" algn="ctr">
+                      <a:solidFill>
+                        <a:schemeClr val="accent2"/>
+                      </a:solidFill>
+                      <a:prstDash val="solid"/>
+                      <a:round/>
+                      <a:headEnd type="none" w="med" len="med"/>
+                      <a:tailEnd type="none" w="med" len="med"/>
+                    </a:lnR>
+                  </a:tcPr>
+                </a:tc>
+                <a:tc>
+                  <a:txBody>
+                    <a:bodyPr/>
+                    <a:lstStyle/>
+                    <a:p>
+                      <a:r>
+                        <a:rPr lang="en-US" dirty="0"/>
+                        <a:t>$0.06 per GB </a:t>
+                      </a:r>
+                    </a:p>
+                  </a:txBody>
+                  <a:tcPr anchor="ctr">
+                    <a:lnL w="12700" cap="flat" cmpd="sng" algn="ctr">
+                      <a:solidFill>
+                        <a:schemeClr val="accent2"/>
+                      </a:solidFill>
+                      <a:prstDash val="solid"/>
+                      <a:round/>
+                      <a:headEnd type="none" w="med" len="med"/>
+                      <a:tailEnd type="none" w="med" len="med"/>
+                    </a:lnL>
+                  </a:tcPr>
+                </a:tc>
+                <a:tc>
+                  <a:txBody>
+                    <a:bodyPr/>
+                    <a:lstStyle/>
+                    <a:p>
+                      <a:r>
+                        <a:rPr lang="en-US" dirty="0"/>
+                        <a:t>$0.07 per GB </a:t>
+                      </a:r>
+                    </a:p>
+                  </a:txBody>
+                  <a:tcPr anchor="ctr"/>
+                </a:tc>
+                <a:tc>
+                  <a:txBody>
+                    <a:bodyPr/>
+                    <a:lstStyle/>
+                    <a:p>
+                      <a:r>
+                        <a:rPr lang="en-US"/>
+                        <a:t>$0.09 per GB </a:t>
+                      </a:r>
+                    </a:p>
+                  </a:txBody>
+                  <a:tcPr anchor="ctr"/>
+                </a:tc>
+              </a:tr>
+              <a:tr h="830203">
+                <a:tc>
+                  <a:txBody>
+                    <a:bodyPr/>
+                    <a:lstStyle/>
+                    <a:p>
+                      <a:r>
+                        <a:rPr lang="en-US" sz="1600" dirty="0"/>
+                        <a:t>Next </a:t>
+                      </a:r>
+                      <a:r>
+                        <a:rPr lang="en-US" sz="1600" b="1" dirty="0"/>
+                        <a:t>500 TB </a:t>
+                      </a:r>
+                      <a:r>
+                        <a:rPr lang="en-US" sz="1600" dirty="0" smtClean="0"/>
+                        <a:t>/ </a:t>
+                      </a:r>
+                      <a:r>
+                        <a:rPr lang="en-US" sz="1600" dirty="0"/>
+                        <a:t>Month </a:t>
+                      </a:r>
+                    </a:p>
+                  </a:txBody>
+                  <a:tcPr marL="89394" marR="89394" marT="44697" marB="44697" anchor="ctr">
+                    <a:lnR w="12700" cap="flat" cmpd="sng" algn="ctr">
+                      <a:solidFill>
+                        <a:schemeClr val="accent2"/>
+                      </a:solidFill>
+                      <a:prstDash val="solid"/>
+                      <a:round/>
+                      <a:headEnd type="none" w="med" len="med"/>
+                      <a:tailEnd type="none" w="med" len="med"/>
+                    </a:lnR>
+                  </a:tcPr>
+                </a:tc>
+                <a:tc>
+                  <a:txBody>
+                    <a:bodyPr/>
+                    <a:lstStyle/>
+                    <a:p>
+                      <a:r>
+                        <a:rPr lang="en-US"/>
+                        <a:t>$0.055 per GB </a:t>
+                      </a:r>
+                    </a:p>
+                  </a:txBody>
+                  <a:tcPr anchor="ctr">
+                    <a:lnL w="12700" cap="flat" cmpd="sng" algn="ctr">
+                      <a:solidFill>
+                        <a:schemeClr val="accent2"/>
+                      </a:solidFill>
+                      <a:prstDash val="solid"/>
+                      <a:round/>
+                      <a:headEnd type="none" w="med" len="med"/>
+                      <a:tailEnd type="none" w="med" len="med"/>
+                    </a:lnL>
+                  </a:tcPr>
+                </a:tc>
+                <a:tc>
+                  <a:txBody>
+                    <a:bodyPr/>
+                    <a:lstStyle/>
+                    <a:p>
+                      <a:r>
+                        <a:rPr lang="en-US" dirty="0"/>
+                        <a:t>$0.065 per GB </a:t>
+                      </a:r>
+                    </a:p>
+                  </a:txBody>
+                  <a:tcPr anchor="ctr"/>
+                </a:tc>
+                <a:tc>
+                  <a:txBody>
+                    <a:bodyPr/>
+                    <a:lstStyle/>
+                    <a:p>
+                      <a:r>
+                        <a:rPr lang="en-US" dirty="0"/>
+                        <a:t>$0.08 per GB </a:t>
+                      </a:r>
+                    </a:p>
+                  </a:txBody>
+                  <a:tcPr anchor="ctr"/>
+                </a:tc>
+              </a:tr>
+              <a:tr h="830203">
+                <a:tc>
+                  <a:txBody>
+                    <a:bodyPr/>
+                    <a:lstStyle/>
+                    <a:p>
+                      <a:r>
+                        <a:rPr lang="en-US" sz="1600" dirty="0"/>
+                        <a:t>Next </a:t>
+                      </a:r>
+                      <a:r>
+                        <a:rPr lang="en-US" sz="1600" b="1" dirty="0"/>
+                        <a:t>4,000 TB </a:t>
+                      </a:r>
+                      <a:r>
+                        <a:rPr lang="en-US" sz="1600" dirty="0" smtClean="0"/>
+                        <a:t>/ </a:t>
+                      </a:r>
+                      <a:r>
+                        <a:rPr lang="en-US" sz="1600" dirty="0"/>
+                        <a:t>Month </a:t>
+                      </a:r>
+                    </a:p>
+                  </a:txBody>
+                  <a:tcPr marL="89394" marR="89394" marT="44697" marB="44697" anchor="ctr">
+                    <a:lnR w="12700" cap="flat" cmpd="sng" algn="ctr">
+                      <a:solidFill>
+                        <a:schemeClr val="accent2"/>
+                      </a:solidFill>
+                      <a:prstDash val="solid"/>
+                      <a:round/>
+                      <a:headEnd type="none" w="med" len="med"/>
+                      <a:tailEnd type="none" w="med" len="med"/>
+                    </a:lnR>
+                  </a:tcPr>
+                </a:tc>
+                <a:tc>
+                  <a:txBody>
+                    <a:bodyPr/>
+                    <a:lstStyle/>
+                    <a:p>
+                      <a:r>
+                        <a:rPr lang="en-US"/>
+                        <a:t>$0.045 per GB </a:t>
+                      </a:r>
+                    </a:p>
+                  </a:txBody>
+                  <a:tcPr anchor="ctr">
+                    <a:lnL w="12700" cap="flat" cmpd="sng" algn="ctr">
+                      <a:solidFill>
+                        <a:schemeClr val="accent2"/>
+                      </a:solidFill>
+                      <a:prstDash val="solid"/>
+                      <a:round/>
+                      <a:headEnd type="none" w="med" len="med"/>
+                      <a:tailEnd type="none" w="med" len="med"/>
+                    </a:lnL>
+                  </a:tcPr>
+                </a:tc>
+                <a:tc>
+                  <a:txBody>
+                    <a:bodyPr/>
+                    <a:lstStyle/>
+                    <a:p>
+                      <a:r>
+                        <a:rPr lang="en-US"/>
+                        <a:t>$0.06 per GB </a:t>
+                      </a:r>
+                    </a:p>
+                  </a:txBody>
+                  <a:tcPr anchor="ctr"/>
+                </a:tc>
+                <a:tc>
+                  <a:txBody>
+                    <a:bodyPr/>
+                    <a:lstStyle/>
+                    <a:p>
+                      <a:r>
+                        <a:rPr lang="en-US" dirty="0"/>
+                        <a:t>$0.075 per GB</a:t>
+                      </a:r>
+                    </a:p>
+                  </a:txBody>
+                  <a:tcPr anchor="ctr"/>
+                </a:tc>
+              </a:tr>
+            </a:tbl>
+          </a:graphicData>
+        </a:graphic>
+      </p:graphicFrame>
+    </p:spTree>
+    <p:extLst>
+      <p:ext uri="{BB962C8B-B14F-4D97-AF65-F5344CB8AC3E}">
+        <p14:creationId xmlns:p14="http://schemas.microsoft.com/office/powerpoint/2010/main" val="1427806529"/>
+      </p:ext>
+    </p:extLst>
+  </p:cSld>
+  <p:clrMapOvr>
+    <a:masterClrMapping/>
+  </p:clrMapOvr>
+  <p:timing>
+    <p:tnLst>
+      <p:par>
+        <p:cTn id="1" dur="indefinite" restart="never" nodeType="tmRoot"/>
+      </p:par>
+    </p:tnLst>
+  </p:timing>
+</p:sld>
+</file>
+
+<file path=ppt/slides/slide5.xml><?xml version="1.0" encoding="utf-8"?>
+<p:sld xmlns:a="http://schemas.openxmlformats.org/drawingml/2006/main" xmlns:r="http://schemas.openxmlformats.org/officeDocument/2006/relationships" xmlns:p="http://schemas.openxmlformats.org/presentationml/2006/main">
+  <p:cSld>
+    <p:spTree>
+      <p:nvGrpSpPr>
+        <p:cNvPr id="1" name=""/>
+        <p:cNvGrpSpPr/>
+        <p:nvPr/>
+      </p:nvGrpSpPr>
+      <p:grpSpPr>
+        <a:xfrm>
+          <a:off x="0" y="0"/>
+          <a:ext cx="0" cy="0"/>
+          <a:chOff x="0" y="0"/>
+          <a:chExt cx="0" cy="0"/>
+        </a:xfrm>
+      </p:grpSpPr>
+      <p:sp>
+        <p:nvSpPr>
+          <p:cNvPr id="5" name="Title 4"/>
+          <p:cNvSpPr>
+            <a:spLocks noGrp="1"/>
+          </p:cNvSpPr>
+          <p:nvPr>
+            <p:ph type="title"/>
+          </p:nvPr>
+        </p:nvSpPr>
+        <p:spPr/>
+        <p:txBody>
+          <a:bodyPr/>
+          <a:lstStyle/>
+          <a:p>
+            <a:r>
+              <a:rPr lang="en-US" dirty="0" smtClean="0"/>
+              <a:t>Any questions?</a:t>
+            </a:r>
+            <a:endParaRPr lang="en-US" dirty="0"/>
+          </a:p>
+        </p:txBody>
+      </p:sp>
+    </p:spTree>
+    <p:extLst>
+      <p:ext uri="{BB962C8B-B14F-4D97-AF65-F5344CB8AC3E}">
+        <p14:creationId xmlns:p14="http://schemas.microsoft.com/office/powerpoint/2010/main" val="3783879380"/>
+      </p:ext>
+    </p:extLst>
+  </p:cSld>
+  <p:clrMapOvr>
+    <a:masterClrMapping/>
+  </p:clrMapOvr>
+  <p:timing>
+    <p:tnLst>
+      <p:par>
+        <p:cTn id="1" dur="indefinite" restart="never" nodeType="tmRoot"/>
+      </p:par>
+    </p:tnLst>
+  </p:timing>
+</p:sld>
+</file>
+
 <file path=ppt/theme/theme1.xml><?xml version="1.0" encoding="utf-8"?>
-<a:theme xmlns:a="http://schemas.openxmlformats.org/drawingml/2006/main" name="Office Theme">
+<a:theme xmlns:a="http://schemas.openxmlformats.org/drawingml/2006/main" name="Retrospect">
   <a:themeElements>
-    <a:clrScheme name="Office">
+    <a:clrScheme name="Retrospect">
       <a:dk1>
         <a:sysClr val="windowText" lastClr="000000"/>
       </a:dk1>
@@ -7684,37 +9174,37 @@
         <a:sysClr val="window" lastClr="FFFFFF"/>
       </a:lt1>
       <a:dk2>
-        <a:srgbClr val="44546A"/>
+        <a:srgbClr val="455F51"/>
       </a:dk2>
       <a:lt2>
-        <a:srgbClr val="E7E6E6"/>
+        <a:srgbClr val="E2DFCC"/>
       </a:lt2>
       <a:accent1>
-        <a:srgbClr val="5B9BD5"/>
+        <a:srgbClr val="99CB38"/>
       </a:accent1>
       <a:accent2>
-        <a:srgbClr val="ED7D31"/>
+        <a:srgbClr val="63A537"/>
       </a:accent2>
       <a:accent3>
-        <a:srgbClr val="A5A5A5"/>
+        <a:srgbClr val="37A76F"/>
       </a:accent3>
       <a:accent4>
-        <a:srgbClr val="FFC000"/>
+        <a:srgbClr val="44C1A3"/>
       </a:accent4>
       <a:accent5>
-        <a:srgbClr val="4472C4"/>
+        <a:srgbClr val="4EB3CF"/>
       </a:accent5>
       <a:accent6>
-        <a:srgbClr val="70AD47"/>
+        <a:srgbClr val="51C3F9"/>
       </a:accent6>
       <a:hlink>
-        <a:srgbClr val="0563C1"/>
+        <a:srgbClr val="6B9F25"/>
       </a:hlink>
       <a:folHlink>
-        <a:srgbClr val="954F72"/>
+        <a:srgbClr val="B26B02"/>
       </a:folHlink>
     </a:clrScheme>
-    <a:fontScheme name="Office">
+    <a:fontScheme name="Retrospect">
       <a:majorFont>
         <a:latin typeface="Calibri Light" panose="020F0302020204030204"/>
         <a:ea typeface=""/>
@@ -7786,7 +9276,7 @@
         <a:font script="Geor" typeface="Sylfaen"/>
       </a:minorFont>
     </a:fontScheme>
-    <a:fmtScheme name="Office">
+    <a:fmtScheme name="Retrospect">
       <a:fillStyleLst>
         <a:solidFill>
           <a:schemeClr val="phClr"/>
@@ -7795,76 +9285,81 @@
           <a:gsLst>
             <a:gs pos="0">
               <a:schemeClr val="phClr">
-                <a:lumMod val="110000"/>
-                <a:satMod val="105000"/>
-                <a:tint val="67000"/>
+                <a:tint val="65000"/>
+                <a:shade val="92000"/>
+                <a:satMod val="130000"/>
               </a:schemeClr>
             </a:gs>
-            <a:gs pos="50000">
+            <a:gs pos="45000">
               <a:schemeClr val="phClr">
-                <a:lumMod val="105000"/>
-                <a:satMod val="103000"/>
-                <a:tint val="73000"/>
+                <a:tint val="60000"/>
+                <a:shade val="99000"/>
+                <a:satMod val="120000"/>
               </a:schemeClr>
             </a:gs>
             <a:gs pos="100000">
               <a:schemeClr val="phClr">
-                <a:lumMod val="105000"/>
-                <a:satMod val="109000"/>
-                <a:tint val="81000"/>
+                <a:tint val="55000"/>
+                <a:satMod val="140000"/>
               </a:schemeClr>
             </a:gs>
           </a:gsLst>
-          <a:lin ang="5400000" scaled="0"/>
+          <a:path path="circle">
+            <a:fillToRect l="100000" t="100000" r="100000" b="100000"/>
+          </a:path>
         </a:gradFill>
         <a:gradFill rotWithShape="1">
           <a:gsLst>
             <a:gs pos="0">
               <a:schemeClr val="phClr">
-                <a:satMod val="103000"/>
-                <a:lumMod val="102000"/>
-                <a:tint val="94000"/>
+                <a:shade val="85000"/>
+                <a:satMod val="130000"/>
               </a:schemeClr>
             </a:gs>
-            <a:gs pos="50000">
+            <a:gs pos="34000">
               <a:schemeClr val="phClr">
-                <a:satMod val="110000"/>
-                <a:lumMod val="100000"/>
-                <a:shade val="100000"/>
+                <a:shade val="87000"/>
+                <a:satMod val="125000"/>
+              </a:schemeClr>
+            </a:gs>
+            <a:gs pos="70000">
+              <a:schemeClr val="phClr">
+                <a:tint val="100000"/>
+                <a:shade val="90000"/>
+                <a:satMod val="130000"/>
               </a:schemeClr>
             </a:gs>
             <a:gs pos="100000">
               <a:schemeClr val="phClr">
-                <a:lumMod val="99000"/>
-                <a:satMod val="120000"/>
-                <a:shade val="78000"/>
+                <a:tint val="100000"/>
+                <a:shade val="100000"/>
+                <a:satMod val="110000"/>
               </a:schemeClr>
             </a:gs>
           </a:gsLst>
-          <a:lin ang="5400000" scaled="0"/>
+          <a:path path="circle">
+            <a:fillToRect l="100000" t="100000" r="100000" b="100000"/>
+          </a:path>
         </a:gradFill>
       </a:fillStyleLst>
       <a:lnStyleLst>
-        <a:ln w="6350" cap="flat" cmpd="sng" algn="ctr">
-          <a:solidFill>
-            <a:schemeClr val="phClr"/>
-          </a:solidFill>
-          <a:prstDash val="solid"/>
-          <a:miter lim="800000"/>
-        </a:ln>
         <a:ln w="12700" cap="flat" cmpd="sng" algn="ctr">
           <a:solidFill>
             <a:schemeClr val="phClr"/>
           </a:solidFill>
           <a:prstDash val="solid"/>
-          <a:miter lim="800000"/>
         </a:ln>
-        <a:ln w="19050" cap="flat" cmpd="sng" algn="ctr">
+        <a:ln w="15875" cap="flat" cmpd="sng" algn="ctr">
           <a:solidFill>
             <a:schemeClr val="phClr"/>
           </a:solidFill>
           <a:prstDash val="solid"/>
-          <a:miter lim="800000"/>
+        </a:ln>
+        <a:ln w="25400" cap="flat" cmpd="sng" algn="ctr">
+          <a:solidFill>
+            <a:schemeClr val="phClr"/>
+          </a:solidFill>
+          <a:prstDash val="solid"/>
         </a:ln>
       </a:lnStyleLst>
       <a:effectStyleLst>
@@ -7872,16 +9367,33 @@
           <a:effectLst/>
         </a:effectStyle>
         <a:effectStyle>
-          <a:effectLst/>
+          <a:effectLst>
+            <a:outerShdw blurRad="38100" dist="25400" dir="2700000" algn="br" rotWithShape="0">
+              <a:srgbClr val="000000">
+                <a:alpha val="60000"/>
+              </a:srgbClr>
+            </a:outerShdw>
+          </a:effectLst>
         </a:effectStyle>
         <a:effectStyle>
           <a:effectLst>
-            <a:outerShdw blurRad="57150" dist="19050" dir="5400000" algn="ctr" rotWithShape="0">
+            <a:outerShdw blurRad="44450" dist="25400" dir="2700000" algn="br" rotWithShape="0">
               <a:srgbClr val="000000">
-                <a:alpha val="63000"/>
+                <a:alpha val="60000"/>
               </a:srgbClr>
             </a:outerShdw>
           </a:effectLst>
+          <a:scene3d>
+            <a:camera prst="orthographicFront">
+              <a:rot lat="0" lon="0" rev="0"/>
+            </a:camera>
+            <a:lightRig rig="threePt" dir="t">
+              <a:rot lat="0" lon="0" rev="19800000"/>
+            </a:lightRig>
+          </a:scene3d>
+          <a:sp3d prstMaterial="flat">
+            <a:bevelT w="25400" h="31750"/>
+          </a:sp3d>
         </a:effectStyle>
       </a:effectStyleLst>
       <a:bgFillStyleLst>
@@ -7890,36 +9402,36 @@
         </a:solidFill>
         <a:solidFill>
           <a:schemeClr val="phClr">
-            <a:tint val="95000"/>
-            <a:satMod val="170000"/>
+            <a:tint val="90000"/>
+            <a:shade val="97000"/>
+            <a:satMod val="130000"/>
           </a:schemeClr>
         </a:solidFill>
         <a:gradFill rotWithShape="1">
           <a:gsLst>
             <a:gs pos="0">
               <a:schemeClr val="phClr">
-                <a:tint val="93000"/>
-                <a:satMod val="150000"/>
-                <a:shade val="98000"/>
-                <a:lumMod val="102000"/>
+                <a:tint val="96000"/>
+                <a:shade val="99000"/>
+                <a:satMod val="140000"/>
               </a:schemeClr>
             </a:gs>
-            <a:gs pos="50000">
+            <a:gs pos="65000">
               <a:schemeClr val="phClr">
-                <a:tint val="98000"/>
+                <a:tint val="100000"/>
+                <a:shade val="80000"/>
                 <a:satMod val="130000"/>
-                <a:shade val="90000"/>
-                <a:lumMod val="103000"/>
               </a:schemeClr>
             </a:gs>
             <a:gs pos="100000">
               <a:schemeClr val="phClr">
-                <a:shade val="63000"/>
+                <a:tint val="100000"/>
+                <a:shade val="48000"/>
                 <a:satMod val="120000"/>
               </a:schemeClr>
             </a:gs>
           </a:gsLst>
-          <a:lin ang="5400000" scaled="0"/>
+          <a:lin ang="16200000" scaled="0"/>
         </a:gradFill>
       </a:bgFillStyleLst>
     </a:fmtScheme>
@@ -7928,7 +9440,7 @@
   <a:extraClrSchemeLst/>
   <a:extLst>
     <a:ext uri="{05A4C25C-085E-4340-85A3-A5531E510DB2}">
-      <thm15:themeFamily xmlns:thm15="http://schemas.microsoft.com/office/thememl/2012/main" name="Office Theme" id="{62F939B6-93AF-4DB8-9C6B-D6C7DFDC589F}" vid="{4A3C46E8-61CC-4603-A589-7422A47A8E4A}"/>
+      <thm15:themeFamily xmlns:thm15="http://schemas.microsoft.com/office/thememl/2012/main" name="Retrospect" id="{5F128B03-DCCA-4EEB-AB3B-CF2899314A46}" vid="{D26EA377-59BD-4C9C-9D94-EE8416EE4C79}"/>
     </a:ext>
   </a:extLst>
 </a:theme>

--- a/AzureStorageQueue/Azure Storage Queue.pptx
+++ b/AzureStorageQueue/Azure Storage Queue.pptx
@@ -6,10 +6,13 @@
   </p:sldMasterIdLst>
   <p:sldIdLst>
     <p:sldId id="256" r:id="rId2"/>
-    <p:sldId id="257" r:id="rId3"/>
-    <p:sldId id="258" r:id="rId4"/>
-    <p:sldId id="260" r:id="rId5"/>
-    <p:sldId id="259" r:id="rId6"/>
+    <p:sldId id="261" r:id="rId3"/>
+    <p:sldId id="257" r:id="rId4"/>
+    <p:sldId id="258" r:id="rId5"/>
+    <p:sldId id="263" r:id="rId6"/>
+    <p:sldId id="260" r:id="rId7"/>
+    <p:sldId id="259" r:id="rId8"/>
+    <p:sldId id="262" r:id="rId9"/>
   </p:sldIdLst>
   <p:sldSz cx="9144000" cy="6858000" type="screen4x3"/>
   <p:notesSz cx="6858000" cy="9144000"/>
@@ -342,7 +345,7 @@
           <a:p>
             <a:fld id="{4203C980-AD12-4747-9EBC-39EF27E43EC5}" type="datetimeFigureOut">
               <a:rPr lang="en-US" smtClean="0"/>
-              <a:t>2/4/2015</a:t>
+              <a:t>2/5/2015</a:t>
             </a:fld>
             <a:endParaRPr lang="en-US"/>
           </a:p>
@@ -550,7 +553,7 @@
           <a:p>
             <a:fld id="{4203C980-AD12-4747-9EBC-39EF27E43EC5}" type="datetimeFigureOut">
               <a:rPr lang="en-US" smtClean="0"/>
-              <a:t>2/4/2015</a:t>
+              <a:t>2/5/2015</a:t>
             </a:fld>
             <a:endParaRPr lang="en-US"/>
           </a:p>
@@ -806,7 +809,7 @@
           <a:p>
             <a:fld id="{4203C980-AD12-4747-9EBC-39EF27E43EC5}" type="datetimeFigureOut">
               <a:rPr lang="en-US" smtClean="0"/>
-              <a:t>2/4/2015</a:t>
+              <a:t>2/5/2015</a:t>
             </a:fld>
             <a:endParaRPr lang="en-US"/>
           </a:p>
@@ -976,7 +979,7 @@
           <a:p>
             <a:fld id="{4203C980-AD12-4747-9EBC-39EF27E43EC5}" type="datetimeFigureOut">
               <a:rPr lang="en-US" smtClean="0"/>
-              <a:t>2/4/2015</a:t>
+              <a:t>2/5/2015</a:t>
             </a:fld>
             <a:endParaRPr lang="en-US"/>
           </a:p>
@@ -1319,7 +1322,7 @@
           <a:p>
             <a:fld id="{4203C980-AD12-4747-9EBC-39EF27E43EC5}" type="datetimeFigureOut">
               <a:rPr lang="en-US" smtClean="0"/>
-              <a:t>2/4/2015</a:t>
+              <a:t>2/5/2015</a:t>
             </a:fld>
             <a:endParaRPr lang="en-US"/>
           </a:p>
@@ -1594,7 +1597,7 @@
           <a:p>
             <a:fld id="{4203C980-AD12-4747-9EBC-39EF27E43EC5}" type="datetimeFigureOut">
               <a:rPr lang="en-US" smtClean="0"/>
-              <a:t>2/4/2015</a:t>
+              <a:t>2/5/2015</a:t>
             </a:fld>
             <a:endParaRPr lang="en-US"/>
           </a:p>
@@ -1973,7 +1976,7 @@
           <a:p>
             <a:fld id="{4203C980-AD12-4747-9EBC-39EF27E43EC5}" type="datetimeFigureOut">
               <a:rPr lang="en-US" smtClean="0"/>
-              <a:t>2/4/2015</a:t>
+              <a:t>2/5/2015</a:t>
             </a:fld>
             <a:endParaRPr lang="en-US"/>
           </a:p>
@@ -2091,7 +2094,7 @@
           <a:p>
             <a:fld id="{4203C980-AD12-4747-9EBC-39EF27E43EC5}" type="datetimeFigureOut">
               <a:rPr lang="en-US" smtClean="0"/>
-              <a:t>2/4/2015</a:t>
+              <a:t>2/5/2015</a:t>
             </a:fld>
             <a:endParaRPr lang="en-US"/>
           </a:p>
@@ -2262,7 +2265,7 @@
           <a:p>
             <a:fld id="{4203C980-AD12-4747-9EBC-39EF27E43EC5}" type="datetimeFigureOut">
               <a:rPr lang="en-US" smtClean="0"/>
-              <a:t>2/4/2015</a:t>
+              <a:t>2/5/2015</a:t>
             </a:fld>
             <a:endParaRPr lang="en-US"/>
           </a:p>
@@ -2616,7 +2619,7 @@
           <a:p>
             <a:fld id="{4203C980-AD12-4747-9EBC-39EF27E43EC5}" type="datetimeFigureOut">
               <a:rPr lang="en-US" smtClean="0"/>
-              <a:t>2/4/2015</a:t>
+              <a:t>2/5/2015</a:t>
             </a:fld>
             <a:endParaRPr lang="en-US"/>
           </a:p>
@@ -2993,7 +2996,7 @@
           <a:p>
             <a:fld id="{4203C980-AD12-4747-9EBC-39EF27E43EC5}" type="datetimeFigureOut">
               <a:rPr lang="en-US" smtClean="0"/>
-              <a:t>2/4/2015</a:t>
+              <a:t>2/5/2015</a:t>
             </a:fld>
             <a:endParaRPr lang="en-US"/>
           </a:p>
@@ -3280,7 +3283,7 @@
           <a:p>
             <a:fld id="{4203C980-AD12-4747-9EBC-39EF27E43EC5}" type="datetimeFigureOut">
               <a:rPr lang="en-US" smtClean="0"/>
-              <a:t>2/4/2015</a:t>
+              <a:t>2/5/2015</a:t>
             </a:fld>
             <a:endParaRPr lang="en-US"/>
           </a:p>
@@ -3902,6 +3905,126 @@
           <a:lstStyle/>
           <a:p>
             <a:r>
+              <a:rPr lang="en-US" dirty="0" smtClean="0"/>
+              <a:t>Azure </a:t>
+            </a:r>
+            <a:r>
+              <a:rPr lang="en-US" dirty="0"/>
+              <a:t>s</a:t>
+            </a:r>
+            <a:r>
+              <a:rPr lang="en-US" dirty="0" smtClean="0"/>
+              <a:t>torage intro</a:t>
+            </a:r>
+            <a:endParaRPr lang="en-US" dirty="0"/>
+          </a:p>
+        </p:txBody>
+      </p:sp>
+      <p:sp>
+        <p:nvSpPr>
+          <p:cNvPr id="3" name="Content Placeholder 2"/>
+          <p:cNvSpPr>
+            <a:spLocks noGrp="1"/>
+          </p:cNvSpPr>
+          <p:nvPr>
+            <p:ph idx="1"/>
+          </p:nvPr>
+        </p:nvSpPr>
+        <p:spPr/>
+        <p:txBody>
+          <a:bodyPr>
+            <a:normAutofit/>
+          </a:bodyPr>
+          <a:lstStyle/>
+          <a:p>
+            <a:pPr lvl="1">
+              <a:buFont typeface="Arial" panose="020B0604020202020204" pitchFamily="34" charset="0"/>
+              <a:buChar char="•"/>
+            </a:pPr>
+            <a:r>
+              <a:rPr lang="en-US" sz="2400" dirty="0" smtClean="0"/>
+              <a:t>Table Storage </a:t>
+            </a:r>
+          </a:p>
+          <a:p>
+            <a:pPr lvl="1">
+              <a:buFont typeface="Arial" panose="020B0604020202020204" pitchFamily="34" charset="0"/>
+              <a:buChar char="•"/>
+            </a:pPr>
+            <a:r>
+              <a:rPr lang="en-US" sz="2400" dirty="0" smtClean="0"/>
+              <a:t>Blob Storage</a:t>
+            </a:r>
+          </a:p>
+          <a:p>
+            <a:pPr lvl="1">
+              <a:buFont typeface="Arial" panose="020B0604020202020204" pitchFamily="34" charset="0"/>
+              <a:buChar char="•"/>
+            </a:pPr>
+            <a:r>
+              <a:rPr lang="en-US" sz="2400" b="1" dirty="0" smtClean="0"/>
+              <a:t>Storage Queue</a:t>
+            </a:r>
+          </a:p>
+          <a:p>
+            <a:pPr lvl="1">
+              <a:buFont typeface="Arial" panose="020B0604020202020204" pitchFamily="34" charset="0"/>
+              <a:buChar char="•"/>
+            </a:pPr>
+            <a:r>
+              <a:rPr lang="en-US" sz="2400" dirty="0" smtClean="0"/>
+              <a:t>File Storage</a:t>
+            </a:r>
+            <a:endParaRPr lang="en-US" sz="2400" dirty="0"/>
+          </a:p>
+        </p:txBody>
+      </p:sp>
+    </p:spTree>
+    <p:extLst>
+      <p:ext uri="{BB962C8B-B14F-4D97-AF65-F5344CB8AC3E}">
+        <p14:creationId xmlns:p14="http://schemas.microsoft.com/office/powerpoint/2010/main" val="2247362113"/>
+      </p:ext>
+    </p:extLst>
+  </p:cSld>
+  <p:clrMapOvr>
+    <a:masterClrMapping/>
+  </p:clrMapOvr>
+</p:sld>
+</file>
+
+<file path=ppt/slides/slide3.xml><?xml version="1.0" encoding="utf-8"?>
+<p:sld xmlns:a="http://schemas.openxmlformats.org/drawingml/2006/main" xmlns:r="http://schemas.openxmlformats.org/officeDocument/2006/relationships" xmlns:p="http://schemas.openxmlformats.org/presentationml/2006/main">
+  <p:cSld>
+    <p:spTree>
+      <p:nvGrpSpPr>
+        <p:cNvPr id="1" name=""/>
+        <p:cNvGrpSpPr/>
+        <p:nvPr/>
+      </p:nvGrpSpPr>
+      <p:grpSpPr>
+        <a:xfrm>
+          <a:off x="0" y="0"/>
+          <a:ext cx="0" cy="0"/>
+          <a:chOff x="0" y="0"/>
+          <a:chExt cx="0" cy="0"/>
+        </a:xfrm>
+      </p:grpSpPr>
+      <p:sp>
+        <p:nvSpPr>
+          <p:cNvPr id="2" name="Title 1"/>
+          <p:cNvSpPr>
+            <a:spLocks noGrp="1"/>
+          </p:cNvSpPr>
+          <p:nvPr>
+            <p:ph type="title"/>
+          </p:nvPr>
+        </p:nvSpPr>
+        <p:spPr/>
+        <p:txBody>
+          <a:bodyPr/>
+          <a:lstStyle/>
+          <a:p>
+            <a:r>
               <a:rPr lang="en-US" dirty="0"/>
               <a:t>Queue </a:t>
             </a:r>
@@ -3964,7 +4087,7 @@
 </p:sld>
 </file>
 
-<file path=ppt/slides/slide3.xml><?xml version="1.0" encoding="utf-8"?>
+<file path=ppt/slides/slide4.xml><?xml version="1.0" encoding="utf-8"?>
 <p:sld xmlns:a="http://schemas.openxmlformats.org/drawingml/2006/main" xmlns:r="http://schemas.openxmlformats.org/officeDocument/2006/relationships" xmlns:p="http://schemas.openxmlformats.org/presentationml/2006/main">
   <p:cSld>
     <p:spTree>
@@ -4005,7 +4128,6 @@
               <a:rPr lang="en-US" dirty="0"/>
               <a:t>Message lifecycle</a:t>
             </a:r>
-            <a:endParaRPr lang="en-US" dirty="0"/>
           </a:p>
         </p:txBody>
       </p:sp>
@@ -8474,7 +8596,60 @@
 </p:sld>
 </file>
 
-<file path=ppt/slides/slide4.xml><?xml version="1.0" encoding="utf-8"?>
+<file path=ppt/slides/slide5.xml><?xml version="1.0" encoding="utf-8"?>
+<p:sld xmlns:a="http://schemas.openxmlformats.org/drawingml/2006/main" xmlns:r="http://schemas.openxmlformats.org/officeDocument/2006/relationships" xmlns:p="http://schemas.openxmlformats.org/presentationml/2006/main">
+  <p:cSld>
+    <p:spTree>
+      <p:nvGrpSpPr>
+        <p:cNvPr id="1" name=""/>
+        <p:cNvGrpSpPr/>
+        <p:nvPr/>
+      </p:nvGrpSpPr>
+      <p:grpSpPr>
+        <a:xfrm>
+          <a:off x="0" y="0"/>
+          <a:ext cx="0" cy="0"/>
+          <a:chOff x="0" y="0"/>
+          <a:chExt cx="0" cy="0"/>
+        </a:xfrm>
+      </p:grpSpPr>
+      <p:sp>
+        <p:nvSpPr>
+          <p:cNvPr id="6" name="Title 5"/>
+          <p:cNvSpPr>
+            <a:spLocks noGrp="1"/>
+          </p:cNvSpPr>
+          <p:nvPr>
+            <p:ph type="title"/>
+          </p:nvPr>
+        </p:nvSpPr>
+        <p:spPr/>
+        <p:txBody>
+          <a:bodyPr/>
+          <a:lstStyle/>
+          <a:p>
+            <a:r>
+              <a:rPr lang="en-US" dirty="0" smtClean="0"/>
+              <a:t>Demo</a:t>
+            </a:r>
+            <a:endParaRPr lang="en-US" dirty="0"/>
+          </a:p>
+        </p:txBody>
+      </p:sp>
+    </p:spTree>
+    <p:extLst>
+      <p:ext uri="{BB962C8B-B14F-4D97-AF65-F5344CB8AC3E}">
+        <p14:creationId xmlns:p14="http://schemas.microsoft.com/office/powerpoint/2010/main" val="1452880082"/>
+      </p:ext>
+    </p:extLst>
+  </p:cSld>
+  <p:clrMapOvr>
+    <a:masterClrMapping/>
+  </p:clrMapOvr>
+</p:sld>
+</file>
+
+<file path=ppt/slides/slide6.xml><?xml version="1.0" encoding="utf-8"?>
 <p:sld xmlns:a="http://schemas.openxmlformats.org/drawingml/2006/main" xmlns:r="http://schemas.openxmlformats.org/officeDocument/2006/relationships" xmlns:p="http://schemas.openxmlformats.org/presentationml/2006/main">
   <p:cSld>
     <p:spTree>
@@ -9103,7 +9278,7 @@
 </p:sld>
 </file>
 
-<file path=ppt/slides/slide5.xml><?xml version="1.0" encoding="utf-8"?>
+<file path=ppt/slides/slide7.xml><?xml version="1.0" encoding="utf-8"?>
 <p:sld xmlns:a="http://schemas.openxmlformats.org/drawingml/2006/main" xmlns:r="http://schemas.openxmlformats.org/officeDocument/2006/relationships" xmlns:p="http://schemas.openxmlformats.org/presentationml/2006/main">
   <p:cSld>
     <p:spTree>
@@ -9120,29 +9295,47 @@
           <a:chExt cx="0" cy="0"/>
         </a:xfrm>
       </p:grpSpPr>
-      <p:sp>
-        <p:nvSpPr>
-          <p:cNvPr id="5" name="Title 4"/>
-          <p:cNvSpPr>
-            <a:spLocks noGrp="1"/>
-          </p:cNvSpPr>
-          <p:nvPr>
-            <p:ph type="title"/>
-          </p:nvPr>
-        </p:nvSpPr>
-        <p:spPr/>
-        <p:txBody>
-          <a:bodyPr/>
-          <a:lstStyle/>
-          <a:p>
-            <a:r>
-              <a:rPr lang="en-US" dirty="0" smtClean="0"/>
-              <a:t>Any questions?</a:t>
-            </a:r>
-            <a:endParaRPr lang="en-US" dirty="0"/>
-          </a:p>
-        </p:txBody>
-      </p:sp>
+      <p:pic>
+        <p:nvPicPr>
+          <p:cNvPr id="1026" name="Picture 2" descr="http://gabrielledolan.com/wp/wp-content/uploads/2013/05/any-questions.jpg"/>
+          <p:cNvPicPr>
+            <a:picLocks noChangeAspect="1" noChangeArrowheads="1"/>
+          </p:cNvPicPr>
+          <p:nvPr/>
+        </p:nvPicPr>
+        <p:blipFill>
+          <a:blip r:embed="rId2">
+            <a:extLst>
+              <a:ext uri="{28A0092B-C50C-407E-A947-70E740481C1C}">
+                <a14:useLocalDpi xmlns:a14="http://schemas.microsoft.com/office/drawing/2010/main" val="0"/>
+              </a:ext>
+            </a:extLst>
+          </a:blip>
+          <a:srcRect/>
+          <a:stretch>
+            <a:fillRect/>
+          </a:stretch>
+        </p:blipFill>
+        <p:spPr bwMode="auto">
+          <a:xfrm>
+            <a:off x="1481868" y="1206973"/>
+            <a:ext cx="6191250" cy="3686176"/>
+          </a:xfrm>
+          <a:prstGeom prst="rect">
+            <a:avLst/>
+          </a:prstGeom>
+          <a:noFill/>
+          <a:extLst>
+            <a:ext uri="{909E8E84-426E-40DD-AFC4-6F175D3DCCD1}">
+              <a14:hiddenFill xmlns:a14="http://schemas.microsoft.com/office/drawing/2010/main">
+                <a:solidFill>
+                  <a:srgbClr val="FFFFFF"/>
+                </a:solidFill>
+              </a14:hiddenFill>
+            </a:ext>
+          </a:extLst>
+        </p:spPr>
+      </p:pic>
     </p:spTree>
     <p:extLst>
       <p:ext uri="{BB962C8B-B14F-4D97-AF65-F5344CB8AC3E}">
@@ -9160,6 +9353,95 @@
       </p:par>
     </p:tnLst>
   </p:timing>
+</p:sld>
+</file>
+
+<file path=ppt/slides/slide8.xml><?xml version="1.0" encoding="utf-8"?>
+<p:sld xmlns:a="http://schemas.openxmlformats.org/drawingml/2006/main" xmlns:r="http://schemas.openxmlformats.org/officeDocument/2006/relationships" xmlns:p="http://schemas.openxmlformats.org/presentationml/2006/main">
+  <p:cSld>
+    <p:spTree>
+      <p:nvGrpSpPr>
+        <p:cNvPr id="1" name=""/>
+        <p:cNvGrpSpPr/>
+        <p:nvPr/>
+      </p:nvGrpSpPr>
+      <p:grpSpPr>
+        <a:xfrm>
+          <a:off x="0" y="0"/>
+          <a:ext cx="0" cy="0"/>
+          <a:chOff x="0" y="0"/>
+          <a:chExt cx="0" cy="0"/>
+        </a:xfrm>
+      </p:grpSpPr>
+      <p:sp>
+        <p:nvSpPr>
+          <p:cNvPr id="2" name="Title 1"/>
+          <p:cNvSpPr>
+            <a:spLocks noGrp="1"/>
+          </p:cNvSpPr>
+          <p:nvPr>
+            <p:ph type="title"/>
+          </p:nvPr>
+        </p:nvSpPr>
+        <p:spPr/>
+        <p:txBody>
+          <a:bodyPr>
+            <a:normAutofit/>
+          </a:bodyPr>
+          <a:lstStyle/>
+          <a:p>
+            <a:r>
+              <a:rPr lang="en-US" sz="6600" dirty="0" smtClean="0"/>
+              <a:t>Thank you</a:t>
+            </a:r>
+            <a:endParaRPr lang="en-US" sz="6600" dirty="0"/>
+          </a:p>
+        </p:txBody>
+      </p:sp>
+      <p:sp>
+        <p:nvSpPr>
+          <p:cNvPr id="3" name="Text Placeholder 2"/>
+          <p:cNvSpPr>
+            <a:spLocks noGrp="1"/>
+          </p:cNvSpPr>
+          <p:nvPr>
+            <p:ph type="body" idx="1"/>
+          </p:nvPr>
+        </p:nvSpPr>
+        <p:spPr/>
+        <p:txBody>
+          <a:bodyPr/>
+          <a:lstStyle/>
+          <a:p>
+            <a:r>
+              <a:rPr lang="en-US" dirty="0" smtClean="0"/>
+              <a:t>Skype: </a:t>
+            </a:r>
+            <a:r>
+              <a:rPr lang="en-US" dirty="0" err="1" smtClean="0"/>
+              <a:t>Anastasiia.belokurova</a:t>
+            </a:r>
+            <a:endParaRPr lang="en-US" dirty="0" smtClean="0"/>
+          </a:p>
+          <a:p>
+            <a:r>
+              <a:rPr lang="en-US" dirty="0" smtClean="0"/>
+              <a:t>Email: anastasiia.bel@gmail.com</a:t>
+            </a:r>
+            <a:endParaRPr lang="en-US" dirty="0"/>
+          </a:p>
+        </p:txBody>
+      </p:sp>
+    </p:spTree>
+    <p:extLst>
+      <p:ext uri="{BB962C8B-B14F-4D97-AF65-F5344CB8AC3E}">
+        <p14:creationId xmlns:p14="http://schemas.microsoft.com/office/powerpoint/2010/main" val="2584080938"/>
+      </p:ext>
+    </p:extLst>
+  </p:cSld>
+  <p:clrMapOvr>
+    <a:masterClrMapping/>
+  </p:clrMapOvr>
 </p:sld>
 </file>
 
